--- a/green_project_web/js_ppt/6강. js_객체(오브젝트).pptx
+++ b/green_project_web/js_ppt/6강. js_객체(오브젝트).pptx
@@ -5,7 +5,7 @@
     <p:sldMasterId id="2147483648" r:id="rId1"/>
   </p:sldMasterIdLst>
   <p:notesMasterIdLst>
-    <p:notesMasterId r:id="rId52"/>
+    <p:notesMasterId r:id="rId54"/>
   </p:notesMasterIdLst>
   <p:sldIdLst>
     <p:sldId id="256" r:id="rId2"/>
@@ -28,36 +28,38 @@
     <p:sldId id="443" r:id="rId19"/>
     <p:sldId id="440" r:id="rId20"/>
     <p:sldId id="449" r:id="rId21"/>
-    <p:sldId id="441" r:id="rId22"/>
-    <p:sldId id="390" r:id="rId23"/>
-    <p:sldId id="396" r:id="rId24"/>
-    <p:sldId id="435" r:id="rId25"/>
-    <p:sldId id="389" r:id="rId26"/>
-    <p:sldId id="452" r:id="rId27"/>
-    <p:sldId id="428" r:id="rId28"/>
-    <p:sldId id="429" r:id="rId29"/>
-    <p:sldId id="430" r:id="rId30"/>
-    <p:sldId id="447" r:id="rId31"/>
-    <p:sldId id="448" r:id="rId32"/>
-    <p:sldId id="417" r:id="rId33"/>
-    <p:sldId id="418" r:id="rId34"/>
-    <p:sldId id="419" r:id="rId35"/>
-    <p:sldId id="436" r:id="rId36"/>
-    <p:sldId id="437" r:id="rId37"/>
-    <p:sldId id="444" r:id="rId38"/>
-    <p:sldId id="445" r:id="rId39"/>
-    <p:sldId id="446" r:id="rId40"/>
-    <p:sldId id="393" r:id="rId41"/>
-    <p:sldId id="329" r:id="rId42"/>
-    <p:sldId id="330" r:id="rId43"/>
-    <p:sldId id="331" r:id="rId44"/>
-    <p:sldId id="347" r:id="rId45"/>
-    <p:sldId id="359" r:id="rId46"/>
-    <p:sldId id="412" r:id="rId47"/>
-    <p:sldId id="453" r:id="rId48"/>
-    <p:sldId id="333" r:id="rId49"/>
-    <p:sldId id="361" r:id="rId50"/>
-    <p:sldId id="334" r:id="rId51"/>
+    <p:sldId id="454" r:id="rId22"/>
+    <p:sldId id="441" r:id="rId23"/>
+    <p:sldId id="390" r:id="rId24"/>
+    <p:sldId id="396" r:id="rId25"/>
+    <p:sldId id="435" r:id="rId26"/>
+    <p:sldId id="389" r:id="rId27"/>
+    <p:sldId id="452" r:id="rId28"/>
+    <p:sldId id="428" r:id="rId29"/>
+    <p:sldId id="429" r:id="rId30"/>
+    <p:sldId id="430" r:id="rId31"/>
+    <p:sldId id="447" r:id="rId32"/>
+    <p:sldId id="448" r:id="rId33"/>
+    <p:sldId id="455" r:id="rId34"/>
+    <p:sldId id="456" r:id="rId35"/>
+    <p:sldId id="417" r:id="rId36"/>
+    <p:sldId id="418" r:id="rId37"/>
+    <p:sldId id="419" r:id="rId38"/>
+    <p:sldId id="436" r:id="rId39"/>
+    <p:sldId id="437" r:id="rId40"/>
+    <p:sldId id="444" r:id="rId41"/>
+    <p:sldId id="445" r:id="rId42"/>
+    <p:sldId id="446" r:id="rId43"/>
+    <p:sldId id="393" r:id="rId44"/>
+    <p:sldId id="329" r:id="rId45"/>
+    <p:sldId id="330" r:id="rId46"/>
+    <p:sldId id="331" r:id="rId47"/>
+    <p:sldId id="347" r:id="rId48"/>
+    <p:sldId id="359" r:id="rId49"/>
+    <p:sldId id="412" r:id="rId50"/>
+    <p:sldId id="333" r:id="rId51"/>
+    <p:sldId id="361" r:id="rId52"/>
+    <p:sldId id="334" r:id="rId53"/>
   </p:sldIdLst>
   <p:sldSz cx="9906000" cy="6858000" type="A4"/>
   <p:notesSz cx="6858000" cy="9144000"/>
@@ -257,7 +259,7 @@
           <a:p>
             <a:fld id="{7665CDAC-D627-4E87-877A-1B781DD4CADC}" type="datetimeFigureOut">
               <a:rPr lang="ko-KR" altLang="en-US" smtClean="0"/>
-              <a:t>2023-03-30</a:t>
+              <a:t>2023-04-05</a:t>
             </a:fld>
             <a:endParaRPr lang="ko-KR" altLang="en-US"/>
           </a:p>
@@ -671,7 +673,7 @@
           <a:p>
             <a:fld id="{C25BCFD5-C4DF-4EBC-B718-C69ED2FBDE6F}" type="datetime1">
               <a:rPr lang="ko-KR" altLang="en-US" smtClean="0"/>
-              <a:t>2023-03-30</a:t>
+              <a:t>2023-04-05</a:t>
             </a:fld>
             <a:endParaRPr lang="ko-KR" altLang="en-US"/>
           </a:p>
@@ -1089,7 +1091,7 @@
           <a:p>
             <a:fld id="{AB448CD7-D367-43D5-B461-ACE552E75063}" type="datetime1">
               <a:rPr lang="ko-KR" altLang="en-US" smtClean="0"/>
-              <a:t>2023-03-30</a:t>
+              <a:t>2023-04-05</a:t>
             </a:fld>
             <a:endParaRPr lang="ko-KR" altLang="en-US"/>
           </a:p>
@@ -1269,7 +1271,7 @@
           <a:p>
             <a:fld id="{B6E49E79-7361-4780-8BEF-7EDE3708298A}" type="datetime1">
               <a:rPr lang="ko-KR" altLang="en-US" smtClean="0"/>
-              <a:t>2023-03-30</a:t>
+              <a:t>2023-04-05</a:t>
             </a:fld>
             <a:endParaRPr lang="ko-KR" altLang="en-US"/>
           </a:p>
@@ -1443,7 +1445,7 @@
           <a:p>
             <a:fld id="{A4D42E3C-B70B-437C-85CF-1286301B9CBA}" type="datetime1">
               <a:rPr lang="ko-KR" altLang="en-US" smtClean="0"/>
-              <a:t>2023-03-30</a:t>
+              <a:t>2023-04-05</a:t>
             </a:fld>
             <a:endParaRPr lang="ko-KR" altLang="en-US"/>
           </a:p>
@@ -1689,7 +1691,7 @@
           <a:p>
             <a:fld id="{B3369A20-5B3D-4D98-A822-26B93D177A40}" type="datetime1">
               <a:rPr lang="ko-KR" altLang="en-US" smtClean="0"/>
-              <a:t>2023-03-30</a:t>
+              <a:t>2023-04-05</a:t>
             </a:fld>
             <a:endParaRPr lang="ko-KR" altLang="en-US"/>
           </a:p>
@@ -1977,7 +1979,7 @@
           <a:p>
             <a:fld id="{685CD4CE-9E43-4F70-A9D8-A2130CA7D92A}" type="datetime1">
               <a:rPr lang="ko-KR" altLang="en-US" smtClean="0"/>
-              <a:t>2023-03-30</a:t>
+              <a:t>2023-04-05</a:t>
             </a:fld>
             <a:endParaRPr lang="ko-KR" altLang="en-US"/>
           </a:p>
@@ -2399,7 +2401,7 @@
           <a:p>
             <a:fld id="{F752BD92-DA3E-4A0B-90C9-7DE5E15B6E96}" type="datetime1">
               <a:rPr lang="ko-KR" altLang="en-US" smtClean="0"/>
-              <a:t>2023-03-30</a:t>
+              <a:t>2023-04-05</a:t>
             </a:fld>
             <a:endParaRPr lang="ko-KR" altLang="en-US"/>
           </a:p>
@@ -2517,7 +2519,7 @@
           <a:p>
             <a:fld id="{8EA2B83A-F366-424E-B742-340ACF856BB5}" type="datetime1">
               <a:rPr lang="ko-KR" altLang="en-US" smtClean="0"/>
-              <a:t>2023-03-30</a:t>
+              <a:t>2023-04-05</a:t>
             </a:fld>
             <a:endParaRPr lang="ko-KR" altLang="en-US"/>
           </a:p>
@@ -2612,7 +2614,7 @@
           <a:p>
             <a:fld id="{9A49D68B-5DBD-48E9-A8D4-FCBC4B3DD9C6}" type="datetime1">
               <a:rPr lang="ko-KR" altLang="en-US" smtClean="0"/>
-              <a:t>2023-03-30</a:t>
+              <a:t>2023-04-05</a:t>
             </a:fld>
             <a:endParaRPr lang="ko-KR" altLang="en-US"/>
           </a:p>
@@ -2889,7 +2891,7 @@
           <a:p>
             <a:fld id="{4CAB534F-7D16-467B-9320-91F98915D181}" type="datetime1">
               <a:rPr lang="ko-KR" altLang="en-US" smtClean="0"/>
-              <a:t>2023-03-30</a:t>
+              <a:t>2023-04-05</a:t>
             </a:fld>
             <a:endParaRPr lang="ko-KR" altLang="en-US"/>
           </a:p>
@@ -3142,7 +3144,7 @@
           <a:p>
             <a:fld id="{A390A91F-2F8D-4486-A69D-D680F95444B0}" type="datetime1">
               <a:rPr lang="ko-KR" altLang="en-US" smtClean="0"/>
-              <a:t>2023-03-30</a:t>
+              <a:t>2023-04-05</a:t>
             </a:fld>
             <a:endParaRPr lang="ko-KR" altLang="en-US"/>
           </a:p>
@@ -3322,7 +3324,7 @@
           <a:p>
             <a:fld id="{2238BBEA-E8DD-414A-BF68-FC2AFA7CFF2D}" type="datetime1">
               <a:rPr lang="ko-KR" altLang="en-US" smtClean="0"/>
-              <a:t>2023-03-30</a:t>
+              <a:t>2023-04-05</a:t>
             </a:fld>
             <a:endParaRPr lang="ko-KR" altLang="en-US"/>
           </a:p>
@@ -4814,6 +4816,52 @@
           </a:ln>
         </p:spPr>
       </p:pic>
+      <p:sp>
+        <p:nvSpPr>
+          <p:cNvPr id="8" name="TextBox 7"/>
+          <p:cNvSpPr txBox="1"/>
+          <p:nvPr/>
+        </p:nvSpPr>
+        <p:spPr>
+          <a:xfrm>
+            <a:off x="5845149" y="2132856"/>
+            <a:ext cx="2155988" cy="338554"/>
+          </a:xfrm>
+          <a:prstGeom prst="rect">
+            <a:avLst/>
+          </a:prstGeom>
+          <a:noFill/>
+        </p:spPr>
+        <p:txBody>
+          <a:bodyPr wrap="square" rtlCol="0">
+            <a:spAutoFit/>
+          </a:bodyPr>
+          <a:lstStyle/>
+          <a:p>
+            <a:r>
+              <a:rPr lang="en-US" altLang="ko-KR" sz="1600" dirty="0">
+                <a:solidFill>
+                  <a:srgbClr val="FF0000"/>
+                </a:solidFill>
+              </a:rPr>
+              <a:t>t</a:t>
+            </a:r>
+            <a:r>
+              <a:rPr lang="en-US" altLang="ko-KR" sz="1600" dirty="0" smtClean="0">
+                <a:solidFill>
+                  <a:srgbClr val="FF0000"/>
+                </a:solidFill>
+              </a:rPr>
+              <a:t>hrow-dice1.html</a:t>
+            </a:r>
+            <a:endParaRPr lang="ko-KR" altLang="en-US" sz="1600" dirty="0">
+              <a:solidFill>
+                <a:srgbClr val="FF0000"/>
+              </a:solidFill>
+            </a:endParaRPr>
+          </a:p>
+        </p:txBody>
+      </p:sp>
     </p:spTree>
     <p:extLst>
       <p:ext uri="{BB962C8B-B14F-4D97-AF65-F5344CB8AC3E}">
@@ -5122,6 +5170,44 @@
           </a:ln>
         </p:spPr>
       </p:pic>
+      <p:sp>
+        <p:nvSpPr>
+          <p:cNvPr id="8" name="TextBox 7"/>
+          <p:cNvSpPr txBox="1"/>
+          <p:nvPr/>
+        </p:nvSpPr>
+        <p:spPr>
+          <a:xfrm>
+            <a:off x="6033120" y="1821451"/>
+            <a:ext cx="2155988" cy="338554"/>
+          </a:xfrm>
+          <a:prstGeom prst="rect">
+            <a:avLst/>
+          </a:prstGeom>
+          <a:noFill/>
+        </p:spPr>
+        <p:txBody>
+          <a:bodyPr wrap="square" rtlCol="0">
+            <a:spAutoFit/>
+          </a:bodyPr>
+          <a:lstStyle/>
+          <a:p>
+            <a:r>
+              <a:rPr lang="en-US" altLang="ko-KR" sz="1600" dirty="0" smtClean="0">
+                <a:solidFill>
+                  <a:srgbClr val="FF0000"/>
+                </a:solidFill>
+              </a:rPr>
+              <a:t>throw-dice2.html</a:t>
+            </a:r>
+            <a:endParaRPr lang="ko-KR" altLang="en-US" sz="1600" dirty="0">
+              <a:solidFill>
+                <a:srgbClr val="FF0000"/>
+              </a:solidFill>
+            </a:endParaRPr>
+          </a:p>
+        </p:txBody>
+      </p:sp>
     </p:spTree>
     <p:extLst>
       <p:ext uri="{BB962C8B-B14F-4D97-AF65-F5344CB8AC3E}">
@@ -5473,7 +5559,7 @@
       </p:sp>
       <p:pic>
         <p:nvPicPr>
-          <p:cNvPr id="5" name="그림 4"/>
+          <p:cNvPr id="3" name="그림 2"/>
           <p:cNvPicPr>
             <a:picLocks noChangeAspect="1"/>
           </p:cNvPicPr>
@@ -5493,17 +5579,16 @@
         </p:blipFill>
         <p:spPr>
           <a:xfrm>
-            <a:off x="1113801" y="1988840"/>
-            <a:ext cx="7886245" cy="3496937"/>
+            <a:off x="1352600" y="1628800"/>
+            <a:ext cx="7066628" cy="3168352"/>
           </a:xfrm>
           <a:prstGeom prst="rect">
             <a:avLst/>
           </a:prstGeom>
           <a:ln>
             <a:solidFill>
-              <a:schemeClr val="accent4">
-                <a:lumMod val="20000"/>
-                <a:lumOff val="80000"/>
+              <a:schemeClr val="bg1">
+                <a:lumMod val="85000"/>
               </a:schemeClr>
             </a:solidFill>
           </a:ln>
@@ -5511,19 +5596,21 @@
       </p:pic>
       <p:sp>
         <p:nvSpPr>
-          <p:cNvPr id="6" name="TextBox 5"/>
+          <p:cNvPr id="7" name="TextBox 6"/>
           <p:cNvSpPr txBox="1"/>
           <p:nvPr/>
         </p:nvSpPr>
         <p:spPr>
           <a:xfrm>
-            <a:off x="1113801" y="1421812"/>
+            <a:off x="7401272" y="2132856"/>
             <a:ext cx="1605824" cy="408623"/>
           </a:xfrm>
           <a:prstGeom prst="roundRect">
             <a:avLst/>
           </a:prstGeom>
-          <a:ln w="19050"/>
+          <a:ln w="19050">
+            <a:noFill/>
+          </a:ln>
         </p:spPr>
         <p:style>
           <a:lnRef idx="2">
@@ -5687,45 +5774,8 @@
         </p:blipFill>
         <p:spPr>
           <a:xfrm>
-            <a:off x="2031649" y="3573016"/>
+            <a:off x="2288704" y="2038782"/>
             <a:ext cx="3355722" cy="2016224"/>
-          </a:xfrm>
-          <a:prstGeom prst="rect">
-            <a:avLst/>
-          </a:prstGeom>
-          <a:ln>
-            <a:solidFill>
-              <a:schemeClr val="bg1">
-                <a:lumMod val="85000"/>
-              </a:schemeClr>
-            </a:solidFill>
-          </a:ln>
-        </p:spPr>
-      </p:pic>
-      <p:pic>
-        <p:nvPicPr>
-          <p:cNvPr id="9" name="그림 8"/>
-          <p:cNvPicPr>
-            <a:picLocks noChangeAspect="1"/>
-          </p:cNvPicPr>
-          <p:nvPr/>
-        </p:nvPicPr>
-        <p:blipFill>
-          <a:blip r:embed="rId3">
-            <a:extLst>
-              <a:ext uri="{28A0092B-C50C-407E-A947-70E740481C1C}">
-                <a14:useLocalDpi xmlns:a14="http://schemas.microsoft.com/office/drawing/2010/main" val="0"/>
-              </a:ext>
-            </a:extLst>
-          </a:blip>
-          <a:stretch>
-            <a:fillRect/>
-          </a:stretch>
-        </p:blipFill>
-        <p:spPr>
-          <a:xfrm>
-            <a:off x="1993758" y="1988840"/>
-            <a:ext cx="4176122" cy="1287892"/>
           </a:xfrm>
           <a:prstGeom prst="rect">
             <a:avLst/>
@@ -5902,12 +5952,20 @@
           <a:lstStyle/>
           <a:p>
             <a:r>
+              <a:rPr lang="en-US" altLang="ko-KR" sz="1600" dirty="0">
+                <a:solidFill>
+                  <a:srgbClr val="FF0000"/>
+                </a:solidFill>
+              </a:rPr>
+              <a:t>p</a:t>
+            </a:r>
+            <a:r>
               <a:rPr lang="en-US" altLang="ko-KR" sz="1600" dirty="0" smtClean="0">
                 <a:solidFill>
                   <a:srgbClr val="FF0000"/>
                 </a:solidFill>
               </a:rPr>
-              <a:t>pickedOne.html</a:t>
+              <a:t>icked_one.html</a:t>
             </a:r>
             <a:endParaRPr lang="ko-KR" altLang="en-US" sz="1600" dirty="0">
               <a:solidFill>
@@ -5956,7 +6014,7 @@
       </p:pic>
       <p:pic>
         <p:nvPicPr>
-          <p:cNvPr id="6" name="그림 5"/>
+          <p:cNvPr id="5" name="그림 4"/>
           <p:cNvPicPr>
             <a:picLocks noChangeAspect="1"/>
           </p:cNvPicPr>
@@ -5976,8 +6034,8 @@
         </p:blipFill>
         <p:spPr>
           <a:xfrm>
-            <a:off x="776536" y="1916832"/>
-            <a:ext cx="5974598" cy="3459780"/>
+            <a:off x="920552" y="1940751"/>
+            <a:ext cx="5951736" cy="3375953"/>
           </a:xfrm>
           <a:prstGeom prst="rect">
             <a:avLst/>
@@ -6156,8 +6214,82 @@
         </p:blipFill>
         <p:spPr>
           <a:xfrm>
-            <a:off x="2576735" y="2029462"/>
+            <a:off x="5245100" y="2568953"/>
             <a:ext cx="3168353" cy="1891941"/>
+          </a:xfrm>
+          <a:prstGeom prst="rect">
+            <a:avLst/>
+          </a:prstGeom>
+          <a:ln>
+            <a:solidFill>
+              <a:schemeClr val="bg1">
+                <a:lumMod val="85000"/>
+              </a:schemeClr>
+            </a:solidFill>
+          </a:ln>
+        </p:spPr>
+      </p:pic>
+      <p:pic>
+        <p:nvPicPr>
+          <p:cNvPr id="7" name="그림 6"/>
+          <p:cNvPicPr>
+            <a:picLocks noChangeAspect="1"/>
+          </p:cNvPicPr>
+          <p:nvPr/>
+        </p:nvPicPr>
+        <p:blipFill>
+          <a:blip r:embed="rId3">
+            <a:extLst>
+              <a:ext uri="{28A0092B-C50C-407E-A947-70E740481C1C}">
+                <a14:useLocalDpi xmlns:a14="http://schemas.microsoft.com/office/drawing/2010/main" val="0"/>
+              </a:ext>
+            </a:extLst>
+          </a:blip>
+          <a:stretch>
+            <a:fillRect/>
+          </a:stretch>
+        </p:blipFill>
+        <p:spPr>
+          <a:xfrm>
+            <a:off x="1640632" y="2132857"/>
+            <a:ext cx="3240360" cy="1236376"/>
+          </a:xfrm>
+          <a:prstGeom prst="rect">
+            <a:avLst/>
+          </a:prstGeom>
+          <a:ln>
+            <a:solidFill>
+              <a:schemeClr val="bg1">
+                <a:lumMod val="85000"/>
+              </a:schemeClr>
+            </a:solidFill>
+          </a:ln>
+        </p:spPr>
+      </p:pic>
+      <p:pic>
+        <p:nvPicPr>
+          <p:cNvPr id="8" name="그림 7"/>
+          <p:cNvPicPr>
+            <a:picLocks noChangeAspect="1"/>
+          </p:cNvPicPr>
+          <p:nvPr/>
+        </p:nvPicPr>
+        <p:blipFill>
+          <a:blip r:embed="rId4">
+            <a:extLst>
+              <a:ext uri="{28A0092B-C50C-407E-A947-70E740481C1C}">
+                <a14:useLocalDpi xmlns:a14="http://schemas.microsoft.com/office/drawing/2010/main" val="0"/>
+              </a:ext>
+            </a:extLst>
+          </a:blip>
+          <a:stretch>
+            <a:fillRect/>
+          </a:stretch>
+        </p:blipFill>
+        <p:spPr>
+          <a:xfrm>
+            <a:off x="1640632" y="3836604"/>
+            <a:ext cx="3240360" cy="1248580"/>
           </a:xfrm>
           <a:prstGeom prst="rect">
             <a:avLst/>
@@ -6316,7 +6448,7 @@
       </p:sp>
       <p:pic>
         <p:nvPicPr>
-          <p:cNvPr id="6" name="그림 5"/>
+          <p:cNvPr id="8" name="그림 7"/>
           <p:cNvPicPr>
             <a:picLocks noChangeAspect="1"/>
           </p:cNvPicPr>
@@ -6336,8 +6468,8 @@
         </p:blipFill>
         <p:spPr>
           <a:xfrm>
-            <a:off x="1713792" y="1822758"/>
-            <a:ext cx="5322861" cy="4876187"/>
+            <a:off x="1496616" y="1916832"/>
+            <a:ext cx="5904656" cy="4685714"/>
           </a:xfrm>
           <a:prstGeom prst="rect">
             <a:avLst/>
@@ -6359,7 +6491,7 @@
         </p:nvSpPr>
         <p:spPr>
           <a:xfrm>
-            <a:off x="6825208" y="2708920"/>
+            <a:off x="6753200" y="3068960"/>
             <a:ext cx="2304256" cy="338554"/>
           </a:xfrm>
           <a:prstGeom prst="rect">
@@ -6373,13 +6505,21 @@
           </a:bodyPr>
           <a:lstStyle/>
           <a:p>
+            <a:r>
+              <a:rPr lang="en-US" altLang="ko-KR" sz="1600" dirty="0">
+                <a:solidFill>
+                  <a:srgbClr val="FF0000"/>
+                </a:solidFill>
+              </a:rPr>
+              <a:t>p</a:t>
+            </a:r>
             <a:r>
               <a:rPr lang="en-US" altLang="ko-KR" sz="1600" dirty="0" smtClean="0">
                 <a:solidFill>
                   <a:srgbClr val="FF0000"/>
                 </a:solidFill>
               </a:rPr>
-              <a:t>pickedWinners.html</a:t>
+              <a:t>icked_winners.html</a:t>
             </a:r>
             <a:endParaRPr lang="ko-KR" altLang="en-US" sz="1600" dirty="0">
               <a:solidFill>
@@ -6492,7 +6632,7 @@
         </p:nvSpPr>
         <p:spPr>
           <a:xfrm>
-            <a:off x="1064567" y="1124744"/>
+            <a:off x="1064567" y="1246516"/>
             <a:ext cx="5976665" cy="454292"/>
           </a:xfrm>
           <a:prstGeom prst="rect">
@@ -6534,13 +6674,13 @@
       </p:sp>
       <p:pic>
         <p:nvPicPr>
-          <p:cNvPr id="11" name="그림 10"/>
+          <p:cNvPr id="3" name="그림 2"/>
           <p:cNvPicPr>
             <a:picLocks noChangeAspect="1"/>
           </p:cNvPicPr>
           <p:nvPr/>
         </p:nvPicPr>
-        <p:blipFill>
+        <p:blipFill rotWithShape="1">
           <a:blip r:embed="rId2">
             <a:extLst>
               <a:ext uri="{28A0092B-C50C-407E-A947-70E740481C1C}">
@@ -6548,14 +6688,13 @@
               </a:ext>
             </a:extLst>
           </a:blip>
-          <a:stretch>
-            <a:fillRect/>
-          </a:stretch>
+          <a:srcRect b="44482"/>
+          <a:stretch/>
         </p:blipFill>
         <p:spPr>
           <a:xfrm>
-            <a:off x="599128" y="1700808"/>
-            <a:ext cx="5722024" cy="1281677"/>
+            <a:off x="1424608" y="2314181"/>
+            <a:ext cx="6707495" cy="2951949"/>
           </a:xfrm>
           <a:prstGeom prst="rect">
             <a:avLst/>
@@ -6577,7 +6716,7 @@
         </p:nvSpPr>
         <p:spPr>
           <a:xfrm>
-            <a:off x="6842166" y="2118166"/>
+            <a:off x="5889104" y="1787881"/>
             <a:ext cx="2304256" cy="338554"/>
           </a:xfrm>
           <a:prstGeom prst="rect">
@@ -6591,13 +6730,21 @@
           </a:bodyPr>
           <a:lstStyle/>
           <a:p>
+            <a:r>
+              <a:rPr lang="en-US" altLang="ko-KR" sz="1600" dirty="0">
+                <a:solidFill>
+                  <a:srgbClr val="FF0000"/>
+                </a:solidFill>
+              </a:rPr>
+              <a:t>p</a:t>
+            </a:r>
             <a:r>
               <a:rPr lang="en-US" altLang="ko-KR" sz="1600" dirty="0" smtClean="0">
                 <a:solidFill>
                   <a:srgbClr val="FF0000"/>
                 </a:solidFill>
               </a:rPr>
-              <a:t>pickedWinners2.html</a:t>
+              <a:t>icked_winners2.html</a:t>
             </a:r>
             <a:endParaRPr lang="ko-KR" altLang="en-US" sz="1600" dirty="0">
               <a:solidFill>
@@ -6607,43 +6754,6 @@
           </a:p>
         </p:txBody>
       </p:sp>
-      <p:pic>
-        <p:nvPicPr>
-          <p:cNvPr id="10" name="그림 9"/>
-          <p:cNvPicPr>
-            <a:picLocks noChangeAspect="1"/>
-          </p:cNvPicPr>
-          <p:nvPr/>
-        </p:nvPicPr>
-        <p:blipFill>
-          <a:blip r:embed="rId3">
-            <a:extLst>
-              <a:ext uri="{28A0092B-C50C-407E-A947-70E740481C1C}">
-                <a14:useLocalDpi xmlns:a14="http://schemas.microsoft.com/office/drawing/2010/main" val="0"/>
-              </a:ext>
-            </a:extLst>
-          </a:blip>
-          <a:stretch>
-            <a:fillRect/>
-          </a:stretch>
-        </p:blipFill>
-        <p:spPr>
-          <a:xfrm>
-            <a:off x="4393893" y="2564904"/>
-            <a:ext cx="5150461" cy="3960440"/>
-          </a:xfrm>
-          <a:prstGeom prst="rect">
-            <a:avLst/>
-          </a:prstGeom>
-          <a:ln>
-            <a:solidFill>
-              <a:schemeClr val="bg1">
-                <a:lumMod val="85000"/>
-              </a:schemeClr>
-            </a:solidFill>
-          </a:ln>
-        </p:spPr>
-      </p:pic>
     </p:spTree>
     <p:extLst>
       <p:ext uri="{BB962C8B-B14F-4D97-AF65-F5344CB8AC3E}">
@@ -7234,7 +7344,7 @@
         </p:nvSpPr>
         <p:spPr>
           <a:xfrm>
-            <a:off x="1064567" y="1124744"/>
+            <a:off x="1064567" y="1196752"/>
             <a:ext cx="5976665" cy="507831"/>
           </a:xfrm>
           <a:prstGeom prst="rect">
@@ -7282,7 +7392,7 @@
         </p:nvSpPr>
         <p:spPr>
           <a:xfrm>
-            <a:off x="3728864" y="2193949"/>
+            <a:off x="6555346" y="2188800"/>
             <a:ext cx="2304256" cy="338554"/>
           </a:xfrm>
           <a:prstGeom prst="rect">
@@ -7481,7 +7591,7 @@
       </p:cxnSp>
       <p:pic>
         <p:nvPicPr>
-          <p:cNvPr id="7" name="그림 6"/>
+          <p:cNvPr id="6" name="그림 5"/>
           <p:cNvPicPr>
             <a:picLocks noChangeAspect="1"/>
           </p:cNvPicPr>
@@ -7501,8 +7611,8 @@
         </p:blipFill>
         <p:spPr>
           <a:xfrm>
-            <a:off x="3152800" y="2748032"/>
-            <a:ext cx="6555093" cy="3705304"/>
+            <a:off x="3224808" y="2742380"/>
+            <a:ext cx="6401916" cy="3619458"/>
           </a:xfrm>
           <a:prstGeom prst="rect">
             <a:avLst/>
@@ -7581,20 +7691,8 @@
               </a:lnSpc>
             </a:pPr>
             <a:r>
-              <a:rPr lang="ko-KR" altLang="en-US" sz="2800" b="1" dirty="0" err="1" smtClean="0"/>
-              <a:t>로또</a:t>
-            </a:r>
-            <a:r>
-              <a:rPr lang="en-US" altLang="ko-KR" sz="2800" b="1" dirty="0" smtClean="0"/>
-              <a:t>(lotto)</a:t>
-            </a:r>
-            <a:r>
-              <a:rPr lang="ko-KR" altLang="en-US" sz="2800" b="1" dirty="0" smtClean="0"/>
-              <a:t> 추첨 </a:t>
-            </a:r>
-            <a:r>
               <a:rPr lang="ko-KR" altLang="en-US" sz="2800" b="1" dirty="0"/>
-              <a:t>프로그램</a:t>
+              <a:t>이벤트 당첨자 추첨 프로그램</a:t>
             </a:r>
             <a:endParaRPr lang="en-US" altLang="ko-KR" sz="2800" b="1" dirty="0"/>
           </a:p>
@@ -7620,113 +7718,6 @@
               <a:t>21</a:t>
             </a:fld>
             <a:endParaRPr lang="ko-KR" altLang="en-US"/>
-          </a:p>
-        </p:txBody>
-      </p:sp>
-      <p:sp>
-        <p:nvSpPr>
-          <p:cNvPr id="12" name="직사각형 11"/>
-          <p:cNvSpPr/>
-          <p:nvPr/>
-        </p:nvSpPr>
-        <p:spPr>
-          <a:xfrm>
-            <a:off x="776536" y="1196752"/>
-            <a:ext cx="8280920" cy="1615827"/>
-          </a:xfrm>
-          <a:prstGeom prst="rect">
-            <a:avLst/>
-          </a:prstGeom>
-        </p:spPr>
-        <p:txBody>
-          <a:bodyPr wrap="square">
-            <a:spAutoFit/>
-          </a:bodyPr>
-          <a:lstStyle/>
-          <a:p>
-            <a:r>
-              <a:rPr lang="en-US" altLang="ko-KR" dirty="0" smtClean="0"/>
-              <a:t>------------------------------------------------------------------------------------</a:t>
-            </a:r>
-          </a:p>
-          <a:p>
-            <a:pPr>
-              <a:lnSpc>
-                <a:spcPct val="150000"/>
-              </a:lnSpc>
-            </a:pPr>
-            <a:r>
-              <a:rPr lang="en-US" altLang="ko-KR" dirty="0" smtClean="0"/>
-              <a:t>  lotto </a:t>
-            </a:r>
-            <a:r>
-              <a:rPr lang="ko-KR" altLang="en-US" dirty="0" smtClean="0"/>
-              <a:t>추첨 프로그램을 구현하세요</a:t>
-            </a:r>
-            <a:r>
-              <a:rPr lang="en-US" altLang="ko-KR" dirty="0" smtClean="0"/>
-              <a:t>.(</a:t>
-            </a:r>
-            <a:r>
-              <a:rPr lang="ko-KR" altLang="en-US" dirty="0" smtClean="0"/>
-              <a:t>파일 </a:t>
-            </a:r>
-            <a:r>
-              <a:rPr lang="en-US" altLang="ko-KR" dirty="0" smtClean="0"/>
-              <a:t>: lotto.html)</a:t>
-            </a:r>
-          </a:p>
-          <a:p>
-            <a:pPr>
-              <a:lnSpc>
-                <a:spcPct val="150000"/>
-              </a:lnSpc>
-            </a:pPr>
-            <a:r>
-              <a:rPr lang="en-US" altLang="ko-KR" dirty="0"/>
-              <a:t> </a:t>
-            </a:r>
-            <a:r>
-              <a:rPr lang="en-US" altLang="ko-KR" dirty="0" smtClean="0"/>
-              <a:t>   - 1</a:t>
-            </a:r>
-            <a:r>
-              <a:rPr lang="ko-KR" altLang="en-US" dirty="0" smtClean="0"/>
-              <a:t>부터 </a:t>
-            </a:r>
-            <a:r>
-              <a:rPr lang="en-US" altLang="ko-KR" dirty="0" smtClean="0"/>
-              <a:t>45</a:t>
-            </a:r>
-            <a:r>
-              <a:rPr lang="ko-KR" altLang="en-US" dirty="0" smtClean="0"/>
-              <a:t>의 숫자 중에서 </a:t>
-            </a:r>
-            <a:r>
-              <a:rPr lang="en-US" altLang="ko-KR" dirty="0" smtClean="0"/>
-              <a:t>6</a:t>
-            </a:r>
-            <a:r>
-              <a:rPr lang="ko-KR" altLang="en-US" dirty="0" smtClean="0"/>
-              <a:t>개의 번호를 추첨하세요</a:t>
-            </a:r>
-            <a:r>
-              <a:rPr lang="en-US" altLang="ko-KR" dirty="0" smtClean="0"/>
-              <a:t>  </a:t>
-            </a:r>
-            <a:endParaRPr lang="en-US" altLang="ko-KR" dirty="0"/>
-          </a:p>
-          <a:p>
-            <a:pPr>
-              <a:lnSpc>
-                <a:spcPct val="150000"/>
-              </a:lnSpc>
-            </a:pPr>
-            <a:r>
-              <a:rPr lang="en-US" altLang="ko-KR" dirty="0" smtClean="0"/>
-              <a:t>-------------------------------------------------------------------------------------</a:t>
-            </a:r>
-            <a:endParaRPr lang="ko-KR" altLang="en-US" dirty="0"/>
           </a:p>
         </p:txBody>
       </p:sp>
@@ -7752,38 +7743,8 @@
         </p:blipFill>
         <p:spPr>
           <a:xfrm>
-            <a:off x="978978" y="3171652"/>
-            <a:ext cx="2880320" cy="1534311"/>
-          </a:xfrm>
-          <a:prstGeom prst="rect">
-            <a:avLst/>
-          </a:prstGeom>
-        </p:spPr>
-      </p:pic>
-      <p:pic>
-        <p:nvPicPr>
-          <p:cNvPr id="7" name="그림 6"/>
-          <p:cNvPicPr>
-            <a:picLocks noChangeAspect="1"/>
-          </p:cNvPicPr>
-          <p:nvPr/>
-        </p:nvPicPr>
-        <p:blipFill>
-          <a:blip r:embed="rId3">
-            <a:extLst>
-              <a:ext uri="{28A0092B-C50C-407E-A947-70E740481C1C}">
-                <a14:useLocalDpi xmlns:a14="http://schemas.microsoft.com/office/drawing/2010/main" val="0"/>
-              </a:ext>
-            </a:extLst>
-          </a:blip>
-          <a:stretch>
-            <a:fillRect/>
-          </a:stretch>
-        </p:blipFill>
-        <p:spPr>
-          <a:xfrm>
-            <a:off x="4160912" y="2820059"/>
-            <a:ext cx="3754280" cy="3705285"/>
+            <a:off x="1401464" y="1700808"/>
+            <a:ext cx="4442845" cy="2263336"/>
           </a:xfrm>
           <a:prstGeom prst="rect">
             <a:avLst/>
@@ -7797,40 +7758,10 @@
           </a:ln>
         </p:spPr>
       </p:pic>
-      <p:sp>
-        <p:nvSpPr>
-          <p:cNvPr id="14" name="TextBox 13"/>
-          <p:cNvSpPr txBox="1"/>
-          <p:nvPr/>
-        </p:nvSpPr>
-        <p:spPr>
-          <a:xfrm>
-            <a:off x="1498431" y="2815958"/>
-            <a:ext cx="1656184" cy="338554"/>
-          </a:xfrm>
-          <a:prstGeom prst="rect">
-            <a:avLst/>
-          </a:prstGeom>
-          <a:noFill/>
-        </p:spPr>
-        <p:txBody>
-          <a:bodyPr wrap="square" rtlCol="0">
-            <a:spAutoFit/>
-          </a:bodyPr>
-          <a:lstStyle/>
-          <a:p>
-            <a:r>
-              <a:rPr lang="ko-KR" altLang="en-US" sz="1600" dirty="0" smtClean="0"/>
-              <a:t>☞ 실행 결과</a:t>
-            </a:r>
-            <a:endParaRPr lang="ko-KR" altLang="en-US" sz="1600" dirty="0"/>
-          </a:p>
-        </p:txBody>
-      </p:sp>
     </p:spTree>
     <p:extLst>
       <p:ext uri="{BB962C8B-B14F-4D97-AF65-F5344CB8AC3E}">
-        <p14:creationId xmlns:p14="http://schemas.microsoft.com/office/powerpoint/2010/main" val="2846045057"/>
+        <p14:creationId xmlns:p14="http://schemas.microsoft.com/office/powerpoint/2010/main" val="561358308"/>
       </p:ext>
     </p:extLst>
   </p:cSld>
@@ -7886,16 +7817,28 @@
           </a:bodyPr>
           <a:lstStyle/>
           <a:p>
-            <a:pPr algn="ctr"/>
-            <a:r>
-              <a:rPr lang="ko-KR" altLang="en-US" sz="2800" dirty="0" smtClean="0"/>
-              <a:t>내장 객체 </a:t>
-            </a:r>
-            <a:r>
-              <a:rPr lang="en-US" altLang="ko-KR" sz="2800" dirty="0" smtClean="0"/>
-              <a:t>- Date</a:t>
-            </a:r>
-            <a:endParaRPr lang="ko-KR" altLang="en-US" sz="2800" dirty="0"/>
+            <a:pPr algn="ctr">
+              <a:lnSpc>
+                <a:spcPct val="150000"/>
+              </a:lnSpc>
+            </a:pPr>
+            <a:r>
+              <a:rPr lang="ko-KR" altLang="en-US" sz="2800" b="1" dirty="0" err="1" smtClean="0"/>
+              <a:t>로또</a:t>
+            </a:r>
+            <a:r>
+              <a:rPr lang="en-US" altLang="ko-KR" sz="2800" b="1" dirty="0" smtClean="0"/>
+              <a:t>(lotto)</a:t>
+            </a:r>
+            <a:r>
+              <a:rPr lang="ko-KR" altLang="en-US" sz="2800" b="1" dirty="0" smtClean="0"/>
+              <a:t> 추첨 </a:t>
+            </a:r>
+            <a:r>
+              <a:rPr lang="ko-KR" altLang="en-US" sz="2800" b="1" dirty="0"/>
+              <a:t>프로그램</a:t>
+            </a:r>
+            <a:endParaRPr lang="en-US" altLang="ko-KR" sz="2800" b="1" dirty="0"/>
           </a:p>
         </p:txBody>
       </p:sp>
@@ -7917,6 +7860,305 @@
             <a:fld id="{1BDE3FE7-3AEA-4B05-AC5A-802D1816ACF0}" type="slidenum">
               <a:rPr lang="ko-KR" altLang="en-US" smtClean="0"/>
               <a:t>22</a:t>
+            </a:fld>
+            <a:endParaRPr lang="ko-KR" altLang="en-US"/>
+          </a:p>
+        </p:txBody>
+      </p:sp>
+      <p:sp>
+        <p:nvSpPr>
+          <p:cNvPr id="12" name="직사각형 11"/>
+          <p:cNvSpPr/>
+          <p:nvPr/>
+        </p:nvSpPr>
+        <p:spPr>
+          <a:xfrm>
+            <a:off x="776536" y="1196752"/>
+            <a:ext cx="8280920" cy="1615827"/>
+          </a:xfrm>
+          <a:prstGeom prst="rect">
+            <a:avLst/>
+          </a:prstGeom>
+        </p:spPr>
+        <p:txBody>
+          <a:bodyPr wrap="square">
+            <a:spAutoFit/>
+          </a:bodyPr>
+          <a:lstStyle/>
+          <a:p>
+            <a:r>
+              <a:rPr lang="en-US" altLang="ko-KR" dirty="0" smtClean="0"/>
+              <a:t>------------------------------------------------------------------------------------</a:t>
+            </a:r>
+          </a:p>
+          <a:p>
+            <a:pPr>
+              <a:lnSpc>
+                <a:spcPct val="150000"/>
+              </a:lnSpc>
+            </a:pPr>
+            <a:r>
+              <a:rPr lang="en-US" altLang="ko-KR" dirty="0" smtClean="0"/>
+              <a:t>  lotto </a:t>
+            </a:r>
+            <a:r>
+              <a:rPr lang="ko-KR" altLang="en-US" dirty="0" smtClean="0"/>
+              <a:t>추첨 프로그램을 구현하세요</a:t>
+            </a:r>
+            <a:r>
+              <a:rPr lang="en-US" altLang="ko-KR" dirty="0" smtClean="0"/>
+              <a:t>.(</a:t>
+            </a:r>
+            <a:r>
+              <a:rPr lang="ko-KR" altLang="en-US" dirty="0" smtClean="0"/>
+              <a:t>파일 </a:t>
+            </a:r>
+            <a:r>
+              <a:rPr lang="en-US" altLang="ko-KR" dirty="0" smtClean="0"/>
+              <a:t>: lotto.html)</a:t>
+            </a:r>
+          </a:p>
+          <a:p>
+            <a:pPr>
+              <a:lnSpc>
+                <a:spcPct val="150000"/>
+              </a:lnSpc>
+            </a:pPr>
+            <a:r>
+              <a:rPr lang="en-US" altLang="ko-KR" dirty="0"/>
+              <a:t> </a:t>
+            </a:r>
+            <a:r>
+              <a:rPr lang="en-US" altLang="ko-KR" dirty="0" smtClean="0"/>
+              <a:t>   - 1</a:t>
+            </a:r>
+            <a:r>
+              <a:rPr lang="ko-KR" altLang="en-US" dirty="0" smtClean="0"/>
+              <a:t>부터 </a:t>
+            </a:r>
+            <a:r>
+              <a:rPr lang="en-US" altLang="ko-KR" dirty="0" smtClean="0"/>
+              <a:t>45</a:t>
+            </a:r>
+            <a:r>
+              <a:rPr lang="ko-KR" altLang="en-US" dirty="0" smtClean="0"/>
+              <a:t>의 숫자 중에서 </a:t>
+            </a:r>
+            <a:r>
+              <a:rPr lang="en-US" altLang="ko-KR" dirty="0" smtClean="0"/>
+              <a:t>6</a:t>
+            </a:r>
+            <a:r>
+              <a:rPr lang="ko-KR" altLang="en-US" dirty="0" smtClean="0"/>
+              <a:t>개의 번호를 추첨하세요</a:t>
+            </a:r>
+            <a:r>
+              <a:rPr lang="en-US" altLang="ko-KR" dirty="0" smtClean="0"/>
+              <a:t>  </a:t>
+            </a:r>
+            <a:endParaRPr lang="en-US" altLang="ko-KR" dirty="0"/>
+          </a:p>
+          <a:p>
+            <a:pPr>
+              <a:lnSpc>
+                <a:spcPct val="150000"/>
+              </a:lnSpc>
+            </a:pPr>
+            <a:r>
+              <a:rPr lang="en-US" altLang="ko-KR" dirty="0" smtClean="0"/>
+              <a:t>-------------------------------------------------------------------------------------</a:t>
+            </a:r>
+            <a:endParaRPr lang="ko-KR" altLang="en-US" dirty="0"/>
+          </a:p>
+        </p:txBody>
+      </p:sp>
+      <p:pic>
+        <p:nvPicPr>
+          <p:cNvPr id="6" name="그림 5"/>
+          <p:cNvPicPr>
+            <a:picLocks noChangeAspect="1"/>
+          </p:cNvPicPr>
+          <p:nvPr/>
+        </p:nvPicPr>
+        <p:blipFill>
+          <a:blip r:embed="rId2">
+            <a:extLst>
+              <a:ext uri="{28A0092B-C50C-407E-A947-70E740481C1C}">
+                <a14:useLocalDpi xmlns:a14="http://schemas.microsoft.com/office/drawing/2010/main" val="0"/>
+              </a:ext>
+            </a:extLst>
+          </a:blip>
+          <a:stretch>
+            <a:fillRect/>
+          </a:stretch>
+        </p:blipFill>
+        <p:spPr>
+          <a:xfrm>
+            <a:off x="978978" y="3171652"/>
+            <a:ext cx="2880320" cy="1534311"/>
+          </a:xfrm>
+          <a:prstGeom prst="rect">
+            <a:avLst/>
+          </a:prstGeom>
+        </p:spPr>
+      </p:pic>
+      <p:pic>
+        <p:nvPicPr>
+          <p:cNvPr id="7" name="그림 6"/>
+          <p:cNvPicPr>
+            <a:picLocks noChangeAspect="1"/>
+          </p:cNvPicPr>
+          <p:nvPr/>
+        </p:nvPicPr>
+        <p:blipFill>
+          <a:blip r:embed="rId3">
+            <a:extLst>
+              <a:ext uri="{28A0092B-C50C-407E-A947-70E740481C1C}">
+                <a14:useLocalDpi xmlns:a14="http://schemas.microsoft.com/office/drawing/2010/main" val="0"/>
+              </a:ext>
+            </a:extLst>
+          </a:blip>
+          <a:stretch>
+            <a:fillRect/>
+          </a:stretch>
+        </p:blipFill>
+        <p:spPr>
+          <a:xfrm>
+            <a:off x="4160912" y="2820059"/>
+            <a:ext cx="3754280" cy="3705285"/>
+          </a:xfrm>
+          <a:prstGeom prst="rect">
+            <a:avLst/>
+          </a:prstGeom>
+          <a:ln>
+            <a:solidFill>
+              <a:schemeClr val="bg1">
+                <a:lumMod val="85000"/>
+              </a:schemeClr>
+            </a:solidFill>
+          </a:ln>
+        </p:spPr>
+      </p:pic>
+      <p:sp>
+        <p:nvSpPr>
+          <p:cNvPr id="14" name="TextBox 13"/>
+          <p:cNvSpPr txBox="1"/>
+          <p:nvPr/>
+        </p:nvSpPr>
+        <p:spPr>
+          <a:xfrm>
+            <a:off x="1498431" y="2815958"/>
+            <a:ext cx="1656184" cy="338554"/>
+          </a:xfrm>
+          <a:prstGeom prst="rect">
+            <a:avLst/>
+          </a:prstGeom>
+          <a:noFill/>
+        </p:spPr>
+        <p:txBody>
+          <a:bodyPr wrap="square" rtlCol="0">
+            <a:spAutoFit/>
+          </a:bodyPr>
+          <a:lstStyle/>
+          <a:p>
+            <a:r>
+              <a:rPr lang="ko-KR" altLang="en-US" sz="1600" dirty="0" smtClean="0"/>
+              <a:t>☞ 실행 결과</a:t>
+            </a:r>
+            <a:endParaRPr lang="ko-KR" altLang="en-US" sz="1600" dirty="0"/>
+          </a:p>
+        </p:txBody>
+      </p:sp>
+    </p:spTree>
+    <p:extLst>
+      <p:ext uri="{BB962C8B-B14F-4D97-AF65-F5344CB8AC3E}">
+        <p14:creationId xmlns:p14="http://schemas.microsoft.com/office/powerpoint/2010/main" val="2846045057"/>
+      </p:ext>
+    </p:extLst>
+  </p:cSld>
+  <p:clrMapOvr>
+    <a:masterClrMapping/>
+  </p:clrMapOvr>
+  <p:timing>
+    <p:tnLst>
+      <p:par>
+        <p:cTn id="1" dur="indefinite" restart="never" nodeType="tmRoot"/>
+      </p:par>
+    </p:tnLst>
+  </p:timing>
+</p:sld>
+</file>
+
+<file path=ppt/slides/slide23.xml><?xml version="1.0" encoding="utf-8"?>
+<p:sld xmlns:a="http://schemas.openxmlformats.org/drawingml/2006/main" xmlns:r="http://schemas.openxmlformats.org/officeDocument/2006/relationships" xmlns:p="http://schemas.openxmlformats.org/presentationml/2006/main">
+  <p:cSld>
+    <p:spTree>
+      <p:nvGrpSpPr>
+        <p:cNvPr id="1" name=""/>
+        <p:cNvGrpSpPr/>
+        <p:nvPr/>
+      </p:nvGrpSpPr>
+      <p:grpSpPr>
+        <a:xfrm>
+          <a:off x="0" y="0"/>
+          <a:ext cx="0" cy="0"/>
+          <a:chOff x="0" y="0"/>
+          <a:chExt cx="0" cy="0"/>
+        </a:xfrm>
+      </p:grpSpPr>
+      <p:sp>
+        <p:nvSpPr>
+          <p:cNvPr id="2" name="제목 1"/>
+          <p:cNvSpPr>
+            <a:spLocks noGrp="1"/>
+          </p:cNvSpPr>
+          <p:nvPr>
+            <p:ph type="title"/>
+          </p:nvPr>
+        </p:nvSpPr>
+        <p:spPr>
+          <a:xfrm>
+            <a:off x="416497" y="197768"/>
+            <a:ext cx="6412780" cy="854968"/>
+          </a:xfrm>
+        </p:spPr>
+        <p:txBody>
+          <a:bodyPr>
+            <a:noAutofit/>
+          </a:bodyPr>
+          <a:lstStyle/>
+          <a:p>
+            <a:pPr algn="ctr"/>
+            <a:r>
+              <a:rPr lang="ko-KR" altLang="en-US" sz="2800" dirty="0" smtClean="0"/>
+              <a:t>내장 객체 </a:t>
+            </a:r>
+            <a:r>
+              <a:rPr lang="en-US" altLang="ko-KR" sz="2800" dirty="0" smtClean="0"/>
+              <a:t>- Date</a:t>
+            </a:r>
+            <a:endParaRPr lang="ko-KR" altLang="en-US" sz="2800" dirty="0"/>
+          </a:p>
+        </p:txBody>
+      </p:sp>
+      <p:sp>
+        <p:nvSpPr>
+          <p:cNvPr id="4" name="슬라이드 번호 개체 틀 3"/>
+          <p:cNvSpPr>
+            <a:spLocks noGrp="1"/>
+          </p:cNvSpPr>
+          <p:nvPr>
+            <p:ph type="sldNum" sz="quarter" idx="12"/>
+          </p:nvPr>
+        </p:nvSpPr>
+        <p:spPr/>
+        <p:txBody>
+          <a:bodyPr/>
+          <a:lstStyle/>
+          <a:p>
+            <a:fld id="{1BDE3FE7-3AEA-4B05-AC5A-802D1816ACF0}" type="slidenum">
+              <a:rPr lang="ko-KR" altLang="en-US" smtClean="0"/>
+              <a:t>23</a:t>
             </a:fld>
             <a:endParaRPr lang="ko-KR" altLang="en-US"/>
           </a:p>
@@ -8053,14 +8295,14 @@
           <p:nvPr>
             <p:extLst>
               <p:ext uri="{D42A27DB-BD31-4B8C-83A1-F6EECF244321}">
-                <p14:modId xmlns:p14="http://schemas.microsoft.com/office/powerpoint/2010/main" val="878827111"/>
+                <p14:modId xmlns:p14="http://schemas.microsoft.com/office/powerpoint/2010/main" val="2403878293"/>
               </p:ext>
             </p:extLst>
           </p:nvPr>
         </p:nvGraphicFramePr>
         <p:xfrm>
           <a:off x="1508618" y="2636912"/>
-          <a:ext cx="6828758" cy="4021136"/>
+          <a:ext cx="6828758" cy="3992880"/>
         </p:xfrm>
         <a:graphic>
           <a:graphicData uri="http://schemas.openxmlformats.org/drawingml/2006/table">
@@ -8084,7 +8326,7 @@
                   </a:extLst>
                 </a:gridCol>
               </a:tblGrid>
-              <a:tr h="363536">
+              <a:tr h="325499">
                 <a:tc>
                   <a:txBody>
                     <a:bodyPr/>
@@ -8139,7 +8381,7 @@
                   </a:ext>
                 </a:extLst>
               </a:tr>
-              <a:tr h="422465">
+              <a:tr h="409363">
                 <a:tc>
                   <a:txBody>
                     <a:bodyPr/>
@@ -8207,7 +8449,7 @@
                   </a:ext>
                 </a:extLst>
               </a:tr>
-              <a:tr h="422465">
+              <a:tr h="409363">
                 <a:tc>
                   <a:txBody>
                     <a:bodyPr/>
@@ -8295,7 +8537,7 @@
                   </a:ext>
                 </a:extLst>
               </a:tr>
-              <a:tr h="422465">
+              <a:tr h="409363">
                 <a:tc>
                   <a:txBody>
                     <a:bodyPr/>
@@ -8375,7 +8617,7 @@
                   </a:ext>
                 </a:extLst>
               </a:tr>
-              <a:tr h="422465">
+              <a:tr h="409363">
                 <a:tc>
                   <a:txBody>
                     <a:bodyPr/>
@@ -8459,7 +8701,7 @@
                   </a:ext>
                 </a:extLst>
               </a:tr>
-              <a:tr h="422465">
+              <a:tr h="409363">
                 <a:tc>
                   <a:txBody>
                     <a:bodyPr/>
@@ -8535,7 +8777,7 @@
                   </a:ext>
                 </a:extLst>
               </a:tr>
-              <a:tr h="422465">
+              <a:tr h="409363">
                 <a:tc>
                   <a:txBody>
                     <a:bodyPr/>
@@ -8603,7 +8845,7 @@
                   </a:ext>
                 </a:extLst>
               </a:tr>
-              <a:tr h="422465">
+              <a:tr h="409363">
                 <a:tc>
                   <a:txBody>
                     <a:bodyPr/>
@@ -8671,7 +8913,7 @@
                   </a:ext>
                 </a:extLst>
               </a:tr>
-              <a:tr h="422465">
+              <a:tr h="409363">
                 <a:tc>
                   <a:txBody>
                     <a:bodyPr/>
@@ -8775,7 +9017,7 @@
 </p:sld>
 </file>
 
-<file path=ppt/slides/slide23.xml><?xml version="1.0" encoding="utf-8"?>
+<file path=ppt/slides/slide24.xml><?xml version="1.0" encoding="utf-8"?>
 <p:sld xmlns:a="http://schemas.openxmlformats.org/drawingml/2006/main" xmlns:r="http://schemas.openxmlformats.org/officeDocument/2006/relationships" xmlns:p="http://schemas.openxmlformats.org/presentationml/2006/main">
   <p:cSld>
     <p:spTree>
@@ -8844,7 +9086,7 @@
           <a:p>
             <a:fld id="{1BDE3FE7-3AEA-4B05-AC5A-802D1816ACF0}" type="slidenum">
               <a:rPr lang="ko-KR" altLang="en-US" smtClean="0"/>
-              <a:t>23</a:t>
+              <a:t>24</a:t>
             </a:fld>
             <a:endParaRPr lang="ko-KR" altLang="en-US"/>
           </a:p>
@@ -8928,193 +9170,6 @@
     <p:extLst>
       <p:ext uri="{BB962C8B-B14F-4D97-AF65-F5344CB8AC3E}">
         <p14:creationId xmlns:p14="http://schemas.microsoft.com/office/powerpoint/2010/main" val="803157997"/>
-      </p:ext>
-    </p:extLst>
-  </p:cSld>
-  <p:clrMapOvr>
-    <a:masterClrMapping/>
-  </p:clrMapOvr>
-  <p:timing>
-    <p:tnLst>
-      <p:par>
-        <p:cTn id="1" dur="indefinite" restart="never" nodeType="tmRoot"/>
-      </p:par>
-    </p:tnLst>
-  </p:timing>
-</p:sld>
-</file>
-
-<file path=ppt/slides/slide24.xml><?xml version="1.0" encoding="utf-8"?>
-<p:sld xmlns:a="http://schemas.openxmlformats.org/drawingml/2006/main" xmlns:r="http://schemas.openxmlformats.org/officeDocument/2006/relationships" xmlns:p="http://schemas.openxmlformats.org/presentationml/2006/main">
-  <p:cSld>
-    <p:spTree>
-      <p:nvGrpSpPr>
-        <p:cNvPr id="1" name=""/>
-        <p:cNvGrpSpPr/>
-        <p:nvPr/>
-      </p:nvGrpSpPr>
-      <p:grpSpPr>
-        <a:xfrm>
-          <a:off x="0" y="0"/>
-          <a:ext cx="0" cy="0"/>
-          <a:chOff x="0" y="0"/>
-          <a:chExt cx="0" cy="0"/>
-        </a:xfrm>
-      </p:grpSpPr>
-      <p:sp>
-        <p:nvSpPr>
-          <p:cNvPr id="2" name="제목 1"/>
-          <p:cNvSpPr>
-            <a:spLocks noGrp="1"/>
-          </p:cNvSpPr>
-          <p:nvPr>
-            <p:ph type="title"/>
-          </p:nvPr>
-        </p:nvSpPr>
-        <p:spPr>
-          <a:xfrm>
-            <a:off x="416497" y="197768"/>
-            <a:ext cx="6412780" cy="854968"/>
-          </a:xfrm>
-        </p:spPr>
-        <p:txBody>
-          <a:bodyPr>
-            <a:noAutofit/>
-          </a:bodyPr>
-          <a:lstStyle/>
-          <a:p>
-            <a:pPr algn="ctr"/>
-            <a:r>
-              <a:rPr lang="ko-KR" altLang="en-US" sz="2800" dirty="0" smtClean="0"/>
-              <a:t>내장 객체 </a:t>
-            </a:r>
-            <a:r>
-              <a:rPr lang="en-US" altLang="ko-KR" sz="2800" dirty="0" smtClean="0"/>
-              <a:t>- Date</a:t>
-            </a:r>
-            <a:endParaRPr lang="ko-KR" altLang="en-US" sz="2800" dirty="0"/>
-          </a:p>
-        </p:txBody>
-      </p:sp>
-      <p:sp>
-        <p:nvSpPr>
-          <p:cNvPr id="4" name="슬라이드 번호 개체 틀 3"/>
-          <p:cNvSpPr>
-            <a:spLocks noGrp="1"/>
-          </p:cNvSpPr>
-          <p:nvPr>
-            <p:ph type="sldNum" sz="quarter" idx="12"/>
-          </p:nvPr>
-        </p:nvSpPr>
-        <p:spPr/>
-        <p:txBody>
-          <a:bodyPr/>
-          <a:lstStyle/>
-          <a:p>
-            <a:fld id="{1BDE3FE7-3AEA-4B05-AC5A-802D1816ACF0}" type="slidenum">
-              <a:rPr lang="ko-KR" altLang="en-US" smtClean="0"/>
-              <a:t>24</a:t>
-            </a:fld>
-            <a:endParaRPr lang="ko-KR" altLang="en-US"/>
-          </a:p>
-        </p:txBody>
-      </p:sp>
-      <p:sp>
-        <p:nvSpPr>
-          <p:cNvPr id="5" name="TextBox 4"/>
-          <p:cNvSpPr txBox="1"/>
-          <p:nvPr/>
-        </p:nvSpPr>
-        <p:spPr>
-          <a:xfrm>
-            <a:off x="1136576" y="1268760"/>
-            <a:ext cx="5760640" cy="553998"/>
-          </a:xfrm>
-          <a:prstGeom prst="rect">
-            <a:avLst/>
-          </a:prstGeom>
-          <a:noFill/>
-        </p:spPr>
-        <p:txBody>
-          <a:bodyPr wrap="square" rtlCol="0">
-            <a:spAutoFit/>
-          </a:bodyPr>
-          <a:lstStyle/>
-          <a:p>
-            <a:pPr>
-              <a:lnSpc>
-                <a:spcPct val="150000"/>
-              </a:lnSpc>
-            </a:pPr>
-            <a:r>
-              <a:rPr lang="ko-KR" altLang="en-US" dirty="0"/>
-              <a:t> </a:t>
-            </a:r>
-            <a:r>
-              <a:rPr lang="en-US" altLang="ko-KR" sz="2000" b="1" dirty="0"/>
-              <a:t> </a:t>
-            </a:r>
-            <a:r>
-              <a:rPr lang="en-US" altLang="ko-KR" sz="2000" b="1" dirty="0" smtClean="0"/>
-              <a:t>Date </a:t>
-            </a:r>
-            <a:r>
-              <a:rPr lang="ko-KR" altLang="en-US" sz="2000" b="1" dirty="0" smtClean="0"/>
-              <a:t>객체의 날짜</a:t>
-            </a:r>
-            <a:r>
-              <a:rPr lang="en-US" altLang="ko-KR" sz="2000" b="1" dirty="0" smtClean="0"/>
-              <a:t>/</a:t>
-            </a:r>
-            <a:r>
-              <a:rPr lang="ko-KR" altLang="en-US" sz="2000" b="1" dirty="0" smtClean="0"/>
-              <a:t>시간 함수</a:t>
-            </a:r>
-            <a:endParaRPr lang="en-US" altLang="ko-KR" sz="2000" b="1" dirty="0" smtClean="0"/>
-          </a:p>
-        </p:txBody>
-      </p:sp>
-      <p:pic>
-        <p:nvPicPr>
-          <p:cNvPr id="3" name="그림 2"/>
-          <p:cNvPicPr>
-            <a:picLocks noChangeAspect="1"/>
-          </p:cNvPicPr>
-          <p:nvPr/>
-        </p:nvPicPr>
-        <p:blipFill>
-          <a:blip r:embed="rId2">
-            <a:extLst>
-              <a:ext uri="{28A0092B-C50C-407E-A947-70E740481C1C}">
-                <a14:useLocalDpi xmlns:a14="http://schemas.microsoft.com/office/drawing/2010/main" val="0"/>
-              </a:ext>
-            </a:extLst>
-          </a:blip>
-          <a:stretch>
-            <a:fillRect/>
-          </a:stretch>
-        </p:blipFill>
-        <p:spPr>
-          <a:xfrm>
-            <a:off x="1856656" y="1916832"/>
-            <a:ext cx="4471464" cy="3960440"/>
-          </a:xfrm>
-          <a:prstGeom prst="rect">
-            <a:avLst/>
-          </a:prstGeom>
-          <a:ln>
-            <a:solidFill>
-              <a:schemeClr val="bg1">
-                <a:lumMod val="95000"/>
-              </a:schemeClr>
-            </a:solidFill>
-          </a:ln>
-        </p:spPr>
-      </p:pic>
-    </p:spTree>
-    <p:extLst>
-      <p:ext uri="{BB962C8B-B14F-4D97-AF65-F5344CB8AC3E}">
-        <p14:creationId xmlns:p14="http://schemas.microsoft.com/office/powerpoint/2010/main" val="887779055"/>
       </p:ext>
     </p:extLst>
   </p:cSld>
@@ -9206,9 +9261,64 @@
           </a:p>
         </p:txBody>
       </p:sp>
+      <p:sp>
+        <p:nvSpPr>
+          <p:cNvPr id="5" name="TextBox 4"/>
+          <p:cNvSpPr txBox="1"/>
+          <p:nvPr/>
+        </p:nvSpPr>
+        <p:spPr>
+          <a:xfrm>
+            <a:off x="1136576" y="1268760"/>
+            <a:ext cx="5760640" cy="553998"/>
+          </a:xfrm>
+          <a:prstGeom prst="rect">
+            <a:avLst/>
+          </a:prstGeom>
+          <a:noFill/>
+        </p:spPr>
+        <p:txBody>
+          <a:bodyPr wrap="square" rtlCol="0">
+            <a:spAutoFit/>
+          </a:bodyPr>
+          <a:lstStyle/>
+          <a:p>
+            <a:pPr>
+              <a:lnSpc>
+                <a:spcPct val="150000"/>
+              </a:lnSpc>
+            </a:pPr>
+            <a:r>
+              <a:rPr lang="ko-KR" altLang="en-US" dirty="0"/>
+              <a:t> </a:t>
+            </a:r>
+            <a:r>
+              <a:rPr lang="en-US" altLang="ko-KR" sz="2000" b="1" dirty="0"/>
+              <a:t> </a:t>
+            </a:r>
+            <a:r>
+              <a:rPr lang="en-US" altLang="ko-KR" sz="2000" b="1" dirty="0" smtClean="0"/>
+              <a:t>Date </a:t>
+            </a:r>
+            <a:r>
+              <a:rPr lang="ko-KR" altLang="en-US" sz="2000" b="1" dirty="0" smtClean="0"/>
+              <a:t>객체의 날짜</a:t>
+            </a:r>
+            <a:r>
+              <a:rPr lang="en-US" altLang="ko-KR" sz="2000" b="1" dirty="0" smtClean="0"/>
+              <a:t>/</a:t>
+            </a:r>
+            <a:r>
+              <a:rPr lang="ko-KR" altLang="en-US" sz="2000" b="1" dirty="0" smtClean="0"/>
+              <a:t>시간 함수</a:t>
+            </a:r>
+            <a:endParaRPr lang="en-US" altLang="ko-KR" sz="2000" b="1" dirty="0" smtClean="0"/>
+          </a:p>
+        </p:txBody>
+      </p:sp>
       <p:pic>
         <p:nvPicPr>
-          <p:cNvPr id="7" name="그림 6"/>
+          <p:cNvPr id="3" name="그림 2"/>
           <p:cNvPicPr>
             <a:picLocks noChangeAspect="1"/>
           </p:cNvPicPr>
@@ -9228,8 +9338,8 @@
         </p:blipFill>
         <p:spPr>
           <a:xfrm>
-            <a:off x="1208584" y="1412776"/>
-            <a:ext cx="3672408" cy="2809570"/>
+            <a:off x="1856656" y="1916832"/>
+            <a:ext cx="4471464" cy="3960440"/>
           </a:xfrm>
           <a:prstGeom prst="rect">
             <a:avLst/>
@@ -9237,44 +9347,7 @@
           <a:ln>
             <a:solidFill>
               <a:schemeClr val="bg1">
-                <a:lumMod val="85000"/>
-              </a:schemeClr>
-            </a:solidFill>
-          </a:ln>
-        </p:spPr>
-      </p:pic>
-      <p:pic>
-        <p:nvPicPr>
-          <p:cNvPr id="3" name="그림 2"/>
-          <p:cNvPicPr>
-            <a:picLocks noChangeAspect="1"/>
-          </p:cNvPicPr>
-          <p:nvPr/>
-        </p:nvPicPr>
-        <p:blipFill>
-          <a:blip r:embed="rId3">
-            <a:extLst>
-              <a:ext uri="{28A0092B-C50C-407E-A947-70E740481C1C}">
-                <a14:useLocalDpi xmlns:a14="http://schemas.microsoft.com/office/drawing/2010/main" val="0"/>
-              </a:ext>
-            </a:extLst>
-          </a:blip>
-          <a:stretch>
-            <a:fillRect/>
-          </a:stretch>
-        </p:blipFill>
-        <p:spPr>
-          <a:xfrm>
-            <a:off x="3800872" y="2236476"/>
-            <a:ext cx="5832648" cy="3068041"/>
-          </a:xfrm>
-          <a:prstGeom prst="rect">
-            <a:avLst/>
-          </a:prstGeom>
-          <a:ln>
-            <a:solidFill>
-              <a:schemeClr val="bg1">
-                <a:lumMod val="85000"/>
+                <a:lumMod val="95000"/>
               </a:schemeClr>
             </a:solidFill>
           </a:ln>
@@ -9283,7 +9356,7 @@
     </p:spTree>
     <p:extLst>
       <p:ext uri="{BB962C8B-B14F-4D97-AF65-F5344CB8AC3E}">
-        <p14:creationId xmlns:p14="http://schemas.microsoft.com/office/powerpoint/2010/main" val="2483198115"/>
+        <p14:creationId xmlns:p14="http://schemas.microsoft.com/office/powerpoint/2010/main" val="887779055"/>
       </p:ext>
     </p:extLst>
   </p:cSld>
@@ -9377,7 +9450,7 @@
       </p:sp>
       <p:pic>
         <p:nvPicPr>
-          <p:cNvPr id="5" name="그림 4"/>
+          <p:cNvPr id="7" name="그림 6"/>
           <p:cNvPicPr>
             <a:picLocks noChangeAspect="1"/>
           </p:cNvPicPr>
@@ -9397,8 +9470,8 @@
         </p:blipFill>
         <p:spPr>
           <a:xfrm>
-            <a:off x="1640632" y="2132856"/>
-            <a:ext cx="6408976" cy="3917020"/>
+            <a:off x="1208584" y="1412776"/>
+            <a:ext cx="3672408" cy="2809570"/>
           </a:xfrm>
           <a:prstGeom prst="rect">
             <a:avLst/>
@@ -9414,7 +9487,7 @@
       </p:pic>
       <p:pic>
         <p:nvPicPr>
-          <p:cNvPr id="6" name="그림 5"/>
+          <p:cNvPr id="3" name="그림 2"/>
           <p:cNvPicPr>
             <a:picLocks noChangeAspect="1"/>
           </p:cNvPicPr>
@@ -9434,8 +9507,8 @@
         </p:blipFill>
         <p:spPr>
           <a:xfrm>
-            <a:off x="6105128" y="1844824"/>
-            <a:ext cx="2499577" cy="929721"/>
+            <a:off x="3800872" y="2236476"/>
+            <a:ext cx="5832648" cy="3068041"/>
           </a:xfrm>
           <a:prstGeom prst="rect">
             <a:avLst/>
@@ -9449,138 +9522,10 @@
           </a:ln>
         </p:spPr>
       </p:pic>
-      <p:sp>
-        <p:nvSpPr>
-          <p:cNvPr id="8" name="TextBox 7"/>
-          <p:cNvSpPr txBox="1"/>
-          <p:nvPr/>
-        </p:nvSpPr>
-        <p:spPr>
-          <a:xfrm>
-            <a:off x="1136576" y="1268760"/>
-            <a:ext cx="5760640" cy="494494"/>
-          </a:xfrm>
-          <a:prstGeom prst="rect">
-            <a:avLst/>
-          </a:prstGeom>
-          <a:noFill/>
-        </p:spPr>
-        <p:txBody>
-          <a:bodyPr wrap="square" rtlCol="0">
-            <a:spAutoFit/>
-          </a:bodyPr>
-          <a:lstStyle/>
-          <a:p>
-            <a:pPr>
-              <a:lnSpc>
-                <a:spcPct val="150000"/>
-              </a:lnSpc>
-            </a:pPr>
-            <a:r>
-              <a:rPr lang="ko-KR" altLang="en-US" dirty="0"/>
-              <a:t> </a:t>
-            </a:r>
-            <a:r>
-              <a:rPr lang="en-US" altLang="ko-KR" sz="2000" b="1" dirty="0"/>
-              <a:t> </a:t>
-            </a:r>
-            <a:r>
-              <a:rPr lang="ko-KR" altLang="en-US" sz="2000" b="1" dirty="0" smtClean="0"/>
-              <a:t>시간</a:t>
-            </a:r>
-            <a:r>
-              <a:rPr lang="en-US" altLang="ko-KR" sz="2000" b="1" dirty="0" smtClean="0"/>
-              <a:t>(</a:t>
-            </a:r>
-            <a:r>
-              <a:rPr lang="ko-KR" altLang="en-US" sz="2000" b="1" dirty="0" smtClean="0"/>
-              <a:t>초</a:t>
-            </a:r>
-            <a:r>
-              <a:rPr lang="en-US" altLang="ko-KR" sz="2000" b="1" dirty="0" smtClean="0"/>
-              <a:t>)</a:t>
-            </a:r>
-            <a:r>
-              <a:rPr lang="ko-KR" altLang="en-US" sz="2000" b="1" dirty="0" smtClean="0"/>
-              <a:t>을 시</a:t>
-            </a:r>
-            <a:r>
-              <a:rPr lang="en-US" altLang="ko-KR" sz="2000" b="1" dirty="0" smtClean="0"/>
-              <a:t>, </a:t>
-            </a:r>
-            <a:r>
-              <a:rPr lang="ko-KR" altLang="en-US" sz="2000" b="1" dirty="0" smtClean="0"/>
-              <a:t>분</a:t>
-            </a:r>
-            <a:r>
-              <a:rPr lang="en-US" altLang="ko-KR" sz="2000" b="1" dirty="0" smtClean="0"/>
-              <a:t>, </a:t>
-            </a:r>
-            <a:r>
-              <a:rPr lang="ko-KR" altLang="en-US" sz="2000" b="1" dirty="0" smtClean="0"/>
-              <a:t>초로 환산하기</a:t>
-            </a:r>
-            <a:endParaRPr lang="en-US" altLang="ko-KR" sz="2000" b="1" dirty="0" smtClean="0"/>
-          </a:p>
-        </p:txBody>
-      </p:sp>
-      <p:sp>
-        <p:nvSpPr>
-          <p:cNvPr id="9" name="TextBox 8"/>
-          <p:cNvSpPr txBox="1"/>
-          <p:nvPr/>
-        </p:nvSpPr>
-        <p:spPr>
-          <a:xfrm>
-            <a:off x="6969488" y="3140968"/>
-            <a:ext cx="2015960" cy="408623"/>
-          </a:xfrm>
-          <a:prstGeom prst="roundRect">
-            <a:avLst/>
-          </a:prstGeom>
-          <a:ln w="19050"/>
-        </p:spPr>
-        <p:style>
-          <a:lnRef idx="2">
-            <a:schemeClr val="dk1"/>
-          </a:lnRef>
-          <a:fillRef idx="1">
-            <a:schemeClr val="lt1"/>
-          </a:fillRef>
-          <a:effectRef idx="0">
-            <a:schemeClr val="dk1"/>
-          </a:effectRef>
-          <a:fontRef idx="minor">
-            <a:schemeClr val="dk1"/>
-          </a:fontRef>
-        </p:style>
-        <p:txBody>
-          <a:bodyPr wrap="square" rtlCol="0">
-            <a:spAutoFit/>
-          </a:bodyPr>
-          <a:lstStyle/>
-          <a:p>
-            <a:pPr algn="ctr"/>
-            <a:r>
-              <a:rPr lang="en-US" altLang="ko-KR" dirty="0" smtClean="0">
-                <a:solidFill>
-                  <a:srgbClr val="C00000"/>
-                </a:solidFill>
-              </a:rPr>
-              <a:t>calcTime.html</a:t>
-            </a:r>
-            <a:endParaRPr lang="ko-KR" altLang="en-US" dirty="0">
-              <a:solidFill>
-                <a:srgbClr val="C00000"/>
-              </a:solidFill>
-            </a:endParaRPr>
-          </a:p>
-        </p:txBody>
-      </p:sp>
     </p:spTree>
     <p:extLst>
       <p:ext uri="{BB962C8B-B14F-4D97-AF65-F5344CB8AC3E}">
-        <p14:creationId xmlns:p14="http://schemas.microsoft.com/office/powerpoint/2010/main" val="3724157275"/>
+        <p14:creationId xmlns:p14="http://schemas.microsoft.com/office/powerpoint/2010/main" val="2483198115"/>
       </p:ext>
     </p:extLst>
   </p:cSld>
@@ -9638,8 +9583,12 @@
           <a:p>
             <a:pPr algn="ctr"/>
             <a:r>
-              <a:rPr lang="ko-KR" altLang="en-US" sz="2800" b="1" dirty="0"/>
-              <a:t>날짜 계산 프로그램</a:t>
+              <a:rPr lang="ko-KR" altLang="en-US" sz="2800" dirty="0" smtClean="0"/>
+              <a:t>내장 객체 </a:t>
+            </a:r>
+            <a:r>
+              <a:rPr lang="en-US" altLang="ko-KR" sz="2800" dirty="0" smtClean="0"/>
+              <a:t>- Date</a:t>
             </a:r>
             <a:endParaRPr lang="ko-KR" altLang="en-US" sz="2800" dirty="0"/>
           </a:p>
@@ -9670,14 +9619,14 @@
       </p:sp>
       <p:sp>
         <p:nvSpPr>
-          <p:cNvPr id="7" name="TextBox 6"/>
+          <p:cNvPr id="8" name="TextBox 7"/>
           <p:cNvSpPr txBox="1"/>
           <p:nvPr/>
         </p:nvSpPr>
         <p:spPr>
           <a:xfrm>
-            <a:off x="1424607" y="1362834"/>
-            <a:ext cx="3744417" cy="553998"/>
+            <a:off x="1136576" y="1268760"/>
+            <a:ext cx="5760640" cy="494494"/>
           </a:xfrm>
           <a:prstGeom prst="rect">
             <a:avLst/>
@@ -9696,8 +9645,48 @@
               </a:lnSpc>
             </a:pPr>
             <a:r>
+              <a:rPr lang="ko-KR" altLang="en-US" dirty="0"/>
+              <a:t> </a:t>
+            </a:r>
+            <a:r>
+              <a:rPr lang="en-US" altLang="ko-KR" sz="2000" b="1" dirty="0"/>
+              <a:t> </a:t>
+            </a:r>
+            <a:r>
               <a:rPr lang="ko-KR" altLang="en-US" sz="2000" b="1" dirty="0" smtClean="0"/>
-              <a:t>날짜 계산 프로그램 만들기</a:t>
+              <a:t>시간</a:t>
+            </a:r>
+            <a:r>
+              <a:rPr lang="en-US" altLang="ko-KR" sz="2000" b="1" dirty="0" smtClean="0"/>
+              <a:t>(</a:t>
+            </a:r>
+            <a:r>
+              <a:rPr lang="ko-KR" altLang="en-US" sz="2000" b="1" dirty="0" smtClean="0"/>
+              <a:t>초</a:t>
+            </a:r>
+            <a:r>
+              <a:rPr lang="en-US" altLang="ko-KR" sz="2000" b="1" dirty="0" smtClean="0"/>
+              <a:t>)</a:t>
+            </a:r>
+            <a:r>
+              <a:rPr lang="ko-KR" altLang="en-US" sz="2000" b="1" dirty="0" smtClean="0"/>
+              <a:t>을 시</a:t>
+            </a:r>
+            <a:r>
+              <a:rPr lang="en-US" altLang="ko-KR" sz="2000" b="1" dirty="0" smtClean="0"/>
+              <a:t>, </a:t>
+            </a:r>
+            <a:r>
+              <a:rPr lang="ko-KR" altLang="en-US" sz="2000" b="1" dirty="0" smtClean="0"/>
+              <a:t>분</a:t>
+            </a:r>
+            <a:r>
+              <a:rPr lang="en-US" altLang="ko-KR" sz="2000" b="1" dirty="0" smtClean="0"/>
+              <a:t>, </a:t>
+            </a:r>
+            <a:r>
+              <a:rPr lang="ko-KR" altLang="en-US" sz="2000" b="1" dirty="0" smtClean="0"/>
+              <a:t>초로 환산하기</a:t>
             </a:r>
             <a:endParaRPr lang="en-US" altLang="ko-KR" sz="2000" b="1" dirty="0" smtClean="0"/>
           </a:p>
@@ -9705,7 +9694,7 @@
       </p:sp>
       <p:pic>
         <p:nvPicPr>
-          <p:cNvPr id="5" name="그림 4"/>
+          <p:cNvPr id="3" name="그림 2"/>
           <p:cNvPicPr>
             <a:picLocks noChangeAspect="1"/>
           </p:cNvPicPr>
@@ -9725,18 +9714,78 @@
         </p:blipFill>
         <p:spPr>
           <a:xfrm>
-            <a:off x="1856657" y="2060848"/>
-            <a:ext cx="3744416" cy="3458479"/>
+            <a:off x="1496616" y="1979278"/>
+            <a:ext cx="6062629" cy="4258034"/>
           </a:xfrm>
           <a:prstGeom prst="rect">
             <a:avLst/>
           </a:prstGeom>
+          <a:ln>
+            <a:solidFill>
+              <a:schemeClr val="bg1">
+                <a:lumMod val="85000"/>
+              </a:schemeClr>
+            </a:solidFill>
+          </a:ln>
         </p:spPr>
       </p:pic>
+      <p:sp>
+        <p:nvSpPr>
+          <p:cNvPr id="9" name="TextBox 8"/>
+          <p:cNvSpPr txBox="1"/>
+          <p:nvPr/>
+        </p:nvSpPr>
+        <p:spPr>
+          <a:xfrm>
+            <a:off x="6609184" y="2492896"/>
+            <a:ext cx="2015960" cy="408623"/>
+          </a:xfrm>
+          <a:prstGeom prst="roundRect">
+            <a:avLst/>
+          </a:prstGeom>
+          <a:ln w="19050"/>
+        </p:spPr>
+        <p:style>
+          <a:lnRef idx="2">
+            <a:schemeClr val="dk1"/>
+          </a:lnRef>
+          <a:fillRef idx="1">
+            <a:schemeClr val="lt1"/>
+          </a:fillRef>
+          <a:effectRef idx="0">
+            <a:schemeClr val="dk1"/>
+          </a:effectRef>
+          <a:fontRef idx="minor">
+            <a:schemeClr val="dk1"/>
+          </a:fontRef>
+        </p:style>
+        <p:txBody>
+          <a:bodyPr wrap="square" rtlCol="0">
+            <a:spAutoFit/>
+          </a:bodyPr>
+          <a:lstStyle/>
+          <a:p>
+            <a:pPr algn="ctr"/>
+            <a:r>
+              <a:rPr lang="en-US" altLang="ko-KR" dirty="0" smtClean="0">
+                <a:solidFill>
+                  <a:srgbClr val="C00000"/>
+                </a:solidFill>
+              </a:rPr>
+              <a:t>calcTime.html</a:t>
+            </a:r>
+            <a:endParaRPr lang="ko-KR" altLang="en-US" dirty="0">
+              <a:solidFill>
+                <a:srgbClr val="C00000"/>
+              </a:solidFill>
+            </a:endParaRPr>
+          </a:p>
+        </p:txBody>
+      </p:sp>
     </p:spTree>
     <p:extLst>
       <p:ext uri="{BB962C8B-B14F-4D97-AF65-F5344CB8AC3E}">
-        <p14:creationId xmlns:p14="http://schemas.microsoft.com/office/powerpoint/2010/main" val="460768941"/>
+        <p14:creationId xmlns:p14="http://schemas.microsoft.com/office/powerpoint/2010/main" val="3724157275"/>
       </p:ext>
     </p:extLst>
   </p:cSld>
@@ -9826,13 +9875,13 @@
       </p:sp>
       <p:sp>
         <p:nvSpPr>
-          <p:cNvPr id="8" name="TextBox 7"/>
+          <p:cNvPr id="7" name="TextBox 6"/>
           <p:cNvSpPr txBox="1"/>
           <p:nvPr/>
         </p:nvSpPr>
         <p:spPr>
           <a:xfrm>
-            <a:off x="992559" y="1268760"/>
+            <a:off x="1424607" y="1362834"/>
             <a:ext cx="3744417" cy="553998"/>
           </a:xfrm>
           <a:prstGeom prst="rect">
@@ -9861,7 +9910,7 @@
       </p:sp>
       <p:pic>
         <p:nvPicPr>
-          <p:cNvPr id="3" name="그림 2"/>
+          <p:cNvPr id="5" name="그림 4"/>
           <p:cNvPicPr>
             <a:picLocks noChangeAspect="1"/>
           </p:cNvPicPr>
@@ -9881,78 +9930,18 @@
         </p:blipFill>
         <p:spPr>
           <a:xfrm>
-            <a:off x="1352600" y="1855704"/>
-            <a:ext cx="7582558" cy="4374259"/>
+            <a:off x="1856657" y="2060848"/>
+            <a:ext cx="3744416" cy="3458479"/>
           </a:xfrm>
           <a:prstGeom prst="rect">
             <a:avLst/>
           </a:prstGeom>
-          <a:ln>
-            <a:solidFill>
-              <a:schemeClr val="bg1">
-                <a:lumMod val="85000"/>
-              </a:schemeClr>
-            </a:solidFill>
-          </a:ln>
         </p:spPr>
       </p:pic>
-      <p:sp>
-        <p:nvSpPr>
-          <p:cNvPr id="9" name="TextBox 8"/>
-          <p:cNvSpPr txBox="1"/>
-          <p:nvPr/>
-        </p:nvSpPr>
-        <p:spPr>
-          <a:xfrm>
-            <a:off x="7113240" y="2780928"/>
-            <a:ext cx="2160240" cy="408623"/>
-          </a:xfrm>
-          <a:prstGeom prst="roundRect">
-            <a:avLst/>
-          </a:prstGeom>
-          <a:ln w="19050"/>
-        </p:spPr>
-        <p:style>
-          <a:lnRef idx="2">
-            <a:schemeClr val="dk1"/>
-          </a:lnRef>
-          <a:fillRef idx="1">
-            <a:schemeClr val="lt1"/>
-          </a:fillRef>
-          <a:effectRef idx="0">
-            <a:schemeClr val="dk1"/>
-          </a:effectRef>
-          <a:fontRef idx="minor">
-            <a:schemeClr val="dk1"/>
-          </a:fontRef>
-        </p:style>
-        <p:txBody>
-          <a:bodyPr wrap="square" rtlCol="0">
-            <a:spAutoFit/>
-          </a:bodyPr>
-          <a:lstStyle/>
-          <a:p>
-            <a:pPr algn="ctr"/>
-            <a:r>
-              <a:rPr lang="en-US" altLang="ko-KR" dirty="0" smtClean="0">
-                <a:solidFill>
-                  <a:srgbClr val="C00000"/>
-                </a:solidFill>
-              </a:rPr>
-              <a:t>passedtime.html</a:t>
-            </a:r>
-            <a:endParaRPr lang="ko-KR" altLang="en-US" dirty="0">
-              <a:solidFill>
-                <a:srgbClr val="C00000"/>
-              </a:solidFill>
-            </a:endParaRPr>
-          </a:p>
-        </p:txBody>
-      </p:sp>
     </p:spTree>
     <p:extLst>
       <p:ext uri="{BB962C8B-B14F-4D97-AF65-F5344CB8AC3E}">
-        <p14:creationId xmlns:p14="http://schemas.microsoft.com/office/powerpoint/2010/main" val="1843280505"/>
+        <p14:creationId xmlns:p14="http://schemas.microsoft.com/office/powerpoint/2010/main" val="460768941"/>
       </p:ext>
     </p:extLst>
   </p:cSld>
@@ -10097,8 +10086,8 @@
         </p:blipFill>
         <p:spPr>
           <a:xfrm>
-            <a:off x="1352600" y="1927730"/>
-            <a:ext cx="6058466" cy="3157454"/>
+            <a:off x="1352600" y="1855704"/>
+            <a:ext cx="7582558" cy="4374259"/>
           </a:xfrm>
           <a:prstGeom prst="rect">
             <a:avLst/>
@@ -10112,10 +10101,63 @@
           </a:ln>
         </p:spPr>
       </p:pic>
+      <p:sp>
+        <p:nvSpPr>
+          <p:cNvPr id="9" name="TextBox 8"/>
+          <p:cNvSpPr txBox="1"/>
+          <p:nvPr/>
+        </p:nvSpPr>
+        <p:spPr>
+          <a:xfrm>
+            <a:off x="7113240" y="2780928"/>
+            <a:ext cx="2160240" cy="408623"/>
+          </a:xfrm>
+          <a:prstGeom prst="roundRect">
+            <a:avLst/>
+          </a:prstGeom>
+          <a:ln w="19050"/>
+        </p:spPr>
+        <p:style>
+          <a:lnRef idx="2">
+            <a:schemeClr val="dk1"/>
+          </a:lnRef>
+          <a:fillRef idx="1">
+            <a:schemeClr val="lt1"/>
+          </a:fillRef>
+          <a:effectRef idx="0">
+            <a:schemeClr val="dk1"/>
+          </a:effectRef>
+          <a:fontRef idx="minor">
+            <a:schemeClr val="dk1"/>
+          </a:fontRef>
+        </p:style>
+        <p:txBody>
+          <a:bodyPr wrap="square" rtlCol="0">
+            <a:spAutoFit/>
+          </a:bodyPr>
+          <a:lstStyle/>
+          <a:p>
+            <a:pPr algn="ctr"/>
+            <a:r>
+              <a:rPr lang="en-US" altLang="ko-KR" dirty="0" smtClean="0">
+                <a:solidFill>
+                  <a:srgbClr val="C00000"/>
+                </a:solidFill>
+              </a:rPr>
+              <a:t>passedtime.html</a:t>
+            </a:r>
+            <a:endParaRPr lang="ko-KR" altLang="en-US" dirty="0">
+              <a:solidFill>
+                <a:srgbClr val="C00000"/>
+              </a:solidFill>
+            </a:endParaRPr>
+          </a:p>
+        </p:txBody>
+      </p:sp>
     </p:spTree>
     <p:extLst>
       <p:ext uri="{BB962C8B-B14F-4D97-AF65-F5344CB8AC3E}">
-        <p14:creationId xmlns:p14="http://schemas.microsoft.com/office/powerpoint/2010/main" val="2487353956"/>
+        <p14:creationId xmlns:p14="http://schemas.microsoft.com/office/powerpoint/2010/main" val="1843280505"/>
       </p:ext>
     </p:extLst>
   </p:cSld>
@@ -10689,12 +10731,8 @@
           <a:p>
             <a:pPr algn="ctr"/>
             <a:r>
-              <a:rPr lang="ko-KR" altLang="en-US" sz="2800" dirty="0"/>
-              <a:t>내장 객체 </a:t>
-            </a:r>
-            <a:r>
-              <a:rPr lang="en-US" altLang="ko-KR" sz="2800" dirty="0" smtClean="0"/>
-              <a:t>– Array</a:t>
+              <a:rPr lang="ko-KR" altLang="en-US" sz="2800" b="1" dirty="0"/>
+              <a:t>날짜 계산 프로그램</a:t>
             </a:r>
             <a:endParaRPr lang="ko-KR" altLang="en-US" sz="2800" dirty="0"/>
           </a:p>
@@ -10725,13 +10763,13 @@
       </p:sp>
       <p:sp>
         <p:nvSpPr>
-          <p:cNvPr id="5" name="TextBox 4"/>
+          <p:cNvPr id="8" name="TextBox 7"/>
           <p:cNvSpPr txBox="1"/>
           <p:nvPr/>
         </p:nvSpPr>
         <p:spPr>
           <a:xfrm>
-            <a:off x="992559" y="1290826"/>
+            <a:off x="992559" y="1268760"/>
             <a:ext cx="3744417" cy="553998"/>
           </a:xfrm>
           <a:prstGeom prst="rect">
@@ -10745,32 +10783,22 @@
           </a:bodyPr>
           <a:lstStyle/>
           <a:p>
-            <a:pPr marL="285750" indent="-285750">
+            <a:pPr>
               <a:lnSpc>
                 <a:spcPct val="150000"/>
               </a:lnSpc>
-              <a:buFont typeface="Wingdings" panose="05000000000000000000" pitchFamily="2" charset="2"/>
-              <a:buChar char="l"/>
             </a:pPr>
             <a:r>
-              <a:rPr lang="en-US" altLang="ko-KR" sz="2000" b="1" dirty="0" err="1" smtClean="0"/>
-              <a:t>indexOf</a:t>
-            </a:r>
-            <a:r>
-              <a:rPr lang="en-US" altLang="ko-KR" sz="2000" b="1" dirty="0" smtClean="0"/>
-              <a:t>()</a:t>
-            </a:r>
-            <a:r>
               <a:rPr lang="ko-KR" altLang="en-US" sz="2000" b="1" dirty="0" smtClean="0"/>
-              <a:t>함수 예제</a:t>
-            </a:r>
-            <a:endParaRPr lang="en-US" altLang="ko-KR" b="1" dirty="0" smtClean="0"/>
+              <a:t>날짜 계산 프로그램 만들기</a:t>
+            </a:r>
+            <a:endParaRPr lang="en-US" altLang="ko-KR" sz="2000" b="1" dirty="0" smtClean="0"/>
           </a:p>
         </p:txBody>
       </p:sp>
       <p:pic>
         <p:nvPicPr>
-          <p:cNvPr id="9" name="그림 8"/>
+          <p:cNvPr id="3" name="그림 2"/>
           <p:cNvPicPr>
             <a:picLocks noChangeAspect="1"/>
           </p:cNvPicPr>
@@ -10790,8 +10818,8 @@
         </p:blipFill>
         <p:spPr>
           <a:xfrm>
-            <a:off x="1123256" y="2060848"/>
-            <a:ext cx="3528392" cy="1330484"/>
+            <a:off x="1352600" y="1927730"/>
+            <a:ext cx="6058466" cy="3157454"/>
           </a:xfrm>
           <a:prstGeom prst="rect">
             <a:avLst/>
@@ -10805,283 +10833,10 @@
           </a:ln>
         </p:spPr>
       </p:pic>
-      <p:pic>
-        <p:nvPicPr>
-          <p:cNvPr id="10" name="그림 9"/>
-          <p:cNvPicPr>
-            <a:picLocks noChangeAspect="1"/>
-          </p:cNvPicPr>
-          <p:nvPr/>
-        </p:nvPicPr>
-        <p:blipFill>
-          <a:blip r:embed="rId3">
-            <a:extLst>
-              <a:ext uri="{28A0092B-C50C-407E-A947-70E740481C1C}">
-                <a14:useLocalDpi xmlns:a14="http://schemas.microsoft.com/office/drawing/2010/main" val="0"/>
-              </a:ext>
-            </a:extLst>
-          </a:blip>
-          <a:stretch>
-            <a:fillRect/>
-          </a:stretch>
-        </p:blipFill>
-        <p:spPr>
-          <a:xfrm>
-            <a:off x="1123256" y="3652038"/>
-            <a:ext cx="3565715" cy="1002856"/>
-          </a:xfrm>
-          <a:prstGeom prst="rect">
-            <a:avLst/>
-          </a:prstGeom>
-          <a:ln>
-            <a:solidFill>
-              <a:schemeClr val="bg1">
-                <a:lumMod val="85000"/>
-              </a:schemeClr>
-            </a:solidFill>
-          </a:ln>
-        </p:spPr>
-      </p:pic>
-      <p:sp>
-        <p:nvSpPr>
-          <p:cNvPr id="3" name="TextBox 2"/>
-          <p:cNvSpPr txBox="1"/>
-          <p:nvPr/>
-        </p:nvSpPr>
-        <p:spPr>
-          <a:xfrm>
-            <a:off x="4953000" y="2088450"/>
-            <a:ext cx="4752528" cy="2862322"/>
-          </a:xfrm>
-          <a:prstGeom prst="rect">
-            <a:avLst/>
-          </a:prstGeom>
-          <a:noFill/>
-          <a:ln>
-            <a:solidFill>
-              <a:schemeClr val="bg1">
-                <a:lumMod val="85000"/>
-              </a:schemeClr>
-            </a:solidFill>
-          </a:ln>
-        </p:spPr>
-        <p:txBody>
-          <a:bodyPr wrap="square" rtlCol="0">
-            <a:spAutoFit/>
-          </a:bodyPr>
-          <a:lstStyle/>
-          <a:p>
-            <a:r>
-              <a:rPr lang="ko-KR" altLang="en-US" b="1" dirty="0" smtClean="0"/>
-              <a:t>단어를 검색하면 대답하는 프로그램</a:t>
-            </a:r>
-            <a:endParaRPr lang="en-US" altLang="ko-KR" b="1" dirty="0" smtClean="0"/>
-          </a:p>
-          <a:p>
-            <a:endParaRPr lang="en-US" altLang="ko-KR" dirty="0"/>
-          </a:p>
-          <a:p>
-            <a:pPr marL="342900" indent="-342900">
-              <a:lnSpc>
-                <a:spcPct val="150000"/>
-              </a:lnSpc>
-              <a:buFont typeface="Arial" panose="020B0604020202020204" pitchFamily="34" charset="0"/>
-              <a:buChar char="•"/>
-            </a:pPr>
-            <a:r>
-              <a:rPr lang="en-US" altLang="ko-KR" sz="1600" dirty="0" smtClean="0"/>
-              <a:t>‘</a:t>
-            </a:r>
-            <a:r>
-              <a:rPr lang="ko-KR" altLang="en-US" sz="1600" dirty="0" smtClean="0"/>
-              <a:t>안녕</a:t>
-            </a:r>
-            <a:r>
-              <a:rPr lang="en-US" altLang="ko-KR" sz="1600" dirty="0" smtClean="0"/>
-              <a:t>’</a:t>
-            </a:r>
-            <a:r>
-              <a:rPr lang="ko-KR" altLang="en-US" sz="1600" dirty="0" smtClean="0"/>
-              <a:t>이 있으면 </a:t>
-            </a:r>
-            <a:r>
-              <a:rPr lang="en-US" altLang="ko-KR" sz="1600" dirty="0" smtClean="0"/>
-              <a:t>‘</a:t>
-            </a:r>
-            <a:r>
-              <a:rPr lang="ko-KR" altLang="en-US" sz="1600" dirty="0" smtClean="0"/>
-              <a:t>안녕하세요</a:t>
-            </a:r>
-            <a:r>
-              <a:rPr lang="en-US" altLang="ko-KR" sz="1600" dirty="0" smtClean="0"/>
-              <a:t>’ </a:t>
-            </a:r>
-            <a:r>
-              <a:rPr lang="ko-KR" altLang="en-US" sz="1600" dirty="0" smtClean="0"/>
-              <a:t>출력</a:t>
-            </a:r>
-            <a:endParaRPr lang="en-US" altLang="ko-KR" sz="1600" dirty="0" smtClean="0"/>
-          </a:p>
-          <a:p>
-            <a:pPr marL="342900" indent="-342900">
-              <a:lnSpc>
-                <a:spcPct val="150000"/>
-              </a:lnSpc>
-              <a:buFont typeface="Arial" panose="020B0604020202020204" pitchFamily="34" charset="0"/>
-              <a:buChar char="•"/>
-            </a:pPr>
-            <a:r>
-              <a:rPr lang="ko-KR" altLang="en-US" sz="1600" dirty="0" smtClean="0"/>
-              <a:t>시간을 검색하면 </a:t>
-            </a:r>
-            <a:r>
-              <a:rPr lang="en-US" altLang="ko-KR" sz="1600" dirty="0" smtClean="0"/>
-              <a:t>‘</a:t>
-            </a:r>
-            <a:r>
-              <a:rPr lang="ko-KR" altLang="en-US" sz="1600" dirty="0" smtClean="0"/>
-              <a:t>현재 시간</a:t>
-            </a:r>
-            <a:r>
-              <a:rPr lang="en-US" altLang="ko-KR" sz="1600" dirty="0" smtClean="0"/>
-              <a:t>’ </a:t>
-            </a:r>
-            <a:r>
-              <a:rPr lang="ko-KR" altLang="en-US" sz="1600" dirty="0" smtClean="0"/>
-              <a:t>출력</a:t>
-            </a:r>
-            <a:endParaRPr lang="en-US" altLang="ko-KR" sz="1600" dirty="0" smtClean="0"/>
-          </a:p>
-          <a:p>
-            <a:pPr marL="342900" indent="-342900">
-              <a:lnSpc>
-                <a:spcPct val="150000"/>
-              </a:lnSpc>
-              <a:buFont typeface="Arial" panose="020B0604020202020204" pitchFamily="34" charset="0"/>
-              <a:buChar char="•"/>
-            </a:pPr>
-            <a:r>
-              <a:rPr lang="en-US" altLang="ko-KR" sz="1600" dirty="0" smtClean="0"/>
-              <a:t>‘</a:t>
-            </a:r>
-            <a:r>
-              <a:rPr lang="ko-KR" altLang="en-US" sz="1600" dirty="0" err="1" smtClean="0"/>
-              <a:t>잘있어</a:t>
-            </a:r>
-            <a:r>
-              <a:rPr lang="en-US" altLang="ko-KR" sz="1600" dirty="0" smtClean="0"/>
-              <a:t>’ </a:t>
-            </a:r>
-            <a:r>
-              <a:rPr lang="ko-KR" altLang="en-US" sz="1600" dirty="0" smtClean="0"/>
-              <a:t>또는 </a:t>
-            </a:r>
-            <a:r>
-              <a:rPr lang="en-US" altLang="ko-KR" sz="1600" dirty="0" smtClean="0"/>
-              <a:t>‘</a:t>
-            </a:r>
-            <a:r>
-              <a:rPr lang="ko-KR" altLang="en-US" sz="1600" dirty="0" err="1" smtClean="0"/>
-              <a:t>잘가</a:t>
-            </a:r>
-            <a:r>
-              <a:rPr lang="en-US" altLang="ko-KR" sz="1600" dirty="0" smtClean="0"/>
-              <a:t>’</a:t>
-            </a:r>
-            <a:r>
-              <a:rPr lang="ko-KR" altLang="en-US" sz="1600" dirty="0" smtClean="0"/>
-              <a:t>를</a:t>
-            </a:r>
-            <a:r>
-              <a:rPr lang="en-US" altLang="ko-KR" sz="1600" dirty="0"/>
-              <a:t> </a:t>
-            </a:r>
-            <a:r>
-              <a:rPr lang="ko-KR" altLang="en-US" sz="1600" dirty="0" smtClean="0"/>
-              <a:t>검색하면 </a:t>
-            </a:r>
-            <a:endParaRPr lang="en-US" altLang="ko-KR" sz="1600" dirty="0" smtClean="0"/>
-          </a:p>
-          <a:p>
-            <a:pPr>
-              <a:lnSpc>
-                <a:spcPct val="150000"/>
-              </a:lnSpc>
-            </a:pPr>
-            <a:r>
-              <a:rPr lang="en-US" altLang="ko-KR" sz="1600" dirty="0"/>
-              <a:t> </a:t>
-            </a:r>
-            <a:r>
-              <a:rPr lang="en-US" altLang="ko-KR" sz="1600" dirty="0" smtClean="0"/>
-              <a:t>     “</a:t>
-            </a:r>
-            <a:r>
-              <a:rPr lang="ko-KR" altLang="en-US" sz="1600" dirty="0" smtClean="0"/>
-              <a:t>안녕히 가세요</a:t>
-            </a:r>
-            <a:r>
-              <a:rPr lang="en-US" altLang="ko-KR" sz="1600" dirty="0" smtClean="0"/>
-              <a:t>”</a:t>
-            </a:r>
-            <a:r>
-              <a:rPr lang="ko-KR" altLang="en-US" sz="1600" dirty="0" smtClean="0"/>
-              <a:t>를 출력하고 프로그램</a:t>
-            </a:r>
-            <a:endParaRPr lang="en-US" altLang="ko-KR" sz="1600" dirty="0" smtClean="0"/>
-          </a:p>
-          <a:p>
-            <a:pPr>
-              <a:lnSpc>
-                <a:spcPct val="150000"/>
-              </a:lnSpc>
-            </a:pPr>
-            <a:r>
-              <a:rPr lang="en-US" altLang="ko-KR" sz="1600" dirty="0" smtClean="0"/>
-              <a:t>     </a:t>
-            </a:r>
-            <a:r>
-              <a:rPr lang="ko-KR" altLang="en-US" sz="1600" dirty="0" smtClean="0"/>
-              <a:t>이 종료됨</a:t>
-            </a:r>
-            <a:endParaRPr lang="en-US" altLang="ko-KR" sz="1600" dirty="0" smtClean="0"/>
-          </a:p>
-          <a:p>
-            <a:pPr marL="342900" indent="-342900">
-              <a:lnSpc>
-                <a:spcPct val="150000"/>
-              </a:lnSpc>
-              <a:buFont typeface="Arial" panose="020B0604020202020204" pitchFamily="34" charset="0"/>
-              <a:buChar char="•"/>
-            </a:pPr>
-            <a:r>
-              <a:rPr lang="ko-KR" altLang="en-US" sz="1600" dirty="0" smtClean="0"/>
-              <a:t>찾는 단어가 없으면 </a:t>
-            </a:r>
-            <a:r>
-              <a:rPr lang="en-US" altLang="ko-KR" sz="1600" dirty="0" smtClean="0"/>
-              <a:t>“</a:t>
-            </a:r>
-            <a:r>
-              <a:rPr lang="ko-KR" altLang="en-US" sz="1600" dirty="0" smtClean="0"/>
-              <a:t>모르는 단어입니다</a:t>
-            </a:r>
-            <a:r>
-              <a:rPr lang="en-US" altLang="ko-KR" sz="1600" dirty="0" smtClean="0"/>
-              <a:t>’ </a:t>
-            </a:r>
-            <a:r>
-              <a:rPr lang="ko-KR" altLang="en-US" sz="1600" dirty="0" smtClean="0"/>
-              <a:t>출력</a:t>
-            </a:r>
-            <a:endParaRPr lang="en-US" altLang="ko-KR" sz="1600" dirty="0" smtClean="0"/>
-          </a:p>
-        </p:txBody>
-      </p:sp>
     </p:spTree>
     <p:extLst>
       <p:ext uri="{BB962C8B-B14F-4D97-AF65-F5344CB8AC3E}">
-        <p14:creationId xmlns:p14="http://schemas.microsoft.com/office/powerpoint/2010/main" val="1962993863"/>
+        <p14:creationId xmlns:p14="http://schemas.microsoft.com/office/powerpoint/2010/main" val="2487353956"/>
       </p:ext>
     </p:extLst>
   </p:cSld>
@@ -11144,7 +10899,7 @@
             </a:r>
             <a:r>
               <a:rPr lang="en-US" altLang="ko-KR" sz="2800" dirty="0" smtClean="0"/>
-              <a:t>- Array</a:t>
+              <a:t>– Array</a:t>
             </a:r>
             <a:endParaRPr lang="ko-KR" altLang="en-US" sz="2800" dirty="0"/>
           </a:p>
@@ -11181,8 +10936,8 @@
         </p:nvSpPr>
         <p:spPr>
           <a:xfrm>
-            <a:off x="1064567" y="1196752"/>
-            <a:ext cx="4680521" cy="553998"/>
+            <a:off x="992559" y="1290826"/>
+            <a:ext cx="3744417" cy="553998"/>
           </a:xfrm>
           <a:prstGeom prst="rect">
             <a:avLst/>
@@ -11220,7 +10975,7 @@
       </p:sp>
       <p:pic>
         <p:nvPicPr>
-          <p:cNvPr id="7" name="그림 6"/>
+          <p:cNvPr id="9" name="그림 8"/>
           <p:cNvPicPr>
             <a:picLocks noChangeAspect="1"/>
           </p:cNvPicPr>
@@ -11240,8 +10995,8 @@
         </p:blipFill>
         <p:spPr>
           <a:xfrm>
-            <a:off x="1424607" y="1803112"/>
-            <a:ext cx="6722539" cy="4772173"/>
+            <a:off x="1123256" y="2060848"/>
+            <a:ext cx="3528392" cy="1330484"/>
           </a:xfrm>
           <a:prstGeom prst="rect">
             <a:avLst/>
@@ -11255,21 +11010,65 @@
           </a:ln>
         </p:spPr>
       </p:pic>
-      <p:sp>
-        <p:nvSpPr>
-          <p:cNvPr id="6" name="TextBox 5"/>
+      <p:pic>
+        <p:nvPicPr>
+          <p:cNvPr id="10" name="그림 9"/>
+          <p:cNvPicPr>
+            <a:picLocks noChangeAspect="1"/>
+          </p:cNvPicPr>
+          <p:nvPr/>
+        </p:nvPicPr>
+        <p:blipFill>
+          <a:blip r:embed="rId3">
+            <a:extLst>
+              <a:ext uri="{28A0092B-C50C-407E-A947-70E740481C1C}">
+                <a14:useLocalDpi xmlns:a14="http://schemas.microsoft.com/office/drawing/2010/main" val="0"/>
+              </a:ext>
+            </a:extLst>
+          </a:blip>
+          <a:stretch>
+            <a:fillRect/>
+          </a:stretch>
+        </p:blipFill>
+        <p:spPr>
+          <a:xfrm>
+            <a:off x="1123256" y="3652038"/>
+            <a:ext cx="3565715" cy="1002856"/>
+          </a:xfrm>
+          <a:prstGeom prst="rect">
+            <a:avLst/>
+          </a:prstGeom>
+          <a:ln>
+            <a:solidFill>
+              <a:schemeClr val="bg1">
+                <a:lumMod val="85000"/>
+              </a:schemeClr>
+            </a:solidFill>
+          </a:ln>
+        </p:spPr>
+      </p:pic>
+      <p:sp>
+        <p:nvSpPr>
+          <p:cNvPr id="3" name="TextBox 2"/>
           <p:cNvSpPr txBox="1"/>
           <p:nvPr/>
         </p:nvSpPr>
         <p:spPr>
           <a:xfrm>
-            <a:off x="7257256" y="2228239"/>
-            <a:ext cx="1728192" cy="338554"/>
+            <a:off x="4953000" y="2088450"/>
+            <a:ext cx="4752528" cy="2862322"/>
           </a:xfrm>
           <a:prstGeom prst="rect">
             <a:avLst/>
           </a:prstGeom>
           <a:noFill/>
+          <a:ln>
+            <a:solidFill>
+              <a:schemeClr val="bg1">
+                <a:lumMod val="85000"/>
+              </a:schemeClr>
+            </a:solidFill>
+          </a:ln>
         </p:spPr>
         <p:txBody>
           <a:bodyPr wrap="square" rtlCol="0">
@@ -11278,25 +11077,216 @@
           <a:lstStyle/>
           <a:p>
             <a:r>
-              <a:rPr lang="en-US" altLang="ko-KR" sz="1600" dirty="0" smtClean="0">
-                <a:solidFill>
-                  <a:srgbClr val="FF0000"/>
-                </a:solidFill>
-              </a:rPr>
-              <a:t>indexof2.html</a:t>
-            </a:r>
-            <a:endParaRPr lang="ko-KR" altLang="en-US" sz="1600" dirty="0">
-              <a:solidFill>
-                <a:srgbClr val="FF0000"/>
-              </a:solidFill>
-            </a:endParaRPr>
+              <a:rPr lang="ko-KR" altLang="en-US" b="1" dirty="0" smtClean="0"/>
+              <a:t>단어를 검색하면 대답하는 프로그램</a:t>
+            </a:r>
+            <a:endParaRPr lang="en-US" altLang="ko-KR" b="1" dirty="0" smtClean="0"/>
+          </a:p>
+          <a:p>
+            <a:endParaRPr lang="en-US" altLang="ko-KR" dirty="0"/>
+          </a:p>
+          <a:p>
+            <a:pPr marL="342900" indent="-342900">
+              <a:lnSpc>
+                <a:spcPct val="150000"/>
+              </a:lnSpc>
+              <a:buFont typeface="Arial" panose="020B0604020202020204" pitchFamily="34" charset="0"/>
+              <a:buChar char="•"/>
+            </a:pPr>
+            <a:r>
+              <a:rPr lang="en-US" altLang="ko-KR" sz="1600" dirty="0" smtClean="0"/>
+              <a:t>‘</a:t>
+            </a:r>
+            <a:r>
+              <a:rPr lang="ko-KR" altLang="en-US" sz="1600" dirty="0" smtClean="0"/>
+              <a:t>안녕</a:t>
+            </a:r>
+            <a:r>
+              <a:rPr lang="en-US" altLang="ko-KR" sz="1600" dirty="0" smtClean="0"/>
+              <a:t>’</a:t>
+            </a:r>
+            <a:r>
+              <a:rPr lang="ko-KR" altLang="en-US" sz="1600" dirty="0" smtClean="0"/>
+              <a:t>이 있으면 </a:t>
+            </a:r>
+            <a:r>
+              <a:rPr lang="en-US" altLang="ko-KR" sz="1600" dirty="0" smtClean="0"/>
+              <a:t>‘</a:t>
+            </a:r>
+            <a:r>
+              <a:rPr lang="ko-KR" altLang="en-US" sz="1600" dirty="0" smtClean="0"/>
+              <a:t>안녕하세요</a:t>
+            </a:r>
+            <a:r>
+              <a:rPr lang="en-US" altLang="ko-KR" sz="1600" dirty="0" smtClean="0"/>
+              <a:t>’ </a:t>
+            </a:r>
+            <a:r>
+              <a:rPr lang="ko-KR" altLang="en-US" sz="1600" dirty="0" smtClean="0"/>
+              <a:t>출력</a:t>
+            </a:r>
+            <a:endParaRPr lang="en-US" altLang="ko-KR" sz="1600" dirty="0" smtClean="0"/>
+          </a:p>
+          <a:p>
+            <a:pPr marL="342900" indent="-342900">
+              <a:lnSpc>
+                <a:spcPct val="150000"/>
+              </a:lnSpc>
+              <a:buFont typeface="Arial" panose="020B0604020202020204" pitchFamily="34" charset="0"/>
+              <a:buChar char="•"/>
+            </a:pPr>
+            <a:r>
+              <a:rPr lang="ko-KR" altLang="en-US" sz="1600" dirty="0" smtClean="0"/>
+              <a:t>시간을 검색하면 </a:t>
+            </a:r>
+            <a:r>
+              <a:rPr lang="en-US" altLang="ko-KR" sz="1600" dirty="0" smtClean="0"/>
+              <a:t>‘</a:t>
+            </a:r>
+            <a:r>
+              <a:rPr lang="ko-KR" altLang="en-US" sz="1600" dirty="0" smtClean="0"/>
+              <a:t>현재 시간</a:t>
+            </a:r>
+            <a:r>
+              <a:rPr lang="en-US" altLang="ko-KR" sz="1600" dirty="0" smtClean="0"/>
+              <a:t>’ </a:t>
+            </a:r>
+            <a:r>
+              <a:rPr lang="ko-KR" altLang="en-US" sz="1600" dirty="0" smtClean="0"/>
+              <a:t>출력</a:t>
+            </a:r>
+            <a:endParaRPr lang="en-US" altLang="ko-KR" sz="1600" dirty="0" smtClean="0"/>
+          </a:p>
+          <a:p>
+            <a:pPr marL="342900" indent="-342900">
+              <a:lnSpc>
+                <a:spcPct val="150000"/>
+              </a:lnSpc>
+              <a:buFont typeface="Arial" panose="020B0604020202020204" pitchFamily="34" charset="0"/>
+              <a:buChar char="•"/>
+            </a:pPr>
+            <a:r>
+              <a:rPr lang="en-US" altLang="ko-KR" sz="1600" dirty="0" smtClean="0"/>
+              <a:t>‘</a:t>
+            </a:r>
+            <a:r>
+              <a:rPr lang="ko-KR" altLang="en-US" sz="1600" dirty="0" err="1" smtClean="0"/>
+              <a:t>잘있어</a:t>
+            </a:r>
+            <a:r>
+              <a:rPr lang="en-US" altLang="ko-KR" sz="1600" dirty="0" smtClean="0"/>
+              <a:t>’ </a:t>
+            </a:r>
+            <a:r>
+              <a:rPr lang="ko-KR" altLang="en-US" sz="1600" dirty="0" smtClean="0"/>
+              <a:t>또는 </a:t>
+            </a:r>
+            <a:r>
+              <a:rPr lang="en-US" altLang="ko-KR" sz="1600" dirty="0" smtClean="0"/>
+              <a:t>‘</a:t>
+            </a:r>
+            <a:r>
+              <a:rPr lang="ko-KR" altLang="en-US" sz="1600" dirty="0" err="1" smtClean="0"/>
+              <a:t>잘가</a:t>
+            </a:r>
+            <a:r>
+              <a:rPr lang="en-US" altLang="ko-KR" sz="1600" dirty="0" smtClean="0"/>
+              <a:t>’</a:t>
+            </a:r>
+            <a:r>
+              <a:rPr lang="ko-KR" altLang="en-US" sz="1600" dirty="0" smtClean="0"/>
+              <a:t>를</a:t>
+            </a:r>
+            <a:r>
+              <a:rPr lang="en-US" altLang="ko-KR" sz="1600" dirty="0"/>
+              <a:t> </a:t>
+            </a:r>
+            <a:r>
+              <a:rPr lang="ko-KR" altLang="en-US" sz="1600" dirty="0" smtClean="0"/>
+              <a:t>검색하면 </a:t>
+            </a:r>
+            <a:endParaRPr lang="en-US" altLang="ko-KR" sz="1600" dirty="0" smtClean="0"/>
+          </a:p>
+          <a:p>
+            <a:pPr>
+              <a:lnSpc>
+                <a:spcPct val="150000"/>
+              </a:lnSpc>
+            </a:pPr>
+            <a:r>
+              <a:rPr lang="en-US" altLang="ko-KR" sz="1600" dirty="0"/>
+              <a:t> </a:t>
+            </a:r>
+            <a:r>
+              <a:rPr lang="en-US" altLang="ko-KR" sz="1600" dirty="0" smtClean="0"/>
+              <a:t>     “</a:t>
+            </a:r>
+            <a:r>
+              <a:rPr lang="ko-KR" altLang="en-US" sz="1600" dirty="0" smtClean="0"/>
+              <a:t>안녕히 가세요</a:t>
+            </a:r>
+            <a:r>
+              <a:rPr lang="en-US" altLang="ko-KR" sz="1600" dirty="0" smtClean="0"/>
+              <a:t>”</a:t>
+            </a:r>
+            <a:r>
+              <a:rPr lang="ko-KR" altLang="en-US" sz="1600" dirty="0" smtClean="0"/>
+              <a:t>를 출력하고 프로그램</a:t>
+            </a:r>
+            <a:endParaRPr lang="en-US" altLang="ko-KR" sz="1600" dirty="0" smtClean="0"/>
+          </a:p>
+          <a:p>
+            <a:pPr>
+              <a:lnSpc>
+                <a:spcPct val="150000"/>
+              </a:lnSpc>
+            </a:pPr>
+            <a:r>
+              <a:rPr lang="en-US" altLang="ko-KR" sz="1600" dirty="0" smtClean="0"/>
+              <a:t>     </a:t>
+            </a:r>
+            <a:r>
+              <a:rPr lang="ko-KR" altLang="en-US" sz="1600" dirty="0" smtClean="0"/>
+              <a:t>이 종료됨</a:t>
+            </a:r>
+            <a:endParaRPr lang="en-US" altLang="ko-KR" sz="1600" dirty="0" smtClean="0"/>
+          </a:p>
+          <a:p>
+            <a:pPr marL="342900" indent="-342900">
+              <a:lnSpc>
+                <a:spcPct val="150000"/>
+              </a:lnSpc>
+              <a:buFont typeface="Arial" panose="020B0604020202020204" pitchFamily="34" charset="0"/>
+              <a:buChar char="•"/>
+            </a:pPr>
+            <a:r>
+              <a:rPr lang="ko-KR" altLang="en-US" sz="1600" dirty="0" smtClean="0"/>
+              <a:t>찾는 단어가 없으면 </a:t>
+            </a:r>
+            <a:r>
+              <a:rPr lang="en-US" altLang="ko-KR" sz="1600" dirty="0" smtClean="0"/>
+              <a:t>“</a:t>
+            </a:r>
+            <a:r>
+              <a:rPr lang="ko-KR" altLang="en-US" sz="1600" dirty="0" smtClean="0"/>
+              <a:t>모르는 단어입니다</a:t>
+            </a:r>
+            <a:r>
+              <a:rPr lang="en-US" altLang="ko-KR" sz="1600" dirty="0" smtClean="0"/>
+              <a:t>’ </a:t>
+            </a:r>
+            <a:r>
+              <a:rPr lang="ko-KR" altLang="en-US" sz="1600" dirty="0" smtClean="0"/>
+              <a:t>출력</a:t>
+            </a:r>
+            <a:endParaRPr lang="en-US" altLang="ko-KR" sz="1600" dirty="0" smtClean="0"/>
           </a:p>
         </p:txBody>
       </p:sp>
     </p:spTree>
     <p:extLst>
       <p:ext uri="{BB962C8B-B14F-4D97-AF65-F5344CB8AC3E}">
-        <p14:creationId xmlns:p14="http://schemas.microsoft.com/office/powerpoint/2010/main" val="2346916444"/>
+        <p14:creationId xmlns:p14="http://schemas.microsoft.com/office/powerpoint/2010/main" val="1962993863"/>
       </p:ext>
     </p:extLst>
   </p:cSld>
@@ -11354,12 +11344,12 @@
           <a:p>
             <a:pPr algn="ctr"/>
             <a:r>
-              <a:rPr lang="ko-KR" altLang="en-US" sz="2800" dirty="0" smtClean="0"/>
+              <a:rPr lang="ko-KR" altLang="en-US" sz="2800" dirty="0"/>
               <a:t>내장 객체 </a:t>
             </a:r>
             <a:r>
               <a:rPr lang="en-US" altLang="ko-KR" sz="2800" dirty="0" smtClean="0"/>
-              <a:t>- window</a:t>
+              <a:t>- Array</a:t>
             </a:r>
             <a:endParaRPr lang="ko-KR" altLang="en-US" sz="2800" dirty="0"/>
           </a:p>
@@ -11396,8 +11386,8 @@
         </p:nvSpPr>
         <p:spPr>
           <a:xfrm>
-            <a:off x="992559" y="1333217"/>
-            <a:ext cx="7200801" cy="1015663"/>
+            <a:off x="1064567" y="1196752"/>
+            <a:ext cx="4680521" cy="553998"/>
           </a:xfrm>
           <a:prstGeom prst="rect">
             <a:avLst/>
@@ -11410,85 +11400,32 @@
           </a:bodyPr>
           <a:lstStyle/>
           <a:p>
-            <a:pPr>
+            <a:pPr marL="285750" indent="-285750">
               <a:lnSpc>
                 <a:spcPct val="150000"/>
               </a:lnSpc>
+              <a:buFont typeface="Wingdings" panose="05000000000000000000" pitchFamily="2" charset="2"/>
+              <a:buChar char="l"/>
             </a:pPr>
             <a:r>
-              <a:rPr lang="ko-KR" altLang="en-US" dirty="0"/>
-              <a:t> </a:t>
-            </a:r>
-            <a:r>
-              <a:rPr lang="en-US" altLang="ko-KR" sz="2000" b="1" dirty="0"/>
-              <a:t> w</a:t>
+              <a:rPr lang="en-US" altLang="ko-KR" sz="2000" b="1" dirty="0" err="1" smtClean="0"/>
+              <a:t>indexOf</a:t>
             </a:r>
             <a:r>
               <a:rPr lang="en-US" altLang="ko-KR" sz="2000" b="1" dirty="0" smtClean="0"/>
-              <a:t>indow </a:t>
+              <a:t>()</a:t>
             </a:r>
             <a:r>
               <a:rPr lang="ko-KR" altLang="en-US" sz="2000" b="1" dirty="0" smtClean="0"/>
-              <a:t>객체 </a:t>
-            </a:r>
-            <a:r>
-              <a:rPr lang="en-US" altLang="ko-KR" sz="2000" b="1" dirty="0" smtClean="0"/>
-              <a:t>– </a:t>
-            </a:r>
-            <a:r>
-              <a:rPr lang="en-US" altLang="ko-KR" sz="2000" b="1" dirty="0" err="1" smtClean="0"/>
-              <a:t>setInterval</a:t>
-            </a:r>
-            <a:r>
-              <a:rPr lang="en-US" altLang="ko-KR" sz="2000" b="1" dirty="0" smtClean="0"/>
-              <a:t>() </a:t>
-            </a:r>
-            <a:r>
-              <a:rPr lang="ko-KR" altLang="en-US" sz="2000" b="1" dirty="0" smtClean="0"/>
-              <a:t>함수</a:t>
-            </a:r>
-            <a:endParaRPr lang="en-US" altLang="ko-KR" sz="2000" b="1" dirty="0" smtClean="0"/>
-          </a:p>
-          <a:p>
-            <a:pPr>
-              <a:lnSpc>
-                <a:spcPct val="150000"/>
-              </a:lnSpc>
-            </a:pPr>
-            <a:r>
-              <a:rPr lang="en-US" altLang="ko-KR" sz="2000" b="1" dirty="0"/>
-              <a:t> </a:t>
-            </a:r>
-            <a:r>
-              <a:rPr lang="en-US" altLang="ko-KR" sz="2000" b="1" dirty="0" smtClean="0"/>
-              <a:t>  - </a:t>
-            </a:r>
-            <a:r>
-              <a:rPr lang="en-US" altLang="ko-KR" b="1" dirty="0" err="1" smtClean="0"/>
-              <a:t>setInterval</a:t>
-            </a:r>
-            <a:r>
-              <a:rPr lang="en-US" altLang="ko-KR" b="1" dirty="0" smtClean="0"/>
-              <a:t>(in milliseconds)</a:t>
-            </a:r>
-            <a:r>
-              <a:rPr lang="en-US" altLang="ko-KR" dirty="0" smtClean="0"/>
-              <a:t> : </a:t>
-            </a:r>
-            <a:r>
-              <a:rPr lang="ko-KR" altLang="en-US" dirty="0" smtClean="0"/>
-              <a:t>초가 설정되고 계속 반복함</a:t>
-            </a:r>
-            <a:r>
-              <a:rPr lang="en-US" altLang="ko-KR" dirty="0" smtClean="0"/>
-              <a:t>.</a:t>
-            </a:r>
+              <a:t>함수 예제</a:t>
+            </a:r>
+            <a:endParaRPr lang="en-US" altLang="ko-KR" b="1" dirty="0" smtClean="0"/>
           </a:p>
         </p:txBody>
       </p:sp>
       <p:pic>
         <p:nvPicPr>
-          <p:cNvPr id="6" name="그림 5"/>
+          <p:cNvPr id="7" name="그림 6"/>
           <p:cNvPicPr>
             <a:picLocks noChangeAspect="1"/>
           </p:cNvPicPr>
@@ -11508,8 +11445,8 @@
         </p:blipFill>
         <p:spPr>
           <a:xfrm>
-            <a:off x="1650059" y="2492896"/>
-            <a:ext cx="5544616" cy="3625608"/>
+            <a:off x="1424607" y="1803112"/>
+            <a:ext cx="6722539" cy="4772173"/>
           </a:xfrm>
           <a:prstGeom prst="rect">
             <a:avLst/>
@@ -11523,10 +11460,48 @@
           </a:ln>
         </p:spPr>
       </p:pic>
+      <p:sp>
+        <p:nvSpPr>
+          <p:cNvPr id="6" name="TextBox 5"/>
+          <p:cNvSpPr txBox="1"/>
+          <p:nvPr/>
+        </p:nvSpPr>
+        <p:spPr>
+          <a:xfrm>
+            <a:off x="7257256" y="2228239"/>
+            <a:ext cx="1728192" cy="338554"/>
+          </a:xfrm>
+          <a:prstGeom prst="rect">
+            <a:avLst/>
+          </a:prstGeom>
+          <a:noFill/>
+        </p:spPr>
+        <p:txBody>
+          <a:bodyPr wrap="square" rtlCol="0">
+            <a:spAutoFit/>
+          </a:bodyPr>
+          <a:lstStyle/>
+          <a:p>
+            <a:r>
+              <a:rPr lang="en-US" altLang="ko-KR" sz="1600" dirty="0" smtClean="0">
+                <a:solidFill>
+                  <a:srgbClr val="FF0000"/>
+                </a:solidFill>
+              </a:rPr>
+              <a:t>indexof.html</a:t>
+            </a:r>
+            <a:endParaRPr lang="ko-KR" altLang="en-US" sz="1600" dirty="0">
+              <a:solidFill>
+                <a:srgbClr val="FF0000"/>
+              </a:solidFill>
+            </a:endParaRPr>
+          </a:p>
+        </p:txBody>
+      </p:sp>
     </p:spTree>
     <p:extLst>
       <p:ext uri="{BB962C8B-B14F-4D97-AF65-F5344CB8AC3E}">
-        <p14:creationId xmlns:p14="http://schemas.microsoft.com/office/powerpoint/2010/main" val="154775077"/>
+        <p14:creationId xmlns:p14="http://schemas.microsoft.com/office/powerpoint/2010/main" val="2346916444"/>
       </p:ext>
     </p:extLst>
   </p:cSld>
@@ -11585,7 +11560,11 @@
             <a:pPr algn="ctr"/>
             <a:r>
               <a:rPr lang="ko-KR" altLang="en-US" sz="2800" dirty="0" smtClean="0"/>
-              <a:t>디지털 시계</a:t>
+              <a:t>내장 객체 </a:t>
+            </a:r>
+            <a:r>
+              <a:rPr lang="en-US" altLang="ko-KR" sz="2800" dirty="0" smtClean="0"/>
+              <a:t>- Array</a:t>
             </a:r>
             <a:endParaRPr lang="ko-KR" altLang="en-US" sz="2800" dirty="0"/>
           </a:p>
@@ -11614,82 +11593,9 @@
           </a:p>
         </p:txBody>
       </p:sp>
-      <p:sp>
-        <p:nvSpPr>
-          <p:cNvPr id="5" name="TextBox 4"/>
-          <p:cNvSpPr txBox="1"/>
-          <p:nvPr/>
-        </p:nvSpPr>
-        <p:spPr>
-          <a:xfrm>
-            <a:off x="1064568" y="1268760"/>
-            <a:ext cx="5256584" cy="956159"/>
-          </a:xfrm>
-          <a:prstGeom prst="rect">
-            <a:avLst/>
-          </a:prstGeom>
-          <a:noFill/>
-        </p:spPr>
-        <p:txBody>
-          <a:bodyPr wrap="square" rtlCol="0">
-            <a:spAutoFit/>
-          </a:bodyPr>
-          <a:lstStyle/>
-          <a:p>
-            <a:pPr marL="342900" indent="-342900">
-              <a:lnSpc>
-                <a:spcPct val="150000"/>
-              </a:lnSpc>
-              <a:buFont typeface="Wingdings" panose="05000000000000000000" pitchFamily="2" charset="2"/>
-              <a:buChar char="l"/>
-            </a:pPr>
-            <a:r>
-              <a:rPr lang="en-US" altLang="ko-KR" sz="2000" b="1" dirty="0" err="1" smtClean="0"/>
-              <a:t>clearInterval</a:t>
-            </a:r>
-            <a:r>
-              <a:rPr lang="en-US" altLang="ko-KR" sz="2000" b="1" dirty="0" smtClean="0"/>
-              <a:t>() </a:t>
-            </a:r>
-            <a:r>
-              <a:rPr lang="ko-KR" altLang="en-US" sz="2000" b="1" dirty="0" smtClean="0"/>
-              <a:t>함수</a:t>
-            </a:r>
-            <a:endParaRPr lang="en-US" altLang="ko-KR" sz="2000" b="1" dirty="0" smtClean="0"/>
-          </a:p>
-          <a:p>
-            <a:pPr>
-              <a:lnSpc>
-                <a:spcPct val="150000"/>
-              </a:lnSpc>
-            </a:pPr>
-            <a:r>
-              <a:rPr lang="en-US" altLang="ko-KR" sz="2000" b="1" dirty="0"/>
-              <a:t> </a:t>
-            </a:r>
-            <a:r>
-              <a:rPr lang="en-US" altLang="ko-KR" sz="2000" b="1" dirty="0" smtClean="0"/>
-              <a:t>   </a:t>
-            </a:r>
-            <a:r>
-              <a:rPr lang="en-US" altLang="ko-KR" sz="2000" b="1" dirty="0" err="1" smtClean="0"/>
-              <a:t>setInterval</a:t>
-            </a:r>
-            <a:r>
-              <a:rPr lang="en-US" altLang="ko-KR" sz="2000" b="1" dirty="0" smtClean="0"/>
-              <a:t>()</a:t>
-            </a:r>
-            <a:r>
-              <a:rPr lang="ko-KR" altLang="en-US" sz="2000" b="1" dirty="0" smtClean="0"/>
-              <a:t>로 설정된 함수를 중지시킴</a:t>
-            </a:r>
-            <a:endParaRPr lang="en-US" altLang="ko-KR" sz="2000" b="1" dirty="0"/>
-          </a:p>
-        </p:txBody>
-      </p:sp>
       <p:pic>
         <p:nvPicPr>
-          <p:cNvPr id="7" name="그림 6"/>
+          <p:cNvPr id="5" name="그림 4"/>
           <p:cNvPicPr>
             <a:picLocks noChangeAspect="1"/>
           </p:cNvPicPr>
@@ -11709,8 +11615,8 @@
         </p:blipFill>
         <p:spPr>
           <a:xfrm>
-            <a:off x="1512096" y="2584788"/>
-            <a:ext cx="6562972" cy="3816424"/>
+            <a:off x="1208584" y="1556792"/>
+            <a:ext cx="4549534" cy="1806097"/>
           </a:xfrm>
           <a:prstGeom prst="rect">
             <a:avLst/>
@@ -11726,7 +11632,7 @@
       </p:pic>
       <p:pic>
         <p:nvPicPr>
-          <p:cNvPr id="8" name="그림 7"/>
+          <p:cNvPr id="3" name="그림 2"/>
           <p:cNvPicPr>
             <a:picLocks noChangeAspect="1"/>
           </p:cNvPicPr>
@@ -11746,8 +11652,8 @@
         </p:blipFill>
         <p:spPr>
           <a:xfrm>
-            <a:off x="6321152" y="1916832"/>
-            <a:ext cx="2361932" cy="1524060"/>
+            <a:off x="3622887" y="2560651"/>
+            <a:ext cx="5112568" cy="3857426"/>
           </a:xfrm>
           <a:prstGeom prst="rect">
             <a:avLst/>
@@ -11764,7 +11670,7 @@
     </p:spTree>
     <p:extLst>
       <p:ext uri="{BB962C8B-B14F-4D97-AF65-F5344CB8AC3E}">
-        <p14:creationId xmlns:p14="http://schemas.microsoft.com/office/powerpoint/2010/main" val="3953631222"/>
+        <p14:creationId xmlns:p14="http://schemas.microsoft.com/office/powerpoint/2010/main" val="3046299707"/>
       </p:ext>
     </p:extLst>
   </p:cSld>
@@ -11822,12 +11728,12 @@
           <a:p>
             <a:pPr algn="ctr"/>
             <a:r>
-              <a:rPr lang="ko-KR" altLang="en-US" sz="2800" dirty="0"/>
+              <a:rPr lang="ko-KR" altLang="en-US" sz="2800" dirty="0" smtClean="0"/>
               <a:t>내장 객체 </a:t>
             </a:r>
             <a:r>
-              <a:rPr lang="en-US" altLang="ko-KR" sz="2800" dirty="0"/>
-              <a:t>- window</a:t>
+              <a:rPr lang="en-US" altLang="ko-KR" sz="2800" dirty="0" smtClean="0"/>
+              <a:t>- Array</a:t>
             </a:r>
             <a:endParaRPr lang="ko-KR" altLang="en-US" sz="2800" dirty="0"/>
           </a:p>
@@ -11856,112 +11762,9 @@
           </a:p>
         </p:txBody>
       </p:sp>
-      <p:sp>
-        <p:nvSpPr>
-          <p:cNvPr id="5" name="TextBox 4"/>
-          <p:cNvSpPr txBox="1"/>
-          <p:nvPr/>
-        </p:nvSpPr>
-        <p:spPr>
-          <a:xfrm>
-            <a:off x="980559" y="1323644"/>
-            <a:ext cx="8148905" cy="1015663"/>
-          </a:xfrm>
-          <a:prstGeom prst="rect">
-            <a:avLst/>
-          </a:prstGeom>
-          <a:noFill/>
-        </p:spPr>
-        <p:txBody>
-          <a:bodyPr wrap="square" rtlCol="0">
-            <a:spAutoFit/>
-          </a:bodyPr>
-          <a:lstStyle/>
-          <a:p>
-            <a:pPr>
-              <a:lnSpc>
-                <a:spcPct val="150000"/>
-              </a:lnSpc>
-            </a:pPr>
-            <a:r>
-              <a:rPr lang="ko-KR" altLang="en-US" dirty="0"/>
-              <a:t> </a:t>
-            </a:r>
-            <a:r>
-              <a:rPr lang="en-US" altLang="ko-KR" sz="2000" b="1" dirty="0"/>
-              <a:t> w</a:t>
-            </a:r>
-            <a:r>
-              <a:rPr lang="en-US" altLang="ko-KR" sz="2000" b="1" dirty="0" smtClean="0"/>
-              <a:t>indow </a:t>
-            </a:r>
-            <a:r>
-              <a:rPr lang="ko-KR" altLang="en-US" sz="2000" b="1" dirty="0" smtClean="0"/>
-              <a:t>객체 </a:t>
-            </a:r>
-            <a:r>
-              <a:rPr lang="en-US" altLang="ko-KR" sz="2000" b="1" dirty="0" smtClean="0"/>
-              <a:t>– </a:t>
-            </a:r>
-            <a:r>
-              <a:rPr lang="en-US" altLang="ko-KR" sz="2000" b="1" dirty="0" err="1" smtClean="0"/>
-              <a:t>setTimeout</a:t>
-            </a:r>
-            <a:r>
-              <a:rPr lang="en-US" altLang="ko-KR" sz="2000" b="1" dirty="0" smtClean="0"/>
-              <a:t>() </a:t>
-            </a:r>
-            <a:r>
-              <a:rPr lang="ko-KR" altLang="en-US" sz="2000" b="1" dirty="0" smtClean="0"/>
-              <a:t>함수</a:t>
-            </a:r>
-            <a:endParaRPr lang="en-US" altLang="ko-KR" sz="2000" b="1" dirty="0" smtClean="0"/>
-          </a:p>
-          <a:p>
-            <a:pPr>
-              <a:lnSpc>
-                <a:spcPct val="150000"/>
-              </a:lnSpc>
-            </a:pPr>
-            <a:r>
-              <a:rPr lang="en-US" altLang="ko-KR" sz="2000" b="1" dirty="0"/>
-              <a:t> </a:t>
-            </a:r>
-            <a:r>
-              <a:rPr lang="en-US" altLang="ko-KR" sz="2000" b="1" dirty="0" smtClean="0"/>
-              <a:t>  - </a:t>
-            </a:r>
-            <a:r>
-              <a:rPr lang="en-US" altLang="ko-KR" b="1" dirty="0" err="1"/>
-              <a:t>setTimeout</a:t>
-            </a:r>
-            <a:r>
-              <a:rPr lang="en-US" altLang="ko-KR" b="1" dirty="0"/>
-              <a:t>() </a:t>
-            </a:r>
-            <a:r>
-              <a:rPr lang="en-US" altLang="ko-KR" dirty="0" smtClean="0"/>
-              <a:t>: </a:t>
-            </a:r>
-            <a:r>
-              <a:rPr lang="ko-KR" altLang="en-US" dirty="0" smtClean="0"/>
-              <a:t>초가 </a:t>
-            </a:r>
-            <a:r>
-              <a:rPr lang="en-US" altLang="ko-KR" dirty="0" smtClean="0"/>
-              <a:t>1</a:t>
-            </a:r>
-            <a:r>
-              <a:rPr lang="ko-KR" altLang="en-US" dirty="0" smtClean="0"/>
-              <a:t>번 설정되고 종료함</a:t>
-            </a:r>
-            <a:endParaRPr lang="en-US" altLang="ko-KR" dirty="0" smtClean="0"/>
-          </a:p>
-        </p:txBody>
-      </p:sp>
       <p:pic>
         <p:nvPicPr>
-          <p:cNvPr id="3" name="그림 2"/>
+          <p:cNvPr id="6" name="그림 5"/>
           <p:cNvPicPr>
             <a:picLocks noChangeAspect="1"/>
           </p:cNvPicPr>
@@ -11981,8 +11784,8 @@
         </p:blipFill>
         <p:spPr>
           <a:xfrm>
-            <a:off x="1844656" y="2492896"/>
-            <a:ext cx="5342722" cy="2088232"/>
+            <a:off x="1640632" y="2180036"/>
+            <a:ext cx="6624736" cy="3732869"/>
           </a:xfrm>
           <a:prstGeom prst="rect">
             <a:avLst/>
@@ -11996,10 +11799,85 @@
           </a:ln>
         </p:spPr>
       </p:pic>
+      <p:pic>
+        <p:nvPicPr>
+          <p:cNvPr id="9" name="그림 8"/>
+          <p:cNvPicPr>
+            <a:picLocks noChangeAspect="1"/>
+          </p:cNvPicPr>
+          <p:nvPr/>
+        </p:nvPicPr>
+        <p:blipFill>
+          <a:blip r:embed="rId3">
+            <a:extLst>
+              <a:ext uri="{28A0092B-C50C-407E-A947-70E740481C1C}">
+                <a14:useLocalDpi xmlns:a14="http://schemas.microsoft.com/office/drawing/2010/main" val="0"/>
+              </a:ext>
+            </a:extLst>
+          </a:blip>
+          <a:stretch>
+            <a:fillRect/>
+          </a:stretch>
+        </p:blipFill>
+        <p:spPr>
+          <a:xfrm>
+            <a:off x="6110221" y="1738188"/>
+            <a:ext cx="2433061" cy="1042740"/>
+          </a:xfrm>
+          <a:prstGeom prst="rect">
+            <a:avLst/>
+          </a:prstGeom>
+          <a:ln>
+            <a:solidFill>
+              <a:schemeClr val="bg1">
+                <a:lumMod val="85000"/>
+              </a:schemeClr>
+            </a:solidFill>
+          </a:ln>
+        </p:spPr>
+      </p:pic>
+      <p:sp>
+        <p:nvSpPr>
+          <p:cNvPr id="10" name="TextBox 9"/>
+          <p:cNvSpPr txBox="1"/>
+          <p:nvPr/>
+        </p:nvSpPr>
+        <p:spPr>
+          <a:xfrm>
+            <a:off x="1606833" y="1568911"/>
+            <a:ext cx="1224136" cy="338554"/>
+          </a:xfrm>
+          <a:prstGeom prst="rect">
+            <a:avLst/>
+          </a:prstGeom>
+          <a:noFill/>
+        </p:spPr>
+        <p:txBody>
+          <a:bodyPr wrap="square" rtlCol="0">
+            <a:spAutoFit/>
+          </a:bodyPr>
+          <a:lstStyle/>
+          <a:p>
+            <a:r>
+              <a:rPr lang="en-US" altLang="ko-KR" sz="1600" dirty="0" smtClean="0">
+                <a:solidFill>
+                  <a:srgbClr val="FF0000"/>
+                </a:solidFill>
+              </a:rPr>
+              <a:t>map2.html</a:t>
+            </a:r>
+            <a:endParaRPr lang="ko-KR" altLang="en-US" sz="1600" dirty="0">
+              <a:solidFill>
+                <a:srgbClr val="FF0000"/>
+              </a:solidFill>
+            </a:endParaRPr>
+          </a:p>
+        </p:txBody>
+      </p:sp>
     </p:spTree>
     <p:extLst>
       <p:ext uri="{BB962C8B-B14F-4D97-AF65-F5344CB8AC3E}">
-        <p14:creationId xmlns:p14="http://schemas.microsoft.com/office/powerpoint/2010/main" val="4015564063"/>
+        <p14:creationId xmlns:p14="http://schemas.microsoft.com/office/powerpoint/2010/main" val="1105777585"/>
       </p:ext>
     </p:extLst>
   </p:cSld>
@@ -12058,7 +11936,11 @@
             <a:pPr algn="ctr"/>
             <a:r>
               <a:rPr lang="ko-KR" altLang="en-US" sz="2800" dirty="0" smtClean="0"/>
-              <a:t>사진 바꾸기</a:t>
+              <a:t>내장 객체 </a:t>
+            </a:r>
+            <a:r>
+              <a:rPr lang="en-US" altLang="ko-KR" sz="2800" dirty="0" smtClean="0"/>
+              <a:t>- window</a:t>
             </a:r>
             <a:endParaRPr lang="ko-KR" altLang="en-US" sz="2800" dirty="0"/>
           </a:p>
@@ -12082,6 +11964,705 @@
             <a:fld id="{1BDE3FE7-3AEA-4B05-AC5A-802D1816ACF0}" type="slidenum">
               <a:rPr lang="ko-KR" altLang="en-US" smtClean="0"/>
               <a:t>35</a:t>
+            </a:fld>
+            <a:endParaRPr lang="ko-KR" altLang="en-US"/>
+          </a:p>
+        </p:txBody>
+      </p:sp>
+      <p:sp>
+        <p:nvSpPr>
+          <p:cNvPr id="5" name="TextBox 4"/>
+          <p:cNvSpPr txBox="1"/>
+          <p:nvPr/>
+        </p:nvSpPr>
+        <p:spPr>
+          <a:xfrm>
+            <a:off x="992559" y="1333217"/>
+            <a:ext cx="7200801" cy="1015663"/>
+          </a:xfrm>
+          <a:prstGeom prst="rect">
+            <a:avLst/>
+          </a:prstGeom>
+          <a:noFill/>
+        </p:spPr>
+        <p:txBody>
+          <a:bodyPr wrap="square" rtlCol="0">
+            <a:spAutoFit/>
+          </a:bodyPr>
+          <a:lstStyle/>
+          <a:p>
+            <a:pPr>
+              <a:lnSpc>
+                <a:spcPct val="150000"/>
+              </a:lnSpc>
+            </a:pPr>
+            <a:r>
+              <a:rPr lang="ko-KR" altLang="en-US" dirty="0"/>
+              <a:t> </a:t>
+            </a:r>
+            <a:r>
+              <a:rPr lang="en-US" altLang="ko-KR" sz="2000" b="1" dirty="0"/>
+              <a:t> w</a:t>
+            </a:r>
+            <a:r>
+              <a:rPr lang="en-US" altLang="ko-KR" sz="2000" b="1" dirty="0" smtClean="0"/>
+              <a:t>indow </a:t>
+            </a:r>
+            <a:r>
+              <a:rPr lang="ko-KR" altLang="en-US" sz="2000" b="1" dirty="0" smtClean="0"/>
+              <a:t>객체 </a:t>
+            </a:r>
+            <a:r>
+              <a:rPr lang="en-US" altLang="ko-KR" sz="2000" b="1" dirty="0" smtClean="0"/>
+              <a:t>– </a:t>
+            </a:r>
+            <a:r>
+              <a:rPr lang="en-US" altLang="ko-KR" sz="2000" b="1" dirty="0" err="1" smtClean="0"/>
+              <a:t>setInterval</a:t>
+            </a:r>
+            <a:r>
+              <a:rPr lang="en-US" altLang="ko-KR" sz="2000" b="1" dirty="0" smtClean="0"/>
+              <a:t>() </a:t>
+            </a:r>
+            <a:r>
+              <a:rPr lang="ko-KR" altLang="en-US" sz="2000" b="1" dirty="0" smtClean="0"/>
+              <a:t>함수</a:t>
+            </a:r>
+            <a:endParaRPr lang="en-US" altLang="ko-KR" sz="2000" b="1" dirty="0" smtClean="0"/>
+          </a:p>
+          <a:p>
+            <a:pPr>
+              <a:lnSpc>
+                <a:spcPct val="150000"/>
+              </a:lnSpc>
+            </a:pPr>
+            <a:r>
+              <a:rPr lang="en-US" altLang="ko-KR" sz="2000" b="1" dirty="0"/>
+              <a:t> </a:t>
+            </a:r>
+            <a:r>
+              <a:rPr lang="en-US" altLang="ko-KR" sz="2000" b="1" dirty="0" smtClean="0"/>
+              <a:t>  - </a:t>
+            </a:r>
+            <a:r>
+              <a:rPr lang="en-US" altLang="ko-KR" b="1" dirty="0" err="1" smtClean="0"/>
+              <a:t>setInterval</a:t>
+            </a:r>
+            <a:r>
+              <a:rPr lang="en-US" altLang="ko-KR" b="1" dirty="0" smtClean="0"/>
+              <a:t>(in milliseconds)</a:t>
+            </a:r>
+            <a:r>
+              <a:rPr lang="en-US" altLang="ko-KR" dirty="0" smtClean="0"/>
+              <a:t> : </a:t>
+            </a:r>
+            <a:r>
+              <a:rPr lang="ko-KR" altLang="en-US" dirty="0" smtClean="0"/>
+              <a:t>초가 설정되고 계속 반복함</a:t>
+            </a:r>
+            <a:r>
+              <a:rPr lang="en-US" altLang="ko-KR" dirty="0" smtClean="0"/>
+              <a:t>.</a:t>
+            </a:r>
+          </a:p>
+        </p:txBody>
+      </p:sp>
+      <p:pic>
+        <p:nvPicPr>
+          <p:cNvPr id="6" name="그림 5"/>
+          <p:cNvPicPr>
+            <a:picLocks noChangeAspect="1"/>
+          </p:cNvPicPr>
+          <p:nvPr/>
+        </p:nvPicPr>
+        <p:blipFill>
+          <a:blip r:embed="rId2">
+            <a:extLst>
+              <a:ext uri="{28A0092B-C50C-407E-A947-70E740481C1C}">
+                <a14:useLocalDpi xmlns:a14="http://schemas.microsoft.com/office/drawing/2010/main" val="0"/>
+              </a:ext>
+            </a:extLst>
+          </a:blip>
+          <a:stretch>
+            <a:fillRect/>
+          </a:stretch>
+        </p:blipFill>
+        <p:spPr>
+          <a:xfrm>
+            <a:off x="1650059" y="2492896"/>
+            <a:ext cx="5544616" cy="3625608"/>
+          </a:xfrm>
+          <a:prstGeom prst="rect">
+            <a:avLst/>
+          </a:prstGeom>
+          <a:ln>
+            <a:solidFill>
+              <a:schemeClr val="bg1">
+                <a:lumMod val="85000"/>
+              </a:schemeClr>
+            </a:solidFill>
+          </a:ln>
+        </p:spPr>
+      </p:pic>
+    </p:spTree>
+    <p:extLst>
+      <p:ext uri="{BB962C8B-B14F-4D97-AF65-F5344CB8AC3E}">
+        <p14:creationId xmlns:p14="http://schemas.microsoft.com/office/powerpoint/2010/main" val="154775077"/>
+      </p:ext>
+    </p:extLst>
+  </p:cSld>
+  <p:clrMapOvr>
+    <a:masterClrMapping/>
+  </p:clrMapOvr>
+  <p:timing>
+    <p:tnLst>
+      <p:par>
+        <p:cTn id="1" dur="indefinite" restart="never" nodeType="tmRoot"/>
+      </p:par>
+    </p:tnLst>
+  </p:timing>
+</p:sld>
+</file>
+
+<file path=ppt/slides/slide36.xml><?xml version="1.0" encoding="utf-8"?>
+<p:sld xmlns:a="http://schemas.openxmlformats.org/drawingml/2006/main" xmlns:r="http://schemas.openxmlformats.org/officeDocument/2006/relationships" xmlns:p="http://schemas.openxmlformats.org/presentationml/2006/main">
+  <p:cSld>
+    <p:spTree>
+      <p:nvGrpSpPr>
+        <p:cNvPr id="1" name=""/>
+        <p:cNvGrpSpPr/>
+        <p:nvPr/>
+      </p:nvGrpSpPr>
+      <p:grpSpPr>
+        <a:xfrm>
+          <a:off x="0" y="0"/>
+          <a:ext cx="0" cy="0"/>
+          <a:chOff x="0" y="0"/>
+          <a:chExt cx="0" cy="0"/>
+        </a:xfrm>
+      </p:grpSpPr>
+      <p:sp>
+        <p:nvSpPr>
+          <p:cNvPr id="2" name="제목 1"/>
+          <p:cNvSpPr>
+            <a:spLocks noGrp="1"/>
+          </p:cNvSpPr>
+          <p:nvPr>
+            <p:ph type="title"/>
+          </p:nvPr>
+        </p:nvSpPr>
+        <p:spPr>
+          <a:xfrm>
+            <a:off x="416497" y="197768"/>
+            <a:ext cx="6412780" cy="854968"/>
+          </a:xfrm>
+        </p:spPr>
+        <p:txBody>
+          <a:bodyPr>
+            <a:noAutofit/>
+          </a:bodyPr>
+          <a:lstStyle/>
+          <a:p>
+            <a:pPr algn="ctr"/>
+            <a:r>
+              <a:rPr lang="ko-KR" altLang="en-US" sz="2800" dirty="0" smtClean="0"/>
+              <a:t>디지털 시계</a:t>
+            </a:r>
+            <a:endParaRPr lang="ko-KR" altLang="en-US" sz="2800" dirty="0"/>
+          </a:p>
+        </p:txBody>
+      </p:sp>
+      <p:sp>
+        <p:nvSpPr>
+          <p:cNvPr id="4" name="슬라이드 번호 개체 틀 3"/>
+          <p:cNvSpPr>
+            <a:spLocks noGrp="1"/>
+          </p:cNvSpPr>
+          <p:nvPr>
+            <p:ph type="sldNum" sz="quarter" idx="12"/>
+          </p:nvPr>
+        </p:nvSpPr>
+        <p:spPr/>
+        <p:txBody>
+          <a:bodyPr/>
+          <a:lstStyle/>
+          <a:p>
+            <a:fld id="{1BDE3FE7-3AEA-4B05-AC5A-802D1816ACF0}" type="slidenum">
+              <a:rPr lang="ko-KR" altLang="en-US" smtClean="0"/>
+              <a:t>36</a:t>
+            </a:fld>
+            <a:endParaRPr lang="ko-KR" altLang="en-US"/>
+          </a:p>
+        </p:txBody>
+      </p:sp>
+      <p:sp>
+        <p:nvSpPr>
+          <p:cNvPr id="5" name="TextBox 4"/>
+          <p:cNvSpPr txBox="1"/>
+          <p:nvPr/>
+        </p:nvSpPr>
+        <p:spPr>
+          <a:xfrm>
+            <a:off x="1064568" y="1268760"/>
+            <a:ext cx="5256584" cy="956159"/>
+          </a:xfrm>
+          <a:prstGeom prst="rect">
+            <a:avLst/>
+          </a:prstGeom>
+          <a:noFill/>
+        </p:spPr>
+        <p:txBody>
+          <a:bodyPr wrap="square" rtlCol="0">
+            <a:spAutoFit/>
+          </a:bodyPr>
+          <a:lstStyle/>
+          <a:p>
+            <a:pPr marL="342900" indent="-342900">
+              <a:lnSpc>
+                <a:spcPct val="150000"/>
+              </a:lnSpc>
+              <a:buFont typeface="Wingdings" panose="05000000000000000000" pitchFamily="2" charset="2"/>
+              <a:buChar char="l"/>
+            </a:pPr>
+            <a:r>
+              <a:rPr lang="en-US" altLang="ko-KR" sz="2000" b="1" dirty="0" err="1" smtClean="0"/>
+              <a:t>clearInterval</a:t>
+            </a:r>
+            <a:r>
+              <a:rPr lang="en-US" altLang="ko-KR" sz="2000" b="1" dirty="0" smtClean="0"/>
+              <a:t>() </a:t>
+            </a:r>
+            <a:r>
+              <a:rPr lang="ko-KR" altLang="en-US" sz="2000" b="1" dirty="0" smtClean="0"/>
+              <a:t>함수</a:t>
+            </a:r>
+            <a:endParaRPr lang="en-US" altLang="ko-KR" sz="2000" b="1" dirty="0" smtClean="0"/>
+          </a:p>
+          <a:p>
+            <a:pPr>
+              <a:lnSpc>
+                <a:spcPct val="150000"/>
+              </a:lnSpc>
+            </a:pPr>
+            <a:r>
+              <a:rPr lang="en-US" altLang="ko-KR" sz="2000" b="1" dirty="0"/>
+              <a:t> </a:t>
+            </a:r>
+            <a:r>
+              <a:rPr lang="en-US" altLang="ko-KR" sz="2000" b="1" dirty="0" smtClean="0"/>
+              <a:t>   </a:t>
+            </a:r>
+            <a:r>
+              <a:rPr lang="en-US" altLang="ko-KR" sz="2000" b="1" dirty="0" err="1" smtClean="0"/>
+              <a:t>setInterval</a:t>
+            </a:r>
+            <a:r>
+              <a:rPr lang="en-US" altLang="ko-KR" sz="2000" b="1" dirty="0" smtClean="0"/>
+              <a:t>()</a:t>
+            </a:r>
+            <a:r>
+              <a:rPr lang="ko-KR" altLang="en-US" sz="2000" b="1" dirty="0" smtClean="0"/>
+              <a:t>로 설정된 함수를 중지시킴</a:t>
+            </a:r>
+            <a:endParaRPr lang="en-US" altLang="ko-KR" sz="2000" b="1" dirty="0"/>
+          </a:p>
+        </p:txBody>
+      </p:sp>
+      <p:pic>
+        <p:nvPicPr>
+          <p:cNvPr id="7" name="그림 6"/>
+          <p:cNvPicPr>
+            <a:picLocks noChangeAspect="1"/>
+          </p:cNvPicPr>
+          <p:nvPr/>
+        </p:nvPicPr>
+        <p:blipFill>
+          <a:blip r:embed="rId2">
+            <a:extLst>
+              <a:ext uri="{28A0092B-C50C-407E-A947-70E740481C1C}">
+                <a14:useLocalDpi xmlns:a14="http://schemas.microsoft.com/office/drawing/2010/main" val="0"/>
+              </a:ext>
+            </a:extLst>
+          </a:blip>
+          <a:stretch>
+            <a:fillRect/>
+          </a:stretch>
+        </p:blipFill>
+        <p:spPr>
+          <a:xfrm>
+            <a:off x="1512096" y="2584788"/>
+            <a:ext cx="6562972" cy="3816424"/>
+          </a:xfrm>
+          <a:prstGeom prst="rect">
+            <a:avLst/>
+          </a:prstGeom>
+          <a:ln>
+            <a:solidFill>
+              <a:schemeClr val="bg1">
+                <a:lumMod val="85000"/>
+              </a:schemeClr>
+            </a:solidFill>
+          </a:ln>
+        </p:spPr>
+      </p:pic>
+      <p:pic>
+        <p:nvPicPr>
+          <p:cNvPr id="8" name="그림 7"/>
+          <p:cNvPicPr>
+            <a:picLocks noChangeAspect="1"/>
+          </p:cNvPicPr>
+          <p:nvPr/>
+        </p:nvPicPr>
+        <p:blipFill>
+          <a:blip r:embed="rId3">
+            <a:extLst>
+              <a:ext uri="{28A0092B-C50C-407E-A947-70E740481C1C}">
+                <a14:useLocalDpi xmlns:a14="http://schemas.microsoft.com/office/drawing/2010/main" val="0"/>
+              </a:ext>
+            </a:extLst>
+          </a:blip>
+          <a:stretch>
+            <a:fillRect/>
+          </a:stretch>
+        </p:blipFill>
+        <p:spPr>
+          <a:xfrm>
+            <a:off x="6321152" y="1916832"/>
+            <a:ext cx="2361932" cy="1524060"/>
+          </a:xfrm>
+          <a:prstGeom prst="rect">
+            <a:avLst/>
+          </a:prstGeom>
+          <a:ln>
+            <a:solidFill>
+              <a:schemeClr val="bg1">
+                <a:lumMod val="85000"/>
+              </a:schemeClr>
+            </a:solidFill>
+          </a:ln>
+        </p:spPr>
+      </p:pic>
+    </p:spTree>
+    <p:extLst>
+      <p:ext uri="{BB962C8B-B14F-4D97-AF65-F5344CB8AC3E}">
+        <p14:creationId xmlns:p14="http://schemas.microsoft.com/office/powerpoint/2010/main" val="3953631222"/>
+      </p:ext>
+    </p:extLst>
+  </p:cSld>
+  <p:clrMapOvr>
+    <a:masterClrMapping/>
+  </p:clrMapOvr>
+  <p:timing>
+    <p:tnLst>
+      <p:par>
+        <p:cTn id="1" dur="indefinite" restart="never" nodeType="tmRoot"/>
+      </p:par>
+    </p:tnLst>
+  </p:timing>
+</p:sld>
+</file>
+
+<file path=ppt/slides/slide37.xml><?xml version="1.0" encoding="utf-8"?>
+<p:sld xmlns:a="http://schemas.openxmlformats.org/drawingml/2006/main" xmlns:r="http://schemas.openxmlformats.org/officeDocument/2006/relationships" xmlns:p="http://schemas.openxmlformats.org/presentationml/2006/main">
+  <p:cSld>
+    <p:spTree>
+      <p:nvGrpSpPr>
+        <p:cNvPr id="1" name=""/>
+        <p:cNvGrpSpPr/>
+        <p:nvPr/>
+      </p:nvGrpSpPr>
+      <p:grpSpPr>
+        <a:xfrm>
+          <a:off x="0" y="0"/>
+          <a:ext cx="0" cy="0"/>
+          <a:chOff x="0" y="0"/>
+          <a:chExt cx="0" cy="0"/>
+        </a:xfrm>
+      </p:grpSpPr>
+      <p:sp>
+        <p:nvSpPr>
+          <p:cNvPr id="2" name="제목 1"/>
+          <p:cNvSpPr>
+            <a:spLocks noGrp="1"/>
+          </p:cNvSpPr>
+          <p:nvPr>
+            <p:ph type="title"/>
+          </p:nvPr>
+        </p:nvSpPr>
+        <p:spPr>
+          <a:xfrm>
+            <a:off x="416497" y="197768"/>
+            <a:ext cx="6412780" cy="854968"/>
+          </a:xfrm>
+        </p:spPr>
+        <p:txBody>
+          <a:bodyPr>
+            <a:noAutofit/>
+          </a:bodyPr>
+          <a:lstStyle/>
+          <a:p>
+            <a:pPr algn="ctr"/>
+            <a:r>
+              <a:rPr lang="ko-KR" altLang="en-US" sz="2800" dirty="0"/>
+              <a:t>내장 객체 </a:t>
+            </a:r>
+            <a:r>
+              <a:rPr lang="en-US" altLang="ko-KR" sz="2800" dirty="0"/>
+              <a:t>- window</a:t>
+            </a:r>
+            <a:endParaRPr lang="ko-KR" altLang="en-US" sz="2800" dirty="0"/>
+          </a:p>
+        </p:txBody>
+      </p:sp>
+      <p:sp>
+        <p:nvSpPr>
+          <p:cNvPr id="4" name="슬라이드 번호 개체 틀 3"/>
+          <p:cNvSpPr>
+            <a:spLocks noGrp="1"/>
+          </p:cNvSpPr>
+          <p:nvPr>
+            <p:ph type="sldNum" sz="quarter" idx="12"/>
+          </p:nvPr>
+        </p:nvSpPr>
+        <p:spPr/>
+        <p:txBody>
+          <a:bodyPr/>
+          <a:lstStyle/>
+          <a:p>
+            <a:fld id="{1BDE3FE7-3AEA-4B05-AC5A-802D1816ACF0}" type="slidenum">
+              <a:rPr lang="ko-KR" altLang="en-US" smtClean="0"/>
+              <a:t>37</a:t>
+            </a:fld>
+            <a:endParaRPr lang="ko-KR" altLang="en-US"/>
+          </a:p>
+        </p:txBody>
+      </p:sp>
+      <p:sp>
+        <p:nvSpPr>
+          <p:cNvPr id="5" name="TextBox 4"/>
+          <p:cNvSpPr txBox="1"/>
+          <p:nvPr/>
+        </p:nvSpPr>
+        <p:spPr>
+          <a:xfrm>
+            <a:off x="980559" y="1323644"/>
+            <a:ext cx="8148905" cy="1015663"/>
+          </a:xfrm>
+          <a:prstGeom prst="rect">
+            <a:avLst/>
+          </a:prstGeom>
+          <a:noFill/>
+        </p:spPr>
+        <p:txBody>
+          <a:bodyPr wrap="square" rtlCol="0">
+            <a:spAutoFit/>
+          </a:bodyPr>
+          <a:lstStyle/>
+          <a:p>
+            <a:pPr>
+              <a:lnSpc>
+                <a:spcPct val="150000"/>
+              </a:lnSpc>
+            </a:pPr>
+            <a:r>
+              <a:rPr lang="ko-KR" altLang="en-US" dirty="0"/>
+              <a:t> </a:t>
+            </a:r>
+            <a:r>
+              <a:rPr lang="en-US" altLang="ko-KR" sz="2000" b="1" dirty="0"/>
+              <a:t> w</a:t>
+            </a:r>
+            <a:r>
+              <a:rPr lang="en-US" altLang="ko-KR" sz="2000" b="1" dirty="0" smtClean="0"/>
+              <a:t>indow </a:t>
+            </a:r>
+            <a:r>
+              <a:rPr lang="ko-KR" altLang="en-US" sz="2000" b="1" dirty="0" smtClean="0"/>
+              <a:t>객체 </a:t>
+            </a:r>
+            <a:r>
+              <a:rPr lang="en-US" altLang="ko-KR" sz="2000" b="1" dirty="0" smtClean="0"/>
+              <a:t>– </a:t>
+            </a:r>
+            <a:r>
+              <a:rPr lang="en-US" altLang="ko-KR" sz="2000" b="1" dirty="0" err="1" smtClean="0"/>
+              <a:t>setTimeout</a:t>
+            </a:r>
+            <a:r>
+              <a:rPr lang="en-US" altLang="ko-KR" sz="2000" b="1" dirty="0" smtClean="0"/>
+              <a:t>() </a:t>
+            </a:r>
+            <a:r>
+              <a:rPr lang="ko-KR" altLang="en-US" sz="2000" b="1" dirty="0" smtClean="0"/>
+              <a:t>함수</a:t>
+            </a:r>
+            <a:endParaRPr lang="en-US" altLang="ko-KR" sz="2000" b="1" dirty="0" smtClean="0"/>
+          </a:p>
+          <a:p>
+            <a:pPr>
+              <a:lnSpc>
+                <a:spcPct val="150000"/>
+              </a:lnSpc>
+            </a:pPr>
+            <a:r>
+              <a:rPr lang="en-US" altLang="ko-KR" sz="2000" b="1" dirty="0"/>
+              <a:t> </a:t>
+            </a:r>
+            <a:r>
+              <a:rPr lang="en-US" altLang="ko-KR" sz="2000" b="1" dirty="0" smtClean="0"/>
+              <a:t>  - </a:t>
+            </a:r>
+            <a:r>
+              <a:rPr lang="en-US" altLang="ko-KR" b="1" dirty="0" err="1"/>
+              <a:t>setTimeout</a:t>
+            </a:r>
+            <a:r>
+              <a:rPr lang="en-US" altLang="ko-KR" b="1" dirty="0"/>
+              <a:t>() </a:t>
+            </a:r>
+            <a:r>
+              <a:rPr lang="en-US" altLang="ko-KR" dirty="0" smtClean="0"/>
+              <a:t>: </a:t>
+            </a:r>
+            <a:r>
+              <a:rPr lang="ko-KR" altLang="en-US" dirty="0" smtClean="0"/>
+              <a:t>초가 </a:t>
+            </a:r>
+            <a:r>
+              <a:rPr lang="en-US" altLang="ko-KR" dirty="0" smtClean="0"/>
+              <a:t>1</a:t>
+            </a:r>
+            <a:r>
+              <a:rPr lang="ko-KR" altLang="en-US" dirty="0" smtClean="0"/>
+              <a:t>번 설정되고 종료함</a:t>
+            </a:r>
+            <a:endParaRPr lang="en-US" altLang="ko-KR" dirty="0" smtClean="0"/>
+          </a:p>
+        </p:txBody>
+      </p:sp>
+      <p:pic>
+        <p:nvPicPr>
+          <p:cNvPr id="3" name="그림 2"/>
+          <p:cNvPicPr>
+            <a:picLocks noChangeAspect="1"/>
+          </p:cNvPicPr>
+          <p:nvPr/>
+        </p:nvPicPr>
+        <p:blipFill>
+          <a:blip r:embed="rId2">
+            <a:extLst>
+              <a:ext uri="{28A0092B-C50C-407E-A947-70E740481C1C}">
+                <a14:useLocalDpi xmlns:a14="http://schemas.microsoft.com/office/drawing/2010/main" val="0"/>
+              </a:ext>
+            </a:extLst>
+          </a:blip>
+          <a:stretch>
+            <a:fillRect/>
+          </a:stretch>
+        </p:blipFill>
+        <p:spPr>
+          <a:xfrm>
+            <a:off x="1844656" y="2492896"/>
+            <a:ext cx="5342722" cy="2088232"/>
+          </a:xfrm>
+          <a:prstGeom prst="rect">
+            <a:avLst/>
+          </a:prstGeom>
+          <a:ln>
+            <a:solidFill>
+              <a:schemeClr val="bg1">
+                <a:lumMod val="85000"/>
+              </a:schemeClr>
+            </a:solidFill>
+          </a:ln>
+        </p:spPr>
+      </p:pic>
+    </p:spTree>
+    <p:extLst>
+      <p:ext uri="{BB962C8B-B14F-4D97-AF65-F5344CB8AC3E}">
+        <p14:creationId xmlns:p14="http://schemas.microsoft.com/office/powerpoint/2010/main" val="4015564063"/>
+      </p:ext>
+    </p:extLst>
+  </p:cSld>
+  <p:clrMapOvr>
+    <a:masterClrMapping/>
+  </p:clrMapOvr>
+  <p:timing>
+    <p:tnLst>
+      <p:par>
+        <p:cTn id="1" dur="indefinite" restart="never" nodeType="tmRoot"/>
+      </p:par>
+    </p:tnLst>
+  </p:timing>
+</p:sld>
+</file>
+
+<file path=ppt/slides/slide38.xml><?xml version="1.0" encoding="utf-8"?>
+<p:sld xmlns:a="http://schemas.openxmlformats.org/drawingml/2006/main" xmlns:r="http://schemas.openxmlformats.org/officeDocument/2006/relationships" xmlns:p="http://schemas.openxmlformats.org/presentationml/2006/main">
+  <p:cSld>
+    <p:spTree>
+      <p:nvGrpSpPr>
+        <p:cNvPr id="1" name=""/>
+        <p:cNvGrpSpPr/>
+        <p:nvPr/>
+      </p:nvGrpSpPr>
+      <p:grpSpPr>
+        <a:xfrm>
+          <a:off x="0" y="0"/>
+          <a:ext cx="0" cy="0"/>
+          <a:chOff x="0" y="0"/>
+          <a:chExt cx="0" cy="0"/>
+        </a:xfrm>
+      </p:grpSpPr>
+      <p:sp>
+        <p:nvSpPr>
+          <p:cNvPr id="2" name="제목 1"/>
+          <p:cNvSpPr>
+            <a:spLocks noGrp="1"/>
+          </p:cNvSpPr>
+          <p:nvPr>
+            <p:ph type="title"/>
+          </p:nvPr>
+        </p:nvSpPr>
+        <p:spPr>
+          <a:xfrm>
+            <a:off x="416497" y="197768"/>
+            <a:ext cx="6412780" cy="854968"/>
+          </a:xfrm>
+        </p:spPr>
+        <p:txBody>
+          <a:bodyPr>
+            <a:noAutofit/>
+          </a:bodyPr>
+          <a:lstStyle/>
+          <a:p>
+            <a:pPr algn="ctr"/>
+            <a:r>
+              <a:rPr lang="ko-KR" altLang="en-US" sz="2800" dirty="0" smtClean="0"/>
+              <a:t>사진 바꾸기</a:t>
+            </a:r>
+            <a:endParaRPr lang="ko-KR" altLang="en-US" sz="2800" dirty="0"/>
+          </a:p>
+        </p:txBody>
+      </p:sp>
+      <p:sp>
+        <p:nvSpPr>
+          <p:cNvPr id="4" name="슬라이드 번호 개체 틀 3"/>
+          <p:cNvSpPr>
+            <a:spLocks noGrp="1"/>
+          </p:cNvSpPr>
+          <p:nvPr>
+            <p:ph type="sldNum" sz="quarter" idx="12"/>
+          </p:nvPr>
+        </p:nvSpPr>
+        <p:spPr/>
+        <p:txBody>
+          <a:bodyPr/>
+          <a:lstStyle/>
+          <a:p>
+            <a:fld id="{1BDE3FE7-3AEA-4B05-AC5A-802D1816ACF0}" type="slidenum">
+              <a:rPr lang="ko-KR" altLang="en-US" smtClean="0"/>
+              <a:t>38</a:t>
             </a:fld>
             <a:endParaRPr lang="ko-KR" altLang="en-US"/>
           </a:p>
@@ -12343,7 +12924,7 @@
 </p:sld>
 </file>
 
-<file path=ppt/slides/slide36.xml><?xml version="1.0" encoding="utf-8"?>
+<file path=ppt/slides/slide39.xml><?xml version="1.0" encoding="utf-8"?>
 <p:sld xmlns:a="http://schemas.openxmlformats.org/drawingml/2006/main" xmlns:r="http://schemas.openxmlformats.org/officeDocument/2006/relationships" xmlns:p="http://schemas.openxmlformats.org/presentationml/2006/main">
   <p:cSld>
     <p:spTree>
@@ -12408,7 +12989,7 @@
           <a:p>
             <a:fld id="{1BDE3FE7-3AEA-4B05-AC5A-802D1816ACF0}" type="slidenum">
               <a:rPr lang="ko-KR" altLang="en-US" smtClean="0"/>
-              <a:t>36</a:t>
+              <a:t>39</a:t>
             </a:fld>
             <a:endParaRPr lang="ko-KR" altLang="en-US"/>
           </a:p>
@@ -12500,738 +13081,6 @@
     <p:extLst>
       <p:ext uri="{BB962C8B-B14F-4D97-AF65-F5344CB8AC3E}">
         <p14:creationId xmlns:p14="http://schemas.microsoft.com/office/powerpoint/2010/main" val="808878594"/>
-      </p:ext>
-    </p:extLst>
-  </p:cSld>
-  <p:clrMapOvr>
-    <a:masterClrMapping/>
-  </p:clrMapOvr>
-  <p:timing>
-    <p:tnLst>
-      <p:par>
-        <p:cTn id="1" dur="indefinite" restart="never" nodeType="tmRoot"/>
-      </p:par>
-    </p:tnLst>
-  </p:timing>
-</p:sld>
-</file>
-
-<file path=ppt/slides/slide37.xml><?xml version="1.0" encoding="utf-8"?>
-<p:sld xmlns:a="http://schemas.openxmlformats.org/drawingml/2006/main" xmlns:r="http://schemas.openxmlformats.org/officeDocument/2006/relationships" xmlns:p="http://schemas.openxmlformats.org/presentationml/2006/main">
-  <p:cSld>
-    <p:spTree>
-      <p:nvGrpSpPr>
-        <p:cNvPr id="1" name=""/>
-        <p:cNvGrpSpPr/>
-        <p:nvPr/>
-      </p:nvGrpSpPr>
-      <p:grpSpPr>
-        <a:xfrm>
-          <a:off x="0" y="0"/>
-          <a:ext cx="0" cy="0"/>
-          <a:chOff x="0" y="0"/>
-          <a:chExt cx="0" cy="0"/>
-        </a:xfrm>
-      </p:grpSpPr>
-      <p:sp>
-        <p:nvSpPr>
-          <p:cNvPr id="2" name="제목 1"/>
-          <p:cNvSpPr>
-            <a:spLocks noGrp="1"/>
-          </p:cNvSpPr>
-          <p:nvPr>
-            <p:ph type="title"/>
-          </p:nvPr>
-        </p:nvSpPr>
-        <p:spPr>
-          <a:xfrm>
-            <a:off x="416497" y="197768"/>
-            <a:ext cx="6412780" cy="854968"/>
-          </a:xfrm>
-        </p:spPr>
-        <p:txBody>
-          <a:bodyPr>
-            <a:noAutofit/>
-          </a:bodyPr>
-          <a:lstStyle/>
-          <a:p>
-            <a:pPr algn="ctr"/>
-            <a:r>
-              <a:rPr lang="ko-KR" altLang="en-US" sz="2800" dirty="0" smtClean="0"/>
-              <a:t>인사말 반복하기</a:t>
-            </a:r>
-            <a:endParaRPr lang="ko-KR" altLang="en-US" sz="2800" dirty="0"/>
-          </a:p>
-        </p:txBody>
-      </p:sp>
-      <p:sp>
-        <p:nvSpPr>
-          <p:cNvPr id="4" name="슬라이드 번호 개체 틀 3"/>
-          <p:cNvSpPr>
-            <a:spLocks noGrp="1"/>
-          </p:cNvSpPr>
-          <p:nvPr>
-            <p:ph type="sldNum" sz="quarter" idx="12"/>
-          </p:nvPr>
-        </p:nvSpPr>
-        <p:spPr/>
-        <p:txBody>
-          <a:bodyPr/>
-          <a:lstStyle/>
-          <a:p>
-            <a:fld id="{1BDE3FE7-3AEA-4B05-AC5A-802D1816ACF0}" type="slidenum">
-              <a:rPr lang="ko-KR" altLang="en-US" smtClean="0"/>
-              <a:t>37</a:t>
-            </a:fld>
-            <a:endParaRPr lang="ko-KR" altLang="en-US"/>
-          </a:p>
-        </p:txBody>
-      </p:sp>
-      <p:sp>
-        <p:nvSpPr>
-          <p:cNvPr id="5" name="TextBox 4"/>
-          <p:cNvSpPr txBox="1"/>
-          <p:nvPr/>
-        </p:nvSpPr>
-        <p:spPr>
-          <a:xfrm>
-            <a:off x="1064568" y="1268760"/>
-            <a:ext cx="3456384" cy="553998"/>
-          </a:xfrm>
-          <a:prstGeom prst="rect">
-            <a:avLst/>
-          </a:prstGeom>
-          <a:noFill/>
-        </p:spPr>
-        <p:txBody>
-          <a:bodyPr wrap="square" rtlCol="0">
-            <a:spAutoFit/>
-          </a:bodyPr>
-          <a:lstStyle/>
-          <a:p>
-            <a:pPr marL="342900" indent="-342900">
-              <a:lnSpc>
-                <a:spcPct val="150000"/>
-              </a:lnSpc>
-              <a:buFont typeface="Wingdings" panose="05000000000000000000" pitchFamily="2" charset="2"/>
-              <a:buChar char="l"/>
-            </a:pPr>
-            <a:r>
-              <a:rPr lang="ko-KR" altLang="en-US" sz="2000" b="1" dirty="0" smtClean="0"/>
-              <a:t>인사말 반복하기</a:t>
-            </a:r>
-            <a:endParaRPr lang="en-US" altLang="ko-KR" sz="2000" b="1" dirty="0" smtClean="0"/>
-          </a:p>
-        </p:txBody>
-      </p:sp>
-      <p:pic>
-        <p:nvPicPr>
-          <p:cNvPr id="6" name="그림 5"/>
-          <p:cNvPicPr>
-            <a:picLocks noChangeAspect="1"/>
-          </p:cNvPicPr>
-          <p:nvPr/>
-        </p:nvPicPr>
-        <p:blipFill>
-          <a:blip r:embed="rId2">
-            <a:extLst>
-              <a:ext uri="{28A0092B-C50C-407E-A947-70E740481C1C}">
-                <a14:useLocalDpi xmlns:a14="http://schemas.microsoft.com/office/drawing/2010/main" val="0"/>
-              </a:ext>
-            </a:extLst>
-          </a:blip>
-          <a:stretch>
-            <a:fillRect/>
-          </a:stretch>
-        </p:blipFill>
-        <p:spPr>
-          <a:xfrm>
-            <a:off x="488504" y="2022785"/>
-            <a:ext cx="2448272" cy="1287858"/>
-          </a:xfrm>
-          <a:prstGeom prst="rect">
-            <a:avLst/>
-          </a:prstGeom>
-          <a:ln>
-            <a:solidFill>
-              <a:schemeClr val="bg1">
-                <a:lumMod val="85000"/>
-              </a:schemeClr>
-            </a:solidFill>
-          </a:ln>
-        </p:spPr>
-      </p:pic>
-      <p:pic>
-        <p:nvPicPr>
-          <p:cNvPr id="8" name="그림 7"/>
-          <p:cNvPicPr>
-            <a:picLocks noChangeAspect="1"/>
-          </p:cNvPicPr>
-          <p:nvPr/>
-        </p:nvPicPr>
-        <p:blipFill>
-          <a:blip r:embed="rId3">
-            <a:extLst>
-              <a:ext uri="{28A0092B-C50C-407E-A947-70E740481C1C}">
-                <a14:useLocalDpi xmlns:a14="http://schemas.microsoft.com/office/drawing/2010/main" val="0"/>
-              </a:ext>
-            </a:extLst>
-          </a:blip>
-          <a:stretch>
-            <a:fillRect/>
-          </a:stretch>
-        </p:blipFill>
-        <p:spPr>
-          <a:xfrm>
-            <a:off x="520006" y="3911372"/>
-            <a:ext cx="2416770" cy="1389836"/>
-          </a:xfrm>
-          <a:prstGeom prst="rect">
-            <a:avLst/>
-          </a:prstGeom>
-          <a:ln>
-            <a:solidFill>
-              <a:schemeClr val="bg1">
-                <a:lumMod val="85000"/>
-              </a:schemeClr>
-            </a:solidFill>
-          </a:ln>
-        </p:spPr>
-      </p:pic>
-      <p:pic>
-        <p:nvPicPr>
-          <p:cNvPr id="3" name="그림 2"/>
-          <p:cNvPicPr>
-            <a:picLocks noChangeAspect="1"/>
-          </p:cNvPicPr>
-          <p:nvPr/>
-        </p:nvPicPr>
-        <p:blipFill>
-          <a:blip r:embed="rId4">
-            <a:extLst>
-              <a:ext uri="{28A0092B-C50C-407E-A947-70E740481C1C}">
-                <a14:useLocalDpi xmlns:a14="http://schemas.microsoft.com/office/drawing/2010/main" val="0"/>
-              </a:ext>
-            </a:extLst>
-          </a:blip>
-          <a:stretch>
-            <a:fillRect/>
-          </a:stretch>
-        </p:blipFill>
-        <p:spPr>
-          <a:xfrm>
-            <a:off x="3150504" y="1916832"/>
-            <a:ext cx="6507717" cy="4141274"/>
-          </a:xfrm>
-          <a:prstGeom prst="rect">
-            <a:avLst/>
-          </a:prstGeom>
-          <a:ln>
-            <a:solidFill>
-              <a:schemeClr val="bg1">
-                <a:lumMod val="85000"/>
-              </a:schemeClr>
-            </a:solidFill>
-          </a:ln>
-        </p:spPr>
-      </p:pic>
-      <p:sp>
-        <p:nvSpPr>
-          <p:cNvPr id="9" name="아래쪽 화살표 8"/>
-          <p:cNvSpPr/>
-          <p:nvPr/>
-        </p:nvSpPr>
-        <p:spPr>
-          <a:xfrm>
-            <a:off x="1568624" y="3454659"/>
-            <a:ext cx="159767" cy="334381"/>
-          </a:xfrm>
-          <a:prstGeom prst="downArrow">
-            <a:avLst/>
-          </a:prstGeom>
-          <a:solidFill>
-            <a:schemeClr val="accent3">
-              <a:lumMod val="60000"/>
-              <a:lumOff val="40000"/>
-            </a:schemeClr>
-          </a:solidFill>
-          <a:ln w="12700"/>
-        </p:spPr>
-        <p:style>
-          <a:lnRef idx="2">
-            <a:schemeClr val="accent1">
-              <a:shade val="50000"/>
-            </a:schemeClr>
-          </a:lnRef>
-          <a:fillRef idx="1">
-            <a:schemeClr val="accent1"/>
-          </a:fillRef>
-          <a:effectRef idx="0">
-            <a:schemeClr val="accent1"/>
-          </a:effectRef>
-          <a:fontRef idx="minor">
-            <a:schemeClr val="lt1"/>
-          </a:fontRef>
-        </p:style>
-        <p:txBody>
-          <a:bodyPr rtlCol="0" anchor="ctr"/>
-          <a:lstStyle/>
-          <a:p>
-            <a:pPr algn="ctr"/>
-            <a:endParaRPr lang="ko-KR" altLang="en-US"/>
-          </a:p>
-        </p:txBody>
-      </p:sp>
-    </p:spTree>
-    <p:extLst>
-      <p:ext uri="{BB962C8B-B14F-4D97-AF65-F5344CB8AC3E}">
-        <p14:creationId xmlns:p14="http://schemas.microsoft.com/office/powerpoint/2010/main" val="2232645145"/>
-      </p:ext>
-    </p:extLst>
-  </p:cSld>
-  <p:clrMapOvr>
-    <a:masterClrMapping/>
-  </p:clrMapOvr>
-  <p:timing>
-    <p:tnLst>
-      <p:par>
-        <p:cTn id="1" dur="indefinite" restart="never" nodeType="tmRoot"/>
-      </p:par>
-    </p:tnLst>
-  </p:timing>
-</p:sld>
-</file>
-
-<file path=ppt/slides/slide38.xml><?xml version="1.0" encoding="utf-8"?>
-<p:sld xmlns:a="http://schemas.openxmlformats.org/drawingml/2006/main" xmlns:r="http://schemas.openxmlformats.org/officeDocument/2006/relationships" xmlns:p="http://schemas.openxmlformats.org/presentationml/2006/main">
-  <p:cSld>
-    <p:spTree>
-      <p:nvGrpSpPr>
-        <p:cNvPr id="1" name=""/>
-        <p:cNvGrpSpPr/>
-        <p:nvPr/>
-      </p:nvGrpSpPr>
-      <p:grpSpPr>
-        <a:xfrm>
-          <a:off x="0" y="0"/>
-          <a:ext cx="0" cy="0"/>
-          <a:chOff x="0" y="0"/>
-          <a:chExt cx="0" cy="0"/>
-        </a:xfrm>
-      </p:grpSpPr>
-      <p:sp>
-        <p:nvSpPr>
-          <p:cNvPr id="2" name="제목 1"/>
-          <p:cNvSpPr>
-            <a:spLocks noGrp="1"/>
-          </p:cNvSpPr>
-          <p:nvPr>
-            <p:ph type="title"/>
-          </p:nvPr>
-        </p:nvSpPr>
-        <p:spPr>
-          <a:xfrm>
-            <a:off x="416497" y="197768"/>
-            <a:ext cx="6412780" cy="854968"/>
-          </a:xfrm>
-        </p:spPr>
-        <p:txBody>
-          <a:bodyPr>
-            <a:noAutofit/>
-          </a:bodyPr>
-          <a:lstStyle/>
-          <a:p>
-            <a:pPr algn="ctr"/>
-            <a:r>
-              <a:rPr lang="ko-KR" altLang="en-US" sz="2800" dirty="0" smtClean="0"/>
-              <a:t>이미</a:t>
-            </a:r>
-            <a:r>
-              <a:rPr lang="ko-KR" altLang="en-US" sz="2800" dirty="0"/>
-              <a:t>지</a:t>
-            </a:r>
-            <a:r>
-              <a:rPr lang="ko-KR" altLang="en-US" sz="2800" dirty="0" smtClean="0"/>
-              <a:t> 반복하기</a:t>
-            </a:r>
-            <a:endParaRPr lang="ko-KR" altLang="en-US" sz="2800" dirty="0"/>
-          </a:p>
-        </p:txBody>
-      </p:sp>
-      <p:sp>
-        <p:nvSpPr>
-          <p:cNvPr id="4" name="슬라이드 번호 개체 틀 3"/>
-          <p:cNvSpPr>
-            <a:spLocks noGrp="1"/>
-          </p:cNvSpPr>
-          <p:nvPr>
-            <p:ph type="sldNum" sz="quarter" idx="12"/>
-          </p:nvPr>
-        </p:nvSpPr>
-        <p:spPr/>
-        <p:txBody>
-          <a:bodyPr/>
-          <a:lstStyle/>
-          <a:p>
-            <a:fld id="{1BDE3FE7-3AEA-4B05-AC5A-802D1816ACF0}" type="slidenum">
-              <a:rPr lang="ko-KR" altLang="en-US" smtClean="0"/>
-              <a:t>38</a:t>
-            </a:fld>
-            <a:endParaRPr lang="ko-KR" altLang="en-US"/>
-          </a:p>
-        </p:txBody>
-      </p:sp>
-      <p:sp>
-        <p:nvSpPr>
-          <p:cNvPr id="5" name="TextBox 4"/>
-          <p:cNvSpPr txBox="1"/>
-          <p:nvPr/>
-        </p:nvSpPr>
-        <p:spPr>
-          <a:xfrm>
-            <a:off x="1064568" y="1268760"/>
-            <a:ext cx="3456384" cy="553998"/>
-          </a:xfrm>
-          <a:prstGeom prst="rect">
-            <a:avLst/>
-          </a:prstGeom>
-          <a:noFill/>
-        </p:spPr>
-        <p:txBody>
-          <a:bodyPr wrap="square" rtlCol="0">
-            <a:spAutoFit/>
-          </a:bodyPr>
-          <a:lstStyle/>
-          <a:p>
-            <a:pPr marL="342900" indent="-342900">
-              <a:lnSpc>
-                <a:spcPct val="150000"/>
-              </a:lnSpc>
-              <a:buFont typeface="Wingdings" panose="05000000000000000000" pitchFamily="2" charset="2"/>
-              <a:buChar char="l"/>
-            </a:pPr>
-            <a:r>
-              <a:rPr lang="ko-KR" altLang="en-US" sz="2000" b="1" dirty="0" smtClean="0"/>
-              <a:t>이미</a:t>
-            </a:r>
-            <a:r>
-              <a:rPr lang="ko-KR" altLang="en-US" sz="2000" b="1" dirty="0"/>
-              <a:t>지</a:t>
-            </a:r>
-            <a:r>
-              <a:rPr lang="ko-KR" altLang="en-US" sz="2000" b="1" dirty="0" smtClean="0"/>
-              <a:t> 반복하기</a:t>
-            </a:r>
-            <a:endParaRPr lang="en-US" altLang="ko-KR" sz="2000" b="1" dirty="0" smtClean="0"/>
-          </a:p>
-        </p:txBody>
-      </p:sp>
-      <p:pic>
-        <p:nvPicPr>
-          <p:cNvPr id="10" name="그림 9"/>
-          <p:cNvPicPr>
-            <a:picLocks noChangeAspect="1"/>
-          </p:cNvPicPr>
-          <p:nvPr/>
-        </p:nvPicPr>
-        <p:blipFill>
-          <a:blip r:embed="rId2">
-            <a:extLst>
-              <a:ext uri="{28A0092B-C50C-407E-A947-70E740481C1C}">
-                <a14:useLocalDpi xmlns:a14="http://schemas.microsoft.com/office/drawing/2010/main" val="0"/>
-              </a:ext>
-            </a:extLst>
-          </a:blip>
-          <a:stretch>
-            <a:fillRect/>
-          </a:stretch>
-        </p:blipFill>
-        <p:spPr>
-          <a:xfrm>
-            <a:off x="1399300" y="1988840"/>
-            <a:ext cx="3481692" cy="3571688"/>
-          </a:xfrm>
-          <a:prstGeom prst="rect">
-            <a:avLst/>
-          </a:prstGeom>
-          <a:ln>
-            <a:solidFill>
-              <a:schemeClr val="bg1">
-                <a:lumMod val="85000"/>
-              </a:schemeClr>
-            </a:solidFill>
-          </a:ln>
-        </p:spPr>
-      </p:pic>
-      <p:pic>
-        <p:nvPicPr>
-          <p:cNvPr id="11" name="그림 10"/>
-          <p:cNvPicPr>
-            <a:picLocks noChangeAspect="1"/>
-          </p:cNvPicPr>
-          <p:nvPr/>
-        </p:nvPicPr>
-        <p:blipFill>
-          <a:blip r:embed="rId3">
-            <a:extLst>
-              <a:ext uri="{28A0092B-C50C-407E-A947-70E740481C1C}">
-                <a14:useLocalDpi xmlns:a14="http://schemas.microsoft.com/office/drawing/2010/main" val="0"/>
-              </a:ext>
-            </a:extLst>
-          </a:blip>
-          <a:stretch>
-            <a:fillRect/>
-          </a:stretch>
-        </p:blipFill>
-        <p:spPr>
-          <a:xfrm>
-            <a:off x="5566935" y="1988840"/>
-            <a:ext cx="3130481" cy="3571688"/>
-          </a:xfrm>
-          <a:prstGeom prst="rect">
-            <a:avLst/>
-          </a:prstGeom>
-          <a:ln>
-            <a:solidFill>
-              <a:schemeClr val="bg1">
-                <a:lumMod val="85000"/>
-              </a:schemeClr>
-            </a:solidFill>
-          </a:ln>
-        </p:spPr>
-      </p:pic>
-      <p:sp>
-        <p:nvSpPr>
-          <p:cNvPr id="12" name="오른쪽 화살표 11"/>
-          <p:cNvSpPr/>
-          <p:nvPr/>
-        </p:nvSpPr>
-        <p:spPr>
-          <a:xfrm>
-            <a:off x="5025008" y="3501008"/>
-            <a:ext cx="360040" cy="144016"/>
-          </a:xfrm>
-          <a:prstGeom prst="rightArrow">
-            <a:avLst/>
-          </a:prstGeom>
-          <a:solidFill>
-            <a:schemeClr val="accent3">
-              <a:lumMod val="60000"/>
-              <a:lumOff val="40000"/>
-            </a:schemeClr>
-          </a:solidFill>
-          <a:ln w="12700"/>
-        </p:spPr>
-        <p:style>
-          <a:lnRef idx="2">
-            <a:schemeClr val="accent1">
-              <a:shade val="50000"/>
-            </a:schemeClr>
-          </a:lnRef>
-          <a:fillRef idx="1">
-            <a:schemeClr val="accent1"/>
-          </a:fillRef>
-          <a:effectRef idx="0">
-            <a:schemeClr val="accent1"/>
-          </a:effectRef>
-          <a:fontRef idx="minor">
-            <a:schemeClr val="lt1"/>
-          </a:fontRef>
-        </p:style>
-        <p:txBody>
-          <a:bodyPr rtlCol="0" anchor="ctr"/>
-          <a:lstStyle/>
-          <a:p>
-            <a:pPr algn="ctr"/>
-            <a:endParaRPr lang="ko-KR" altLang="en-US"/>
-          </a:p>
-        </p:txBody>
-      </p:sp>
-    </p:spTree>
-    <p:extLst>
-      <p:ext uri="{BB962C8B-B14F-4D97-AF65-F5344CB8AC3E}">
-        <p14:creationId xmlns:p14="http://schemas.microsoft.com/office/powerpoint/2010/main" val="4046021666"/>
-      </p:ext>
-    </p:extLst>
-  </p:cSld>
-  <p:clrMapOvr>
-    <a:masterClrMapping/>
-  </p:clrMapOvr>
-  <p:timing>
-    <p:tnLst>
-      <p:par>
-        <p:cTn id="1" dur="indefinite" restart="never" nodeType="tmRoot"/>
-      </p:par>
-    </p:tnLst>
-  </p:timing>
-</p:sld>
-</file>
-
-<file path=ppt/slides/slide39.xml><?xml version="1.0" encoding="utf-8"?>
-<p:sld xmlns:a="http://schemas.openxmlformats.org/drawingml/2006/main" xmlns:r="http://schemas.openxmlformats.org/officeDocument/2006/relationships" xmlns:p="http://schemas.openxmlformats.org/presentationml/2006/main">
-  <p:cSld>
-    <p:spTree>
-      <p:nvGrpSpPr>
-        <p:cNvPr id="1" name=""/>
-        <p:cNvGrpSpPr/>
-        <p:nvPr/>
-      </p:nvGrpSpPr>
-      <p:grpSpPr>
-        <a:xfrm>
-          <a:off x="0" y="0"/>
-          <a:ext cx="0" cy="0"/>
-          <a:chOff x="0" y="0"/>
-          <a:chExt cx="0" cy="0"/>
-        </a:xfrm>
-      </p:grpSpPr>
-      <p:sp>
-        <p:nvSpPr>
-          <p:cNvPr id="2" name="제목 1"/>
-          <p:cNvSpPr>
-            <a:spLocks noGrp="1"/>
-          </p:cNvSpPr>
-          <p:nvPr>
-            <p:ph type="title"/>
-          </p:nvPr>
-        </p:nvSpPr>
-        <p:spPr>
-          <a:xfrm>
-            <a:off x="416497" y="197768"/>
-            <a:ext cx="6412780" cy="854968"/>
-          </a:xfrm>
-        </p:spPr>
-        <p:txBody>
-          <a:bodyPr>
-            <a:noAutofit/>
-          </a:bodyPr>
-          <a:lstStyle/>
-          <a:p>
-            <a:pPr algn="ctr"/>
-            <a:r>
-              <a:rPr lang="ko-KR" altLang="en-US" sz="2800" dirty="0" smtClean="0"/>
-              <a:t>이미</a:t>
-            </a:r>
-            <a:r>
-              <a:rPr lang="ko-KR" altLang="en-US" sz="2800" dirty="0"/>
-              <a:t>지</a:t>
-            </a:r>
-            <a:r>
-              <a:rPr lang="ko-KR" altLang="en-US" sz="2800" dirty="0" smtClean="0"/>
-              <a:t> 반복하기</a:t>
-            </a:r>
-            <a:endParaRPr lang="ko-KR" altLang="en-US" sz="2800" dirty="0"/>
-          </a:p>
-        </p:txBody>
-      </p:sp>
-      <p:sp>
-        <p:nvSpPr>
-          <p:cNvPr id="4" name="슬라이드 번호 개체 틀 3"/>
-          <p:cNvSpPr>
-            <a:spLocks noGrp="1"/>
-          </p:cNvSpPr>
-          <p:nvPr>
-            <p:ph type="sldNum" sz="quarter" idx="12"/>
-          </p:nvPr>
-        </p:nvSpPr>
-        <p:spPr/>
-        <p:txBody>
-          <a:bodyPr/>
-          <a:lstStyle/>
-          <a:p>
-            <a:fld id="{1BDE3FE7-3AEA-4B05-AC5A-802D1816ACF0}" type="slidenum">
-              <a:rPr lang="ko-KR" altLang="en-US" smtClean="0"/>
-              <a:t>39</a:t>
-            </a:fld>
-            <a:endParaRPr lang="ko-KR" altLang="en-US"/>
-          </a:p>
-        </p:txBody>
-      </p:sp>
-      <p:sp>
-        <p:nvSpPr>
-          <p:cNvPr id="5" name="TextBox 4"/>
-          <p:cNvSpPr txBox="1"/>
-          <p:nvPr/>
-        </p:nvSpPr>
-        <p:spPr>
-          <a:xfrm>
-            <a:off x="1064568" y="1268760"/>
-            <a:ext cx="3456384" cy="553998"/>
-          </a:xfrm>
-          <a:prstGeom prst="rect">
-            <a:avLst/>
-          </a:prstGeom>
-          <a:noFill/>
-        </p:spPr>
-        <p:txBody>
-          <a:bodyPr wrap="square" rtlCol="0">
-            <a:spAutoFit/>
-          </a:bodyPr>
-          <a:lstStyle/>
-          <a:p>
-            <a:pPr marL="342900" indent="-342900">
-              <a:lnSpc>
-                <a:spcPct val="150000"/>
-              </a:lnSpc>
-              <a:buFont typeface="Wingdings" panose="05000000000000000000" pitchFamily="2" charset="2"/>
-              <a:buChar char="l"/>
-            </a:pPr>
-            <a:r>
-              <a:rPr lang="ko-KR" altLang="en-US" sz="2000" b="1" dirty="0" smtClean="0"/>
-              <a:t>이미</a:t>
-            </a:r>
-            <a:r>
-              <a:rPr lang="ko-KR" altLang="en-US" sz="2000" b="1" dirty="0"/>
-              <a:t>지</a:t>
-            </a:r>
-            <a:r>
-              <a:rPr lang="ko-KR" altLang="en-US" sz="2000" b="1" dirty="0" smtClean="0"/>
-              <a:t> 반복하기</a:t>
-            </a:r>
-            <a:endParaRPr lang="en-US" altLang="ko-KR" sz="2000" b="1" dirty="0" smtClean="0"/>
-          </a:p>
-        </p:txBody>
-      </p:sp>
-      <p:pic>
-        <p:nvPicPr>
-          <p:cNvPr id="6" name="그림 5"/>
-          <p:cNvPicPr>
-            <a:picLocks noChangeAspect="1"/>
-          </p:cNvPicPr>
-          <p:nvPr/>
-        </p:nvPicPr>
-        <p:blipFill>
-          <a:blip r:embed="rId2">
-            <a:extLst>
-              <a:ext uri="{28A0092B-C50C-407E-A947-70E740481C1C}">
-                <a14:useLocalDpi xmlns:a14="http://schemas.microsoft.com/office/drawing/2010/main" val="0"/>
-              </a:ext>
-            </a:extLst>
-          </a:blip>
-          <a:stretch>
-            <a:fillRect/>
-          </a:stretch>
-        </p:blipFill>
-        <p:spPr>
-          <a:xfrm>
-            <a:off x="1527820" y="1834336"/>
-            <a:ext cx="6850974" cy="4762913"/>
-          </a:xfrm>
-          <a:prstGeom prst="rect">
-            <a:avLst/>
-          </a:prstGeom>
-          <a:ln>
-            <a:solidFill>
-              <a:schemeClr val="bg1">
-                <a:lumMod val="85000"/>
-              </a:schemeClr>
-            </a:solidFill>
-          </a:ln>
-        </p:spPr>
-      </p:pic>
-    </p:spTree>
-    <p:extLst>
-      <p:ext uri="{BB962C8B-B14F-4D97-AF65-F5344CB8AC3E}">
-        <p14:creationId xmlns:p14="http://schemas.microsoft.com/office/powerpoint/2010/main" val="2653240724"/>
       </p:ext>
     </p:extLst>
   </p:cSld>
@@ -13967,7 +13816,7 @@
             <a:pPr algn="ctr"/>
             <a:r>
               <a:rPr lang="ko-KR" altLang="en-US" sz="2800" dirty="0" smtClean="0"/>
-              <a:t>객체의 정의</a:t>
+              <a:t>인사말 반복하기</a:t>
             </a:r>
             <a:endParaRPr lang="ko-KR" altLang="en-US" sz="2800" dirty="0"/>
           </a:p>
@@ -14004,8 +13853,8 @@
         </p:nvSpPr>
         <p:spPr>
           <a:xfrm>
-            <a:off x="920552" y="1189201"/>
-            <a:ext cx="7560840" cy="1431161"/>
+            <a:off x="1064568" y="1268760"/>
+            <a:ext cx="3456384" cy="553998"/>
           </a:xfrm>
           <a:prstGeom prst="rect">
             <a:avLst/>
@@ -14018,529 +13867,167 @@
           </a:bodyPr>
           <a:lstStyle/>
           <a:p>
-            <a:pPr>
+            <a:pPr marL="342900" indent="-342900">
               <a:lnSpc>
                 <a:spcPct val="150000"/>
               </a:lnSpc>
+              <a:buFont typeface="Wingdings" panose="05000000000000000000" pitchFamily="2" charset="2"/>
+              <a:buChar char="l"/>
             </a:pPr>
             <a:r>
-              <a:rPr lang="ko-KR" altLang="en-US" sz="2000" dirty="0"/>
-              <a:t> ◎ </a:t>
-            </a:r>
-            <a:r>
               <a:rPr lang="ko-KR" altLang="en-US" sz="2000" b="1" dirty="0" smtClean="0"/>
-              <a:t>사용자 정의 객체</a:t>
-            </a:r>
-            <a:endParaRPr lang="en-US" altLang="ko-KR" sz="2400" b="1" dirty="0" smtClean="0"/>
-          </a:p>
-          <a:p>
-            <a:pPr>
-              <a:lnSpc>
-                <a:spcPct val="150000"/>
-              </a:lnSpc>
-            </a:pPr>
-            <a:r>
-              <a:rPr lang="en-US" altLang="ko-KR" sz="2000" b="1" dirty="0" smtClean="0"/>
-              <a:t>   </a:t>
-            </a:r>
-            <a:r>
-              <a:rPr lang="en-US" altLang="ko-KR" dirty="0" smtClean="0"/>
-              <a:t>- </a:t>
-            </a:r>
-            <a:r>
-              <a:rPr lang="ko-KR" altLang="en-US" dirty="0" err="1" smtClean="0"/>
-              <a:t>여러가지</a:t>
-            </a:r>
-            <a:r>
-              <a:rPr lang="ko-KR" altLang="en-US" dirty="0" smtClean="0"/>
-              <a:t> </a:t>
-            </a:r>
-            <a:r>
-              <a:rPr lang="ko-KR" altLang="en-US" dirty="0" err="1" smtClean="0"/>
-              <a:t>자료형을</a:t>
-            </a:r>
-            <a:r>
-              <a:rPr lang="ko-KR" altLang="en-US" dirty="0" smtClean="0"/>
-              <a:t> 포함하는 </a:t>
-            </a:r>
-            <a:r>
-              <a:rPr lang="en-US" altLang="ko-KR" dirty="0" smtClean="0"/>
-              <a:t>‘</a:t>
-            </a:r>
-            <a:r>
-              <a:rPr lang="ko-KR" altLang="en-US" dirty="0" smtClean="0"/>
-              <a:t>복합</a:t>
-            </a:r>
-            <a:r>
-              <a:rPr lang="en-US" altLang="ko-KR" dirty="0" smtClean="0"/>
-              <a:t>’ </a:t>
-            </a:r>
-            <a:r>
-              <a:rPr lang="ko-KR" altLang="en-US" dirty="0" err="1" smtClean="0"/>
-              <a:t>자료형을</a:t>
-            </a:r>
-            <a:r>
-              <a:rPr lang="ko-KR" altLang="en-US" dirty="0" smtClean="0"/>
-              <a:t> 말한다</a:t>
-            </a:r>
-            <a:r>
-              <a:rPr lang="en-US" altLang="ko-KR" dirty="0" smtClean="0"/>
-              <a:t>.</a:t>
-            </a:r>
-          </a:p>
-          <a:p>
-            <a:pPr>
-              <a:lnSpc>
-                <a:spcPct val="150000"/>
-              </a:lnSpc>
-            </a:pPr>
-            <a:r>
-              <a:rPr lang="en-US" altLang="ko-KR" dirty="0" smtClean="0"/>
-              <a:t>   - </a:t>
-            </a:r>
-            <a:r>
-              <a:rPr lang="ko-KR" altLang="en-US" dirty="0" smtClean="0"/>
-              <a:t>객체는 속성과 </a:t>
-            </a:r>
-            <a:r>
-              <a:rPr lang="ko-KR" altLang="en-US" dirty="0" err="1" smtClean="0"/>
-              <a:t>메서드로</a:t>
-            </a:r>
-            <a:r>
-              <a:rPr lang="ko-KR" altLang="en-US" dirty="0" smtClean="0"/>
-              <a:t> 구성되어 있다</a:t>
-            </a:r>
-            <a:r>
-              <a:rPr lang="en-US" altLang="ko-KR" dirty="0" smtClean="0"/>
-              <a:t>.</a:t>
-            </a:r>
-            <a:r>
-              <a:rPr lang="ko-KR" altLang="en-US" dirty="0" smtClean="0"/>
-              <a:t> </a:t>
-            </a:r>
-            <a:endParaRPr lang="en-US" altLang="ko-KR" sz="2000" dirty="0" smtClean="0"/>
-          </a:p>
-        </p:txBody>
-      </p:sp>
-      <p:sp>
-        <p:nvSpPr>
-          <p:cNvPr id="6" name="TextBox 5"/>
-          <p:cNvSpPr txBox="1"/>
+              <a:t>인사말 반복하기</a:t>
+            </a:r>
+            <a:endParaRPr lang="en-US" altLang="ko-KR" sz="2000" b="1" dirty="0" smtClean="0"/>
+          </a:p>
+        </p:txBody>
+      </p:sp>
+      <p:pic>
+        <p:nvPicPr>
+          <p:cNvPr id="6" name="그림 5"/>
+          <p:cNvPicPr>
+            <a:picLocks noChangeAspect="1"/>
+          </p:cNvPicPr>
           <p:nvPr/>
-        </p:nvSpPr>
-        <p:spPr>
-          <a:xfrm>
-            <a:off x="2333709" y="5460366"/>
-            <a:ext cx="918102" cy="369332"/>
+        </p:nvPicPr>
+        <p:blipFill>
+          <a:blip r:embed="rId2">
+            <a:extLst>
+              <a:ext uri="{28A0092B-C50C-407E-A947-70E740481C1C}">
+                <a14:useLocalDpi xmlns:a14="http://schemas.microsoft.com/office/drawing/2010/main" val="0"/>
+              </a:ext>
+            </a:extLst>
+          </a:blip>
+          <a:stretch>
+            <a:fillRect/>
+          </a:stretch>
+        </p:blipFill>
+        <p:spPr>
+          <a:xfrm>
+            <a:off x="488504" y="2022785"/>
+            <a:ext cx="2448272" cy="1287858"/>
           </a:xfrm>
           <a:prstGeom prst="rect">
             <a:avLst/>
           </a:prstGeom>
-          <a:noFill/>
-        </p:spPr>
-        <p:txBody>
-          <a:bodyPr wrap="square" rtlCol="0">
-            <a:spAutoFit/>
-          </a:bodyPr>
-          <a:lstStyle/>
-          <a:p>
-            <a:r>
-              <a:rPr lang="ko-KR" altLang="en-US" dirty="0" smtClean="0"/>
-              <a:t>사람</a:t>
-            </a:r>
-            <a:r>
-              <a:rPr lang="en-US" altLang="ko-KR" dirty="0" smtClean="0"/>
-              <a:t> </a:t>
-            </a:r>
-            <a:endParaRPr lang="ko-KR" altLang="en-US" dirty="0"/>
-          </a:p>
-        </p:txBody>
-      </p:sp>
-      <p:sp>
-        <p:nvSpPr>
-          <p:cNvPr id="7" name="모서리가 둥근 직사각형 6"/>
+          <a:ln>
+            <a:solidFill>
+              <a:schemeClr val="bg1">
+                <a:lumMod val="85000"/>
+              </a:schemeClr>
+            </a:solidFill>
+          </a:ln>
+        </p:spPr>
+      </p:pic>
+      <p:pic>
+        <p:nvPicPr>
+          <p:cNvPr id="8" name="그림 7"/>
+          <p:cNvPicPr>
+            <a:picLocks noChangeAspect="1"/>
+          </p:cNvPicPr>
+          <p:nvPr/>
+        </p:nvPicPr>
+        <p:blipFill>
+          <a:blip r:embed="rId3">
+            <a:extLst>
+              <a:ext uri="{28A0092B-C50C-407E-A947-70E740481C1C}">
+                <a14:useLocalDpi xmlns:a14="http://schemas.microsoft.com/office/drawing/2010/main" val="0"/>
+              </a:ext>
+            </a:extLst>
+          </a:blip>
+          <a:stretch>
+            <a:fillRect/>
+          </a:stretch>
+        </p:blipFill>
+        <p:spPr>
+          <a:xfrm>
+            <a:off x="520006" y="3911372"/>
+            <a:ext cx="2416770" cy="1389836"/>
+          </a:xfrm>
+          <a:prstGeom prst="rect">
+            <a:avLst/>
+          </a:prstGeom>
+          <a:ln>
+            <a:solidFill>
+              <a:schemeClr val="bg1">
+                <a:lumMod val="85000"/>
+              </a:schemeClr>
+            </a:solidFill>
+          </a:ln>
+        </p:spPr>
+      </p:pic>
+      <p:pic>
+        <p:nvPicPr>
+          <p:cNvPr id="3" name="그림 2"/>
+          <p:cNvPicPr>
+            <a:picLocks noChangeAspect="1"/>
+          </p:cNvPicPr>
+          <p:nvPr/>
+        </p:nvPicPr>
+        <p:blipFill>
+          <a:blip r:embed="rId4">
+            <a:extLst>
+              <a:ext uri="{28A0092B-C50C-407E-A947-70E740481C1C}">
+                <a14:useLocalDpi xmlns:a14="http://schemas.microsoft.com/office/drawing/2010/main" val="0"/>
+              </a:ext>
+            </a:extLst>
+          </a:blip>
+          <a:stretch>
+            <a:fillRect/>
+          </a:stretch>
+        </p:blipFill>
+        <p:spPr>
+          <a:xfrm>
+            <a:off x="3150504" y="1916832"/>
+            <a:ext cx="6507717" cy="4141274"/>
+          </a:xfrm>
+          <a:prstGeom prst="rect">
+            <a:avLst/>
+          </a:prstGeom>
+          <a:ln>
+            <a:solidFill>
+              <a:schemeClr val="bg1">
+                <a:lumMod val="85000"/>
+              </a:schemeClr>
+            </a:solidFill>
+          </a:ln>
+        </p:spPr>
+      </p:pic>
+      <p:sp>
+        <p:nvSpPr>
+          <p:cNvPr id="9" name="아래쪽 화살표 8"/>
           <p:cNvSpPr/>
           <p:nvPr/>
         </p:nvSpPr>
         <p:spPr>
           <a:xfrm>
-            <a:off x="1539072" y="2852936"/>
-            <a:ext cx="2299839" cy="2529228"/>
-          </a:xfrm>
-          <a:prstGeom prst="roundRect">
+            <a:off x="1568624" y="3454659"/>
+            <a:ext cx="159767" cy="334381"/>
+          </a:xfrm>
+          <a:prstGeom prst="downArrow">
             <a:avLst/>
           </a:prstGeom>
-          <a:ln w="19050"/>
+          <a:solidFill>
+            <a:schemeClr val="accent3">
+              <a:lumMod val="60000"/>
+              <a:lumOff val="40000"/>
+            </a:schemeClr>
+          </a:solidFill>
+          <a:ln w="12700"/>
         </p:spPr>
         <p:style>
           <a:lnRef idx="2">
-            <a:schemeClr val="accent1"/>
+            <a:schemeClr val="accent1">
+              <a:shade val="50000"/>
+            </a:schemeClr>
           </a:lnRef>
           <a:fillRef idx="1">
-            <a:schemeClr val="lt1"/>
+            <a:schemeClr val="accent1"/>
           </a:fillRef>
           <a:effectRef idx="0">
             <a:schemeClr val="accent1"/>
           </a:effectRef>
           <a:fontRef idx="minor">
-            <a:schemeClr val="dk1"/>
-          </a:fontRef>
-        </p:style>
-        <p:txBody>
-          <a:bodyPr rtlCol="0" anchor="ctr"/>
-          <a:lstStyle/>
-          <a:p>
-            <a:r>
-              <a:rPr lang="ko-KR" altLang="en-US" b="1" dirty="0" smtClean="0">
-                <a:solidFill>
-                  <a:srgbClr val="C00000"/>
-                </a:solidFill>
-              </a:rPr>
-              <a:t>속성</a:t>
-            </a:r>
-            <a:r>
-              <a:rPr lang="en-US" altLang="ko-KR" b="1" dirty="0" smtClean="0">
-                <a:solidFill>
-                  <a:srgbClr val="C00000"/>
-                </a:solidFill>
-              </a:rPr>
-              <a:t>(property</a:t>
-            </a:r>
-            <a:r>
-              <a:rPr lang="en-US" altLang="ko-KR" b="1" dirty="0" smtClean="0">
-                <a:solidFill>
-                  <a:srgbClr val="0070C0"/>
-                </a:solidFill>
-              </a:rPr>
-              <a:t>)</a:t>
-            </a:r>
-          </a:p>
-          <a:p>
-            <a:r>
-              <a:rPr lang="ko-KR" altLang="en-US" dirty="0" smtClean="0"/>
-              <a:t>나이 </a:t>
-            </a:r>
-            <a:r>
-              <a:rPr lang="en-US" altLang="ko-KR" dirty="0" smtClean="0"/>
-              <a:t>: 39</a:t>
-            </a:r>
-          </a:p>
-          <a:p>
-            <a:r>
-              <a:rPr lang="ko-KR" altLang="en-US" dirty="0" smtClean="0"/>
-              <a:t>이름 </a:t>
-            </a:r>
-            <a:r>
-              <a:rPr lang="en-US" altLang="ko-KR" dirty="0" smtClean="0"/>
-              <a:t>: </a:t>
-            </a:r>
-            <a:r>
-              <a:rPr lang="ko-KR" altLang="en-US" dirty="0" err="1" smtClean="0"/>
-              <a:t>추신수</a:t>
-            </a:r>
-            <a:endParaRPr lang="en-US" altLang="ko-KR" dirty="0" smtClean="0"/>
-          </a:p>
-          <a:p>
-            <a:r>
-              <a:rPr lang="ko-KR" altLang="en-US" dirty="0" smtClean="0"/>
-              <a:t>결혼유무 </a:t>
-            </a:r>
-            <a:r>
-              <a:rPr lang="en-US" altLang="ko-KR" dirty="0" smtClean="0"/>
-              <a:t>: true</a:t>
-            </a:r>
-          </a:p>
-          <a:p>
-            <a:r>
-              <a:rPr lang="ko-KR" altLang="en-US" dirty="0" err="1" smtClean="0"/>
-              <a:t>자녀수</a:t>
-            </a:r>
-            <a:r>
-              <a:rPr lang="ko-KR" altLang="en-US" dirty="0" smtClean="0"/>
-              <a:t> </a:t>
-            </a:r>
-            <a:r>
-              <a:rPr lang="en-US" altLang="ko-KR" dirty="0" smtClean="0"/>
-              <a:t>: 3</a:t>
-            </a:r>
-          </a:p>
-          <a:p>
-            <a:endParaRPr lang="en-US" altLang="ko-KR" dirty="0" smtClean="0"/>
-          </a:p>
-          <a:p>
-            <a:r>
-              <a:rPr lang="ko-KR" altLang="en-US" b="1" dirty="0" err="1" smtClean="0">
-                <a:solidFill>
-                  <a:srgbClr val="C00000"/>
-                </a:solidFill>
-              </a:rPr>
-              <a:t>메서드</a:t>
-            </a:r>
-            <a:r>
-              <a:rPr lang="en-US" altLang="ko-KR" b="1" dirty="0" smtClean="0">
-                <a:solidFill>
-                  <a:srgbClr val="C00000"/>
-                </a:solidFill>
-              </a:rPr>
-              <a:t>(function)</a:t>
-            </a:r>
-          </a:p>
-          <a:p>
-            <a:r>
-              <a:rPr lang="ko-KR" altLang="en-US" dirty="0" smtClean="0"/>
-              <a:t>야구를 한다</a:t>
-            </a:r>
-            <a:r>
-              <a:rPr lang="en-US" altLang="ko-KR" dirty="0" smtClean="0"/>
-              <a:t>.</a:t>
-            </a:r>
-            <a:endParaRPr lang="en-US" altLang="ko-KR" dirty="0"/>
-          </a:p>
-        </p:txBody>
-      </p:sp>
-      <p:sp>
-        <p:nvSpPr>
-          <p:cNvPr id="15" name="모서리가 둥근 직사각형 14"/>
-          <p:cNvSpPr/>
-          <p:nvPr/>
-        </p:nvSpPr>
-        <p:spPr>
-          <a:xfrm>
-            <a:off x="4664968" y="2852936"/>
-            <a:ext cx="3456384" cy="2607430"/>
-          </a:xfrm>
-          <a:prstGeom prst="roundRect">
-            <a:avLst/>
-          </a:prstGeom>
-          <a:ln w="19050"/>
-        </p:spPr>
-        <p:style>
-          <a:lnRef idx="2">
-            <a:schemeClr val="accent1"/>
-          </a:lnRef>
-          <a:fillRef idx="1">
-            <a:schemeClr val="lt1"/>
-          </a:fillRef>
-          <a:effectRef idx="0">
-            <a:schemeClr val="accent1"/>
-          </a:effectRef>
-          <a:fontRef idx="minor">
-            <a:schemeClr val="dk1"/>
-          </a:fontRef>
-        </p:style>
-        <p:txBody>
-          <a:bodyPr rtlCol="0" anchor="ctr"/>
-          <a:lstStyle/>
-          <a:p>
-            <a:endParaRPr lang="en-US" altLang="ko-KR" dirty="0" smtClean="0"/>
-          </a:p>
-          <a:p>
-            <a:endParaRPr lang="en-US" altLang="ko-KR" dirty="0" smtClean="0"/>
-          </a:p>
-          <a:p>
-            <a:r>
-              <a:rPr lang="en-US" altLang="ko-KR" dirty="0" err="1" smtClean="0"/>
-              <a:t>var</a:t>
-            </a:r>
-            <a:r>
-              <a:rPr lang="en-US" altLang="ko-KR" dirty="0" smtClean="0"/>
-              <a:t> age = 38;</a:t>
-            </a:r>
-          </a:p>
-          <a:p>
-            <a:r>
-              <a:rPr lang="en-US" altLang="ko-KR" dirty="0" err="1"/>
-              <a:t>var</a:t>
-            </a:r>
-            <a:r>
-              <a:rPr lang="en-US" altLang="ko-KR" dirty="0"/>
-              <a:t> </a:t>
-            </a:r>
-            <a:r>
-              <a:rPr lang="en-US" altLang="ko-KR" dirty="0" smtClean="0"/>
-              <a:t>name </a:t>
-            </a:r>
-            <a:r>
-              <a:rPr lang="en-US" altLang="ko-KR" dirty="0"/>
-              <a:t>= </a:t>
-            </a:r>
-            <a:r>
-              <a:rPr lang="en-US" altLang="ko-KR" dirty="0" smtClean="0"/>
-              <a:t>“</a:t>
-            </a:r>
-            <a:r>
-              <a:rPr lang="ko-KR" altLang="en-US" dirty="0" err="1" smtClean="0"/>
-              <a:t>추신수</a:t>
-            </a:r>
-            <a:r>
-              <a:rPr lang="en-US" altLang="ko-KR" dirty="0" smtClean="0"/>
-              <a:t>”;</a:t>
-            </a:r>
-            <a:endParaRPr lang="en-US" altLang="ko-KR" dirty="0"/>
-          </a:p>
-          <a:p>
-            <a:r>
-              <a:rPr lang="en-US" altLang="ko-KR" dirty="0" err="1"/>
-              <a:t>var</a:t>
-            </a:r>
-            <a:r>
-              <a:rPr lang="en-US" altLang="ko-KR" dirty="0"/>
-              <a:t> </a:t>
-            </a:r>
-            <a:r>
-              <a:rPr lang="en-US" altLang="ko-KR" dirty="0" err="1" smtClean="0"/>
-              <a:t>isMerried</a:t>
-            </a:r>
-            <a:r>
-              <a:rPr lang="en-US" altLang="ko-KR" dirty="0" smtClean="0"/>
-              <a:t> </a:t>
-            </a:r>
-            <a:r>
-              <a:rPr lang="en-US" altLang="ko-KR" dirty="0"/>
-              <a:t>= </a:t>
-            </a:r>
-            <a:r>
-              <a:rPr lang="en-US" altLang="ko-KR" dirty="0" smtClean="0"/>
-              <a:t>true;</a:t>
-            </a:r>
-            <a:endParaRPr lang="en-US" altLang="ko-KR" dirty="0"/>
-          </a:p>
-          <a:p>
-            <a:r>
-              <a:rPr lang="en-US" altLang="ko-KR" dirty="0" err="1"/>
-              <a:t>var</a:t>
-            </a:r>
-            <a:r>
-              <a:rPr lang="en-US" altLang="ko-KR" dirty="0"/>
-              <a:t> </a:t>
-            </a:r>
-            <a:r>
-              <a:rPr lang="en-US" altLang="ko-KR" dirty="0" err="1" smtClean="0"/>
-              <a:t>numberOfChildren</a:t>
-            </a:r>
-            <a:r>
-              <a:rPr lang="en-US" altLang="ko-KR" dirty="0" smtClean="0"/>
-              <a:t> </a:t>
-            </a:r>
-            <a:r>
-              <a:rPr lang="en-US" altLang="ko-KR" dirty="0"/>
-              <a:t>= </a:t>
-            </a:r>
-            <a:r>
-              <a:rPr lang="en-US" altLang="ko-KR" dirty="0" smtClean="0"/>
-              <a:t>3;</a:t>
-            </a:r>
-            <a:endParaRPr lang="en-US" altLang="ko-KR" dirty="0"/>
-          </a:p>
-          <a:p>
-            <a:endParaRPr lang="en-US" altLang="ko-KR" dirty="0" smtClean="0"/>
-          </a:p>
-          <a:p>
-            <a:r>
-              <a:rPr lang="en-US" altLang="ko-KR" dirty="0"/>
-              <a:t>f</a:t>
-            </a:r>
-            <a:r>
-              <a:rPr lang="en-US" altLang="ko-KR" dirty="0" smtClean="0"/>
-              <a:t>unction play(){</a:t>
-            </a:r>
-          </a:p>
-          <a:p>
-            <a:r>
-              <a:rPr lang="en-US" altLang="ko-KR" dirty="0"/>
-              <a:t> </a:t>
-            </a:r>
-            <a:r>
-              <a:rPr lang="en-US" altLang="ko-KR" dirty="0" smtClean="0"/>
-              <a:t>    “</a:t>
-            </a:r>
-            <a:r>
-              <a:rPr lang="ko-KR" altLang="en-US" dirty="0" smtClean="0"/>
-              <a:t>야구를 한다</a:t>
-            </a:r>
-            <a:r>
-              <a:rPr lang="en-US" altLang="ko-KR" dirty="0" smtClean="0"/>
-              <a:t>＂</a:t>
-            </a:r>
-          </a:p>
-          <a:p>
-            <a:r>
-              <a:rPr lang="en-US" altLang="ko-KR" dirty="0" smtClean="0"/>
-              <a:t>}</a:t>
-            </a:r>
-          </a:p>
-          <a:p>
-            <a:endParaRPr lang="en-US" altLang="ko-KR" dirty="0" smtClean="0"/>
-          </a:p>
-        </p:txBody>
-      </p:sp>
-      <p:sp>
-        <p:nvSpPr>
-          <p:cNvPr id="17" name="TextBox 16"/>
-          <p:cNvSpPr txBox="1"/>
-          <p:nvPr/>
-        </p:nvSpPr>
-        <p:spPr>
-          <a:xfrm>
-            <a:off x="5529064" y="5460365"/>
-            <a:ext cx="1732261" cy="369332"/>
-          </a:xfrm>
-          <a:prstGeom prst="rect">
-            <a:avLst/>
-          </a:prstGeom>
-          <a:noFill/>
-        </p:spPr>
-        <p:txBody>
-          <a:bodyPr wrap="square" rtlCol="0">
-            <a:spAutoFit/>
-          </a:bodyPr>
-          <a:lstStyle/>
-          <a:p>
-            <a:r>
-              <a:rPr lang="en-US" altLang="ko-KR" dirty="0" err="1"/>
-              <a:t>v</a:t>
-            </a:r>
-            <a:r>
-              <a:rPr lang="en-US" altLang="ko-KR" dirty="0" err="1" smtClean="0"/>
-              <a:t>ar</a:t>
-            </a:r>
-            <a:r>
-              <a:rPr lang="en-US" altLang="ko-KR" dirty="0" smtClean="0"/>
-              <a:t> person ={ } </a:t>
-            </a:r>
-            <a:endParaRPr lang="ko-KR" altLang="en-US" dirty="0"/>
-          </a:p>
-        </p:txBody>
-      </p:sp>
-      <p:sp>
-        <p:nvSpPr>
-          <p:cNvPr id="9" name="오른쪽 화살표 8"/>
-          <p:cNvSpPr/>
-          <p:nvPr/>
-        </p:nvSpPr>
-        <p:spPr>
-          <a:xfrm>
-            <a:off x="3944888" y="3887913"/>
-            <a:ext cx="576064" cy="223595"/>
-          </a:xfrm>
-          <a:prstGeom prst="rightArrow">
-            <a:avLst/>
-          </a:prstGeom>
-          <a:ln/>
-        </p:spPr>
-        <p:style>
-          <a:lnRef idx="2">
-            <a:schemeClr val="accent3">
-              <a:shade val="50000"/>
-            </a:schemeClr>
-          </a:lnRef>
-          <a:fillRef idx="1">
-            <a:schemeClr val="accent3"/>
-          </a:fillRef>
-          <a:effectRef idx="0">
-            <a:schemeClr val="accent3"/>
-          </a:effectRef>
-          <a:fontRef idx="minor">
             <a:schemeClr val="lt1"/>
           </a:fontRef>
         </p:style>
@@ -14556,7 +14043,7 @@
     </p:spTree>
     <p:extLst>
       <p:ext uri="{BB962C8B-B14F-4D97-AF65-F5344CB8AC3E}">
-        <p14:creationId xmlns:p14="http://schemas.microsoft.com/office/powerpoint/2010/main" val="1667985537"/>
+        <p14:creationId xmlns:p14="http://schemas.microsoft.com/office/powerpoint/2010/main" val="2232645145"/>
       </p:ext>
     </p:extLst>
   </p:cSld>
@@ -14615,7 +14102,15 @@
             <a:pPr algn="ctr"/>
             <a:r>
               <a:rPr lang="ko-KR" altLang="en-US" sz="2800" dirty="0" smtClean="0"/>
-              <a:t>객체의 정의 및 사용</a:t>
+              <a:t>이미</a:t>
+            </a:r>
+            <a:r>
+              <a:rPr lang="ko-KR" altLang="en-US" sz="2800" dirty="0"/>
+              <a:t>지</a:t>
+            </a:r>
+            <a:r>
+              <a:rPr lang="ko-KR" altLang="en-US" sz="2800" dirty="0" smtClean="0"/>
+              <a:t> 반복하기</a:t>
             </a:r>
             <a:endParaRPr lang="ko-KR" altLang="en-US" sz="2800" dirty="0"/>
           </a:p>
@@ -14652,8 +14147,8 @@
         </p:nvSpPr>
         <p:spPr>
           <a:xfrm>
-            <a:off x="920552" y="1189201"/>
-            <a:ext cx="7560840" cy="553998"/>
+            <a:off x="1064568" y="1268760"/>
+            <a:ext cx="3456384" cy="553998"/>
           </a:xfrm>
           <a:prstGeom prst="rect">
             <a:avLst/>
@@ -14666,38 +14161,32 @@
           </a:bodyPr>
           <a:lstStyle/>
           <a:p>
-            <a:pPr>
+            <a:pPr marL="342900" indent="-342900">
               <a:lnSpc>
                 <a:spcPct val="150000"/>
               </a:lnSpc>
+              <a:buFont typeface="Wingdings" panose="05000000000000000000" pitchFamily="2" charset="2"/>
+              <a:buChar char="l"/>
             </a:pPr>
             <a:r>
-              <a:rPr lang="ko-KR" altLang="en-US" dirty="0"/>
-              <a:t> </a:t>
-            </a:r>
-            <a:r>
               <a:rPr lang="ko-KR" altLang="en-US" sz="2000" b="1" dirty="0" smtClean="0"/>
-              <a:t>사용자 정의 객체</a:t>
-            </a:r>
-            <a:r>
-              <a:rPr lang="en-US" altLang="ko-KR" sz="2000" b="1" dirty="0" smtClean="0"/>
-              <a:t>(object)</a:t>
+              <a:t>이미</a:t>
+            </a:r>
+            <a:r>
+              <a:rPr lang="ko-KR" altLang="en-US" sz="2000" b="1" dirty="0"/>
+              <a:t>지</a:t>
             </a:r>
             <a:r>
               <a:rPr lang="ko-KR" altLang="en-US" sz="2000" b="1" dirty="0" smtClean="0"/>
-              <a:t> 정의</a:t>
-            </a:r>
-            <a:r>
-              <a:rPr lang="ko-KR" altLang="en-US" sz="1600" dirty="0" smtClean="0"/>
-              <a:t> </a:t>
-            </a:r>
-            <a:endParaRPr lang="en-US" altLang="ko-KR" dirty="0" smtClean="0"/>
+              <a:t> 반복하기</a:t>
+            </a:r>
+            <a:endParaRPr lang="en-US" altLang="ko-KR" sz="2000" b="1" dirty="0" smtClean="0"/>
           </a:p>
         </p:txBody>
       </p:sp>
       <p:pic>
         <p:nvPicPr>
-          <p:cNvPr id="3" name="그림 2"/>
+          <p:cNvPr id="10" name="그림 9"/>
           <p:cNvPicPr>
             <a:picLocks noChangeAspect="1"/>
           </p:cNvPicPr>
@@ -14717,382 +14206,79 @@
         </p:blipFill>
         <p:spPr>
           <a:xfrm>
-            <a:off x="5025009" y="2062176"/>
-            <a:ext cx="3802326" cy="3167024"/>
+            <a:off x="1399300" y="1988840"/>
+            <a:ext cx="3481692" cy="3571688"/>
           </a:xfrm>
           <a:prstGeom prst="rect">
             <a:avLst/>
           </a:prstGeom>
           <a:ln>
             <a:solidFill>
-              <a:schemeClr val="accent4">
-                <a:lumMod val="60000"/>
-                <a:lumOff val="40000"/>
+              <a:schemeClr val="bg1">
+                <a:lumMod val="85000"/>
               </a:schemeClr>
             </a:solidFill>
           </a:ln>
         </p:spPr>
       </p:pic>
-      <p:sp>
-        <p:nvSpPr>
-          <p:cNvPr id="14" name="모서리가 둥근 직사각형 13"/>
+      <p:pic>
+        <p:nvPicPr>
+          <p:cNvPr id="11" name="그림 10"/>
+          <p:cNvPicPr>
+            <a:picLocks noChangeAspect="1"/>
+          </p:cNvPicPr>
+          <p:nvPr/>
+        </p:nvPicPr>
+        <p:blipFill>
+          <a:blip r:embed="rId3">
+            <a:extLst>
+              <a:ext uri="{28A0092B-C50C-407E-A947-70E740481C1C}">
+                <a14:useLocalDpi xmlns:a14="http://schemas.microsoft.com/office/drawing/2010/main" val="0"/>
+              </a:ext>
+            </a:extLst>
+          </a:blip>
+          <a:stretch>
+            <a:fillRect/>
+          </a:stretch>
+        </p:blipFill>
+        <p:spPr>
+          <a:xfrm>
+            <a:off x="5566935" y="1988840"/>
+            <a:ext cx="3130481" cy="3571688"/>
+          </a:xfrm>
+          <a:prstGeom prst="rect">
+            <a:avLst/>
+          </a:prstGeom>
+          <a:ln>
+            <a:solidFill>
+              <a:schemeClr val="bg1">
+                <a:lumMod val="85000"/>
+              </a:schemeClr>
+            </a:solidFill>
+          </a:ln>
+        </p:spPr>
+      </p:pic>
+      <p:sp>
+        <p:nvSpPr>
+          <p:cNvPr id="12" name="오른쪽 화살표 11"/>
           <p:cNvSpPr/>
           <p:nvPr/>
         </p:nvSpPr>
         <p:spPr>
           <a:xfrm>
-            <a:off x="1208584" y="2060848"/>
-            <a:ext cx="3030631" cy="2529228"/>
-          </a:xfrm>
-          <a:prstGeom prst="roundRect">
+            <a:off x="5025008" y="3501008"/>
+            <a:ext cx="360040" cy="144016"/>
+          </a:xfrm>
+          <a:prstGeom prst="rightArrow">
             <a:avLst/>
           </a:prstGeom>
-          <a:ln w="19050"/>
-        </p:spPr>
-        <p:style>
-          <a:lnRef idx="2">
-            <a:schemeClr val="accent1"/>
-          </a:lnRef>
-          <a:fillRef idx="1">
-            <a:schemeClr val="lt1"/>
-          </a:fillRef>
-          <a:effectRef idx="0">
-            <a:schemeClr val="accent1"/>
-          </a:effectRef>
-          <a:fontRef idx="minor">
-            <a:schemeClr val="dk1"/>
-          </a:fontRef>
-        </p:style>
-        <p:txBody>
-          <a:bodyPr rtlCol="0" anchor="ctr"/>
-          <a:lstStyle/>
-          <a:p>
-            <a:r>
-              <a:rPr lang="en-US" altLang="ko-KR" b="1" dirty="0" err="1">
-                <a:solidFill>
-                  <a:schemeClr val="tx1"/>
-                </a:solidFill>
-              </a:rPr>
-              <a:t>v</a:t>
-            </a:r>
-            <a:r>
-              <a:rPr lang="en-US" altLang="ko-KR" b="1" dirty="0" err="1" smtClean="0">
-                <a:solidFill>
-                  <a:schemeClr val="tx1"/>
-                </a:solidFill>
-              </a:rPr>
-              <a:t>ar</a:t>
-            </a:r>
-            <a:r>
-              <a:rPr lang="en-US" altLang="ko-KR" b="1" dirty="0" smtClean="0">
-                <a:solidFill>
-                  <a:schemeClr val="tx1"/>
-                </a:solidFill>
-              </a:rPr>
-              <a:t> </a:t>
-            </a:r>
-            <a:r>
-              <a:rPr lang="ko-KR" altLang="en-US" b="1" dirty="0" smtClean="0">
-                <a:solidFill>
-                  <a:schemeClr val="tx1"/>
-                </a:solidFill>
-              </a:rPr>
-              <a:t>객체이름</a:t>
-            </a:r>
-            <a:r>
-              <a:rPr lang="en-US" altLang="ko-KR" b="1" dirty="0" smtClean="0">
-                <a:solidFill>
-                  <a:schemeClr val="tx1"/>
-                </a:solidFill>
-              </a:rPr>
-              <a:t> = {</a:t>
-            </a:r>
-          </a:p>
-          <a:p>
-            <a:endParaRPr lang="en-US" altLang="ko-KR" b="1" dirty="0">
-              <a:solidFill>
-                <a:schemeClr val="tx1"/>
-              </a:solidFill>
-            </a:endParaRPr>
-          </a:p>
-          <a:p>
-            <a:r>
-              <a:rPr lang="ko-KR" altLang="en-US" b="1" dirty="0" smtClean="0">
-                <a:solidFill>
-                  <a:schemeClr val="tx1"/>
-                </a:solidFill>
-              </a:rPr>
-              <a:t>속성 이름 </a:t>
-            </a:r>
-            <a:r>
-              <a:rPr lang="en-US" altLang="ko-KR" b="1" dirty="0" smtClean="0">
-                <a:solidFill>
-                  <a:schemeClr val="tx1"/>
-                </a:solidFill>
-              </a:rPr>
-              <a:t>: </a:t>
-            </a:r>
-            <a:r>
-              <a:rPr lang="ko-KR" altLang="en-US" b="1" dirty="0" smtClean="0">
-                <a:solidFill>
-                  <a:schemeClr val="tx1"/>
-                </a:solidFill>
-              </a:rPr>
-              <a:t>값</a:t>
-            </a:r>
-            <a:r>
-              <a:rPr lang="en-US" altLang="ko-KR" b="1" dirty="0" smtClean="0">
-                <a:solidFill>
-                  <a:schemeClr val="tx1"/>
-                </a:solidFill>
-              </a:rPr>
-              <a:t>,</a:t>
-            </a:r>
-          </a:p>
-          <a:p>
-            <a:r>
-              <a:rPr lang="ko-KR" altLang="en-US" b="1" dirty="0">
-                <a:solidFill>
-                  <a:schemeClr val="tx1"/>
-                </a:solidFill>
-              </a:rPr>
-              <a:t>속성 이름 </a:t>
-            </a:r>
-            <a:r>
-              <a:rPr lang="en-US" altLang="ko-KR" b="1" dirty="0">
-                <a:solidFill>
-                  <a:schemeClr val="tx1"/>
-                </a:solidFill>
-              </a:rPr>
-              <a:t>: </a:t>
-            </a:r>
-            <a:r>
-              <a:rPr lang="ko-KR" altLang="en-US" b="1" dirty="0">
-                <a:solidFill>
-                  <a:schemeClr val="tx1"/>
-                </a:solidFill>
-              </a:rPr>
-              <a:t>값</a:t>
-            </a:r>
-            <a:r>
-              <a:rPr lang="en-US" altLang="ko-KR" b="1" dirty="0" smtClean="0">
-                <a:solidFill>
-                  <a:schemeClr val="tx1"/>
-                </a:solidFill>
-              </a:rPr>
-              <a:t>,</a:t>
-            </a:r>
-          </a:p>
-          <a:p>
-            <a:r>
-              <a:rPr lang="ko-KR" altLang="en-US" b="1" dirty="0" smtClean="0">
-                <a:solidFill>
-                  <a:schemeClr val="tx1"/>
-                </a:solidFill>
-              </a:rPr>
-              <a:t>함수 이름 </a:t>
-            </a:r>
-            <a:r>
-              <a:rPr lang="en-US" altLang="ko-KR" b="1" dirty="0" smtClean="0">
-                <a:solidFill>
-                  <a:schemeClr val="tx1"/>
-                </a:solidFill>
-              </a:rPr>
-              <a:t>: function(){…}</a:t>
-            </a:r>
-            <a:endParaRPr lang="en-US" altLang="ko-KR" b="1" dirty="0">
-              <a:solidFill>
-                <a:schemeClr val="tx1"/>
-              </a:solidFill>
-            </a:endParaRPr>
-          </a:p>
-          <a:p>
-            <a:endParaRPr lang="en-US" altLang="ko-KR" b="1" dirty="0" smtClean="0">
-              <a:solidFill>
-                <a:schemeClr val="tx1"/>
-              </a:solidFill>
-            </a:endParaRPr>
-          </a:p>
-          <a:p>
-            <a:r>
-              <a:rPr lang="en-US" altLang="ko-KR" b="1" dirty="0">
-                <a:solidFill>
-                  <a:schemeClr val="tx1"/>
-                </a:solidFill>
-              </a:rPr>
-              <a:t>}</a:t>
-            </a:r>
-            <a:endParaRPr lang="en-US" altLang="ko-KR" b="1" dirty="0" smtClean="0">
-              <a:solidFill>
-                <a:schemeClr val="tx1"/>
-              </a:solidFill>
-            </a:endParaRPr>
-          </a:p>
-        </p:txBody>
-      </p:sp>
-      <p:cxnSp>
-        <p:nvCxnSpPr>
-          <p:cNvPr id="16" name="직선 화살표 연결선 15"/>
-          <p:cNvCxnSpPr/>
-          <p:nvPr/>
-        </p:nvCxnSpPr>
-        <p:spPr>
-          <a:xfrm>
-            <a:off x="4327095" y="3232565"/>
-            <a:ext cx="610033" cy="0"/>
-          </a:xfrm>
-          <a:prstGeom prst="straightConnector1">
-            <a:avLst/>
-          </a:prstGeom>
-          <a:ln w="28575">
-            <a:solidFill>
-              <a:srgbClr val="C00000"/>
-            </a:solidFill>
-            <a:tailEnd type="triangle"/>
-          </a:ln>
-        </p:spPr>
-        <p:style>
-          <a:lnRef idx="1">
-            <a:schemeClr val="accent1"/>
-          </a:lnRef>
-          <a:fillRef idx="0">
-            <a:schemeClr val="accent1"/>
-          </a:fillRef>
-          <a:effectRef idx="0">
-            <a:schemeClr val="accent1"/>
-          </a:effectRef>
-          <a:fontRef idx="minor">
-            <a:schemeClr val="tx1"/>
-          </a:fontRef>
-        </p:style>
-      </p:cxnSp>
-      <p:sp>
-        <p:nvSpPr>
-          <p:cNvPr id="18" name="TextBox 17"/>
-          <p:cNvSpPr txBox="1"/>
-          <p:nvPr/>
-        </p:nvSpPr>
-        <p:spPr>
-          <a:xfrm>
-            <a:off x="1676636" y="4385764"/>
-            <a:ext cx="1368152" cy="408623"/>
-          </a:xfrm>
-          <a:prstGeom prst="roundRect">
-            <a:avLst/>
-          </a:prstGeom>
-          <a:ln w="19050"/>
-        </p:spPr>
-        <p:style>
-          <a:lnRef idx="2">
-            <a:schemeClr val="accent2"/>
-          </a:lnRef>
-          <a:fillRef idx="1">
-            <a:schemeClr val="lt1"/>
-          </a:fillRef>
-          <a:effectRef idx="0">
-            <a:schemeClr val="accent2"/>
-          </a:effectRef>
-          <a:fontRef idx="minor">
-            <a:schemeClr val="dk1"/>
-          </a:fontRef>
-        </p:style>
-        <p:txBody>
-          <a:bodyPr wrap="square" rtlCol="0">
-            <a:spAutoFit/>
-          </a:bodyPr>
-          <a:lstStyle/>
-          <a:p>
-            <a:pPr algn="ctr"/>
-            <a:r>
-              <a:rPr lang="ko-KR" altLang="en-US" dirty="0" smtClean="0"/>
-              <a:t>콜론</a:t>
-            </a:r>
-            <a:r>
-              <a:rPr lang="en-US" altLang="ko-KR" dirty="0" smtClean="0"/>
-              <a:t>(</a:t>
-            </a:r>
-            <a:r>
-              <a:rPr lang="en-US" altLang="ko-KR" dirty="0">
-                <a:sym typeface="Wingdings" panose="05000000000000000000" pitchFamily="2" charset="2"/>
-              </a:rPr>
-              <a:t>:</a:t>
-            </a:r>
-            <a:r>
-              <a:rPr lang="en-US" altLang="ko-KR" dirty="0" smtClean="0">
-                <a:sym typeface="Wingdings" panose="05000000000000000000" pitchFamily="2" charset="2"/>
-              </a:rPr>
-              <a:t>)</a:t>
-            </a:r>
-            <a:r>
-              <a:rPr lang="ko-KR" altLang="en-US" dirty="0" smtClean="0">
-                <a:sym typeface="Wingdings" panose="05000000000000000000" pitchFamily="2" charset="2"/>
-              </a:rPr>
-              <a:t>사용</a:t>
-            </a:r>
-            <a:endParaRPr lang="ko-KR" altLang="en-US" dirty="0"/>
-          </a:p>
-        </p:txBody>
-      </p:sp>
-      <p:cxnSp>
-        <p:nvCxnSpPr>
-          <p:cNvPr id="19" name="직선 화살표 연결선 18"/>
-          <p:cNvCxnSpPr>
-            <a:stCxn id="18" idx="0"/>
-            <a:endCxn id="13" idx="4"/>
-          </p:cNvCxnSpPr>
-          <p:nvPr/>
-        </p:nvCxnSpPr>
-        <p:spPr>
-          <a:xfrm flipV="1">
-            <a:off x="2360712" y="3223361"/>
-            <a:ext cx="181594" cy="1162403"/>
-          </a:xfrm>
-          <a:prstGeom prst="straightConnector1">
-            <a:avLst/>
-          </a:prstGeom>
-          <a:ln w="19050">
-            <a:solidFill>
-              <a:srgbClr val="C00000"/>
-            </a:solidFill>
-            <a:tailEnd type="triangle"/>
-          </a:ln>
-        </p:spPr>
-        <p:style>
-          <a:lnRef idx="1">
-            <a:schemeClr val="accent1"/>
-          </a:lnRef>
-          <a:fillRef idx="0">
-            <a:schemeClr val="accent1"/>
-          </a:fillRef>
-          <a:effectRef idx="0">
-            <a:schemeClr val="accent1"/>
-          </a:effectRef>
-          <a:fontRef idx="minor">
-            <a:schemeClr val="tx1"/>
-          </a:fontRef>
-        </p:style>
-      </p:cxnSp>
-      <p:sp>
-        <p:nvSpPr>
-          <p:cNvPr id="13" name="타원 12"/>
-          <p:cNvSpPr/>
-          <p:nvPr/>
-        </p:nvSpPr>
-        <p:spPr>
-          <a:xfrm>
-            <a:off x="2360712" y="2936048"/>
-            <a:ext cx="363187" cy="287313"/>
-          </a:xfrm>
-          <a:prstGeom prst="ellipse">
-            <a:avLst/>
-          </a:prstGeom>
-          <a:noFill/>
-          <a:ln w="19050">
-            <a:solidFill>
-              <a:srgbClr val="C00000"/>
-            </a:solidFill>
-            <a:prstDash val="sysDash"/>
-          </a:ln>
+          <a:solidFill>
+            <a:schemeClr val="accent3">
+              <a:lumMod val="60000"/>
+              <a:lumOff val="40000"/>
+            </a:schemeClr>
+          </a:solidFill>
+          <a:ln w="12700"/>
         </p:spPr>
         <p:style>
           <a:lnRef idx="2">
@@ -15119,224 +14305,10 @@
           </a:p>
         </p:txBody>
       </p:sp>
-      <p:sp>
-        <p:nvSpPr>
-          <p:cNvPr id="28" name="TextBox 27"/>
-          <p:cNvSpPr txBox="1"/>
-          <p:nvPr/>
-        </p:nvSpPr>
-        <p:spPr>
-          <a:xfrm>
-            <a:off x="3263960" y="4385764"/>
-            <a:ext cx="1368152" cy="408623"/>
-          </a:xfrm>
-          <a:prstGeom prst="roundRect">
-            <a:avLst/>
-          </a:prstGeom>
-          <a:ln w="19050"/>
-        </p:spPr>
-        <p:style>
-          <a:lnRef idx="2">
-            <a:schemeClr val="accent2"/>
-          </a:lnRef>
-          <a:fillRef idx="1">
-            <a:schemeClr val="lt1"/>
-          </a:fillRef>
-          <a:effectRef idx="0">
-            <a:schemeClr val="accent2"/>
-          </a:effectRef>
-          <a:fontRef idx="minor">
-            <a:schemeClr val="dk1"/>
-          </a:fontRef>
-        </p:style>
-        <p:txBody>
-          <a:bodyPr wrap="square" rtlCol="0">
-            <a:spAutoFit/>
-          </a:bodyPr>
-          <a:lstStyle/>
-          <a:p>
-            <a:pPr algn="ctr"/>
-            <a:r>
-              <a:rPr lang="ko-KR" altLang="en-US" dirty="0" err="1" smtClean="0"/>
-              <a:t>콤머</a:t>
-            </a:r>
-            <a:r>
-              <a:rPr lang="en-US" altLang="ko-KR" dirty="0" smtClean="0"/>
-              <a:t>(</a:t>
-            </a:r>
-            <a:r>
-              <a:rPr lang="en-US" altLang="ko-KR" dirty="0">
-                <a:sym typeface="Wingdings" panose="05000000000000000000" pitchFamily="2" charset="2"/>
-              </a:rPr>
-              <a:t>,</a:t>
-            </a:r>
-            <a:r>
-              <a:rPr lang="en-US" altLang="ko-KR" dirty="0" smtClean="0">
-                <a:sym typeface="Wingdings" panose="05000000000000000000" pitchFamily="2" charset="2"/>
-              </a:rPr>
-              <a:t>)</a:t>
-            </a:r>
-            <a:r>
-              <a:rPr lang="ko-KR" altLang="en-US" dirty="0" smtClean="0">
-                <a:sym typeface="Wingdings" panose="05000000000000000000" pitchFamily="2" charset="2"/>
-              </a:rPr>
-              <a:t>사용</a:t>
-            </a:r>
-            <a:endParaRPr lang="ko-KR" altLang="en-US" dirty="0"/>
-          </a:p>
-        </p:txBody>
-      </p:sp>
-      <p:cxnSp>
-        <p:nvCxnSpPr>
-          <p:cNvPr id="29" name="직선 화살표 연결선 28"/>
-          <p:cNvCxnSpPr>
-            <a:stCxn id="28" idx="0"/>
-            <a:endCxn id="30" idx="4"/>
-          </p:cNvCxnSpPr>
-          <p:nvPr/>
-        </p:nvCxnSpPr>
-        <p:spPr>
-          <a:xfrm flipH="1" flipV="1">
-            <a:off x="2935202" y="3519878"/>
-            <a:ext cx="1012834" cy="865886"/>
-          </a:xfrm>
-          <a:prstGeom prst="straightConnector1">
-            <a:avLst/>
-          </a:prstGeom>
-          <a:ln w="19050">
-            <a:solidFill>
-              <a:srgbClr val="C00000"/>
-            </a:solidFill>
-            <a:tailEnd type="triangle"/>
-          </a:ln>
-        </p:spPr>
-        <p:style>
-          <a:lnRef idx="1">
-            <a:schemeClr val="accent1"/>
-          </a:lnRef>
-          <a:fillRef idx="0">
-            <a:schemeClr val="accent1"/>
-          </a:fillRef>
-          <a:effectRef idx="0">
-            <a:schemeClr val="accent1"/>
-          </a:effectRef>
-          <a:fontRef idx="minor">
-            <a:schemeClr val="tx1"/>
-          </a:fontRef>
-        </p:style>
-      </p:cxnSp>
-      <p:sp>
-        <p:nvSpPr>
-          <p:cNvPr id="30" name="타원 29"/>
-          <p:cNvSpPr/>
-          <p:nvPr/>
-        </p:nvSpPr>
-        <p:spPr>
-          <a:xfrm>
-            <a:off x="2753608" y="3232565"/>
-            <a:ext cx="363187" cy="287313"/>
-          </a:xfrm>
-          <a:prstGeom prst="ellipse">
-            <a:avLst/>
-          </a:prstGeom>
-          <a:noFill/>
-          <a:ln w="19050">
-            <a:solidFill>
-              <a:srgbClr val="C00000"/>
-            </a:solidFill>
-            <a:prstDash val="sysDash"/>
-          </a:ln>
-        </p:spPr>
-        <p:style>
-          <a:lnRef idx="2">
-            <a:schemeClr val="accent1">
-              <a:shade val="50000"/>
-            </a:schemeClr>
-          </a:lnRef>
-          <a:fillRef idx="1">
-            <a:schemeClr val="accent1"/>
-          </a:fillRef>
-          <a:effectRef idx="0">
-            <a:schemeClr val="accent1"/>
-          </a:effectRef>
-          <a:fontRef idx="minor">
-            <a:schemeClr val="lt1"/>
-          </a:fontRef>
-        </p:style>
-        <p:txBody>
-          <a:bodyPr rtlCol="0" anchor="ctr"/>
-          <a:lstStyle/>
-          <a:p>
-            <a:pPr algn="ctr"/>
-            <a:endParaRPr lang="ko-KR" altLang="en-US"/>
-          </a:p>
-        </p:txBody>
-      </p:sp>
-      <p:sp>
-        <p:nvSpPr>
-          <p:cNvPr id="6" name="TextBox 5"/>
-          <p:cNvSpPr txBox="1"/>
-          <p:nvPr/>
-        </p:nvSpPr>
-        <p:spPr>
-          <a:xfrm>
-            <a:off x="1676634" y="4951553"/>
-            <a:ext cx="2955477" cy="408623"/>
-          </a:xfrm>
-          <a:prstGeom prst="roundRect">
-            <a:avLst/>
-          </a:prstGeom>
-          <a:ln w="19050"/>
-        </p:spPr>
-        <p:style>
-          <a:lnRef idx="2">
-            <a:schemeClr val="accent4"/>
-          </a:lnRef>
-          <a:fillRef idx="1">
-            <a:schemeClr val="lt1"/>
-          </a:fillRef>
-          <a:effectRef idx="0">
-            <a:schemeClr val="accent4"/>
-          </a:effectRef>
-          <a:fontRef idx="minor">
-            <a:schemeClr val="dk1"/>
-          </a:fontRef>
-        </p:style>
-        <p:txBody>
-          <a:bodyPr wrap="square" rtlCol="0">
-            <a:spAutoFit/>
-          </a:bodyPr>
-          <a:lstStyle/>
-          <a:p>
-            <a:pPr algn="ctr"/>
-            <a:r>
-              <a:rPr lang="ko-KR" altLang="en-US" dirty="0" smtClean="0"/>
-              <a:t>키</a:t>
-            </a:r>
-            <a:r>
-              <a:rPr lang="en-US" altLang="ko-KR" dirty="0" smtClean="0"/>
-              <a:t>(key) : </a:t>
-            </a:r>
-            <a:r>
-              <a:rPr lang="ko-KR" altLang="en-US" dirty="0" smtClean="0"/>
-              <a:t>값</a:t>
-            </a:r>
-            <a:r>
-              <a:rPr lang="en-US" altLang="ko-KR" dirty="0" smtClean="0"/>
-              <a:t>(value) </a:t>
-            </a:r>
-            <a:r>
-              <a:rPr lang="ko-KR" altLang="en-US" dirty="0" smtClean="0"/>
-              <a:t>형태</a:t>
-            </a:r>
-            <a:endParaRPr lang="ko-KR" altLang="en-US" dirty="0"/>
-          </a:p>
-        </p:txBody>
-      </p:sp>
     </p:spTree>
     <p:extLst>
       <p:ext uri="{BB962C8B-B14F-4D97-AF65-F5344CB8AC3E}">
-        <p14:creationId xmlns:p14="http://schemas.microsoft.com/office/powerpoint/2010/main" val="2922171657"/>
+        <p14:creationId xmlns:p14="http://schemas.microsoft.com/office/powerpoint/2010/main" val="4046021666"/>
       </p:ext>
     </p:extLst>
   </p:cSld>
@@ -15395,7 +14367,15 @@
             <a:pPr algn="ctr"/>
             <a:r>
               <a:rPr lang="ko-KR" altLang="en-US" sz="2800" dirty="0" smtClean="0"/>
-              <a:t>객체의 정의 및 사용</a:t>
+              <a:t>이미</a:t>
+            </a:r>
+            <a:r>
+              <a:rPr lang="ko-KR" altLang="en-US" sz="2800" dirty="0"/>
+              <a:t>지</a:t>
+            </a:r>
+            <a:r>
+              <a:rPr lang="ko-KR" altLang="en-US" sz="2800" dirty="0" smtClean="0"/>
+              <a:t> 반복하기</a:t>
             </a:r>
             <a:endParaRPr lang="ko-KR" altLang="en-US" sz="2800" dirty="0"/>
           </a:p>
@@ -15419,6 +14399,1607 @@
             <a:fld id="{1BDE3FE7-3AEA-4B05-AC5A-802D1816ACF0}" type="slidenum">
               <a:rPr lang="ko-KR" altLang="en-US" smtClean="0"/>
               <a:t>42</a:t>
+            </a:fld>
+            <a:endParaRPr lang="ko-KR" altLang="en-US"/>
+          </a:p>
+        </p:txBody>
+      </p:sp>
+      <p:sp>
+        <p:nvSpPr>
+          <p:cNvPr id="5" name="TextBox 4"/>
+          <p:cNvSpPr txBox="1"/>
+          <p:nvPr/>
+        </p:nvSpPr>
+        <p:spPr>
+          <a:xfrm>
+            <a:off x="1064568" y="1268760"/>
+            <a:ext cx="3456384" cy="553998"/>
+          </a:xfrm>
+          <a:prstGeom prst="rect">
+            <a:avLst/>
+          </a:prstGeom>
+          <a:noFill/>
+        </p:spPr>
+        <p:txBody>
+          <a:bodyPr wrap="square" rtlCol="0">
+            <a:spAutoFit/>
+          </a:bodyPr>
+          <a:lstStyle/>
+          <a:p>
+            <a:pPr marL="342900" indent="-342900">
+              <a:lnSpc>
+                <a:spcPct val="150000"/>
+              </a:lnSpc>
+              <a:buFont typeface="Wingdings" panose="05000000000000000000" pitchFamily="2" charset="2"/>
+              <a:buChar char="l"/>
+            </a:pPr>
+            <a:r>
+              <a:rPr lang="ko-KR" altLang="en-US" sz="2000" b="1" dirty="0" smtClean="0"/>
+              <a:t>이미</a:t>
+            </a:r>
+            <a:r>
+              <a:rPr lang="ko-KR" altLang="en-US" sz="2000" b="1" dirty="0"/>
+              <a:t>지</a:t>
+            </a:r>
+            <a:r>
+              <a:rPr lang="ko-KR" altLang="en-US" sz="2000" b="1" dirty="0" smtClean="0"/>
+              <a:t> 반복하기</a:t>
+            </a:r>
+            <a:endParaRPr lang="en-US" altLang="ko-KR" sz="2000" b="1" dirty="0" smtClean="0"/>
+          </a:p>
+        </p:txBody>
+      </p:sp>
+      <p:pic>
+        <p:nvPicPr>
+          <p:cNvPr id="6" name="그림 5"/>
+          <p:cNvPicPr>
+            <a:picLocks noChangeAspect="1"/>
+          </p:cNvPicPr>
+          <p:nvPr/>
+        </p:nvPicPr>
+        <p:blipFill>
+          <a:blip r:embed="rId2">
+            <a:extLst>
+              <a:ext uri="{28A0092B-C50C-407E-A947-70E740481C1C}">
+                <a14:useLocalDpi xmlns:a14="http://schemas.microsoft.com/office/drawing/2010/main" val="0"/>
+              </a:ext>
+            </a:extLst>
+          </a:blip>
+          <a:stretch>
+            <a:fillRect/>
+          </a:stretch>
+        </p:blipFill>
+        <p:spPr>
+          <a:xfrm>
+            <a:off x="1527820" y="1834336"/>
+            <a:ext cx="6850974" cy="4762913"/>
+          </a:xfrm>
+          <a:prstGeom prst="rect">
+            <a:avLst/>
+          </a:prstGeom>
+          <a:ln>
+            <a:solidFill>
+              <a:schemeClr val="bg1">
+                <a:lumMod val="85000"/>
+              </a:schemeClr>
+            </a:solidFill>
+          </a:ln>
+        </p:spPr>
+      </p:pic>
+    </p:spTree>
+    <p:extLst>
+      <p:ext uri="{BB962C8B-B14F-4D97-AF65-F5344CB8AC3E}">
+        <p14:creationId xmlns:p14="http://schemas.microsoft.com/office/powerpoint/2010/main" val="2653240724"/>
+      </p:ext>
+    </p:extLst>
+  </p:cSld>
+  <p:clrMapOvr>
+    <a:masterClrMapping/>
+  </p:clrMapOvr>
+  <p:timing>
+    <p:tnLst>
+      <p:par>
+        <p:cTn id="1" dur="indefinite" restart="never" nodeType="tmRoot"/>
+      </p:par>
+    </p:tnLst>
+  </p:timing>
+</p:sld>
+</file>
+
+<file path=ppt/slides/slide43.xml><?xml version="1.0" encoding="utf-8"?>
+<p:sld xmlns:a="http://schemas.openxmlformats.org/drawingml/2006/main" xmlns:r="http://schemas.openxmlformats.org/officeDocument/2006/relationships" xmlns:p="http://schemas.openxmlformats.org/presentationml/2006/main">
+  <p:cSld>
+    <p:spTree>
+      <p:nvGrpSpPr>
+        <p:cNvPr id="1" name=""/>
+        <p:cNvGrpSpPr/>
+        <p:nvPr/>
+      </p:nvGrpSpPr>
+      <p:grpSpPr>
+        <a:xfrm>
+          <a:off x="0" y="0"/>
+          <a:ext cx="0" cy="0"/>
+          <a:chOff x="0" y="0"/>
+          <a:chExt cx="0" cy="0"/>
+        </a:xfrm>
+      </p:grpSpPr>
+      <p:sp>
+        <p:nvSpPr>
+          <p:cNvPr id="2" name="제목 1"/>
+          <p:cNvSpPr>
+            <a:spLocks noGrp="1"/>
+          </p:cNvSpPr>
+          <p:nvPr>
+            <p:ph type="title"/>
+          </p:nvPr>
+        </p:nvSpPr>
+        <p:spPr>
+          <a:xfrm>
+            <a:off x="416497" y="197768"/>
+            <a:ext cx="6412780" cy="854968"/>
+          </a:xfrm>
+        </p:spPr>
+        <p:txBody>
+          <a:bodyPr>
+            <a:noAutofit/>
+          </a:bodyPr>
+          <a:lstStyle/>
+          <a:p>
+            <a:pPr algn="ctr"/>
+            <a:r>
+              <a:rPr lang="ko-KR" altLang="en-US" sz="2800" dirty="0" smtClean="0"/>
+              <a:t>객체의 정의</a:t>
+            </a:r>
+            <a:endParaRPr lang="ko-KR" altLang="en-US" sz="2800" dirty="0"/>
+          </a:p>
+        </p:txBody>
+      </p:sp>
+      <p:sp>
+        <p:nvSpPr>
+          <p:cNvPr id="4" name="슬라이드 번호 개체 틀 3"/>
+          <p:cNvSpPr>
+            <a:spLocks noGrp="1"/>
+          </p:cNvSpPr>
+          <p:nvPr>
+            <p:ph type="sldNum" sz="quarter" idx="12"/>
+          </p:nvPr>
+        </p:nvSpPr>
+        <p:spPr/>
+        <p:txBody>
+          <a:bodyPr/>
+          <a:lstStyle/>
+          <a:p>
+            <a:fld id="{1BDE3FE7-3AEA-4B05-AC5A-802D1816ACF0}" type="slidenum">
+              <a:rPr lang="ko-KR" altLang="en-US" smtClean="0"/>
+              <a:t>43</a:t>
+            </a:fld>
+            <a:endParaRPr lang="ko-KR" altLang="en-US"/>
+          </a:p>
+        </p:txBody>
+      </p:sp>
+      <p:sp>
+        <p:nvSpPr>
+          <p:cNvPr id="5" name="TextBox 4"/>
+          <p:cNvSpPr txBox="1"/>
+          <p:nvPr/>
+        </p:nvSpPr>
+        <p:spPr>
+          <a:xfrm>
+            <a:off x="920552" y="1189201"/>
+            <a:ext cx="7560840" cy="1431161"/>
+          </a:xfrm>
+          <a:prstGeom prst="rect">
+            <a:avLst/>
+          </a:prstGeom>
+          <a:noFill/>
+        </p:spPr>
+        <p:txBody>
+          <a:bodyPr wrap="square" rtlCol="0">
+            <a:spAutoFit/>
+          </a:bodyPr>
+          <a:lstStyle/>
+          <a:p>
+            <a:pPr>
+              <a:lnSpc>
+                <a:spcPct val="150000"/>
+              </a:lnSpc>
+            </a:pPr>
+            <a:r>
+              <a:rPr lang="ko-KR" altLang="en-US" sz="2000" dirty="0"/>
+              <a:t> ◎ </a:t>
+            </a:r>
+            <a:r>
+              <a:rPr lang="ko-KR" altLang="en-US" sz="2000" b="1" dirty="0" smtClean="0"/>
+              <a:t>사용자 정의 객체</a:t>
+            </a:r>
+            <a:endParaRPr lang="en-US" altLang="ko-KR" sz="2400" b="1" dirty="0" smtClean="0"/>
+          </a:p>
+          <a:p>
+            <a:pPr>
+              <a:lnSpc>
+                <a:spcPct val="150000"/>
+              </a:lnSpc>
+            </a:pPr>
+            <a:r>
+              <a:rPr lang="en-US" altLang="ko-KR" sz="2000" b="1" dirty="0" smtClean="0"/>
+              <a:t>   </a:t>
+            </a:r>
+            <a:r>
+              <a:rPr lang="en-US" altLang="ko-KR" dirty="0" smtClean="0"/>
+              <a:t>- </a:t>
+            </a:r>
+            <a:r>
+              <a:rPr lang="ko-KR" altLang="en-US" dirty="0" err="1" smtClean="0"/>
+              <a:t>여러가지</a:t>
+            </a:r>
+            <a:r>
+              <a:rPr lang="ko-KR" altLang="en-US" dirty="0" smtClean="0"/>
+              <a:t> </a:t>
+            </a:r>
+            <a:r>
+              <a:rPr lang="ko-KR" altLang="en-US" dirty="0" err="1" smtClean="0"/>
+              <a:t>자료형을</a:t>
+            </a:r>
+            <a:r>
+              <a:rPr lang="ko-KR" altLang="en-US" dirty="0" smtClean="0"/>
+              <a:t> 포함하는 </a:t>
+            </a:r>
+            <a:r>
+              <a:rPr lang="en-US" altLang="ko-KR" dirty="0" smtClean="0"/>
+              <a:t>‘</a:t>
+            </a:r>
+            <a:r>
+              <a:rPr lang="ko-KR" altLang="en-US" dirty="0" smtClean="0"/>
+              <a:t>복합</a:t>
+            </a:r>
+            <a:r>
+              <a:rPr lang="en-US" altLang="ko-KR" dirty="0" smtClean="0"/>
+              <a:t>’ </a:t>
+            </a:r>
+            <a:r>
+              <a:rPr lang="ko-KR" altLang="en-US" dirty="0" err="1" smtClean="0"/>
+              <a:t>자료형을</a:t>
+            </a:r>
+            <a:r>
+              <a:rPr lang="ko-KR" altLang="en-US" dirty="0" smtClean="0"/>
+              <a:t> 말한다</a:t>
+            </a:r>
+            <a:r>
+              <a:rPr lang="en-US" altLang="ko-KR" dirty="0" smtClean="0"/>
+              <a:t>.</a:t>
+            </a:r>
+          </a:p>
+          <a:p>
+            <a:pPr>
+              <a:lnSpc>
+                <a:spcPct val="150000"/>
+              </a:lnSpc>
+            </a:pPr>
+            <a:r>
+              <a:rPr lang="en-US" altLang="ko-KR" dirty="0" smtClean="0"/>
+              <a:t>   - </a:t>
+            </a:r>
+            <a:r>
+              <a:rPr lang="ko-KR" altLang="en-US" dirty="0" smtClean="0"/>
+              <a:t>객체는 속성과 </a:t>
+            </a:r>
+            <a:r>
+              <a:rPr lang="ko-KR" altLang="en-US" dirty="0" err="1" smtClean="0"/>
+              <a:t>메서드로</a:t>
+            </a:r>
+            <a:r>
+              <a:rPr lang="ko-KR" altLang="en-US" dirty="0" smtClean="0"/>
+              <a:t> 구성되어 있다</a:t>
+            </a:r>
+            <a:r>
+              <a:rPr lang="en-US" altLang="ko-KR" dirty="0" smtClean="0"/>
+              <a:t>.</a:t>
+            </a:r>
+            <a:r>
+              <a:rPr lang="ko-KR" altLang="en-US" dirty="0" smtClean="0"/>
+              <a:t> </a:t>
+            </a:r>
+            <a:endParaRPr lang="en-US" altLang="ko-KR" sz="2000" dirty="0" smtClean="0"/>
+          </a:p>
+        </p:txBody>
+      </p:sp>
+      <p:sp>
+        <p:nvSpPr>
+          <p:cNvPr id="6" name="TextBox 5"/>
+          <p:cNvSpPr txBox="1"/>
+          <p:nvPr/>
+        </p:nvSpPr>
+        <p:spPr>
+          <a:xfrm>
+            <a:off x="2333709" y="5460366"/>
+            <a:ext cx="918102" cy="369332"/>
+          </a:xfrm>
+          <a:prstGeom prst="rect">
+            <a:avLst/>
+          </a:prstGeom>
+          <a:noFill/>
+        </p:spPr>
+        <p:txBody>
+          <a:bodyPr wrap="square" rtlCol="0">
+            <a:spAutoFit/>
+          </a:bodyPr>
+          <a:lstStyle/>
+          <a:p>
+            <a:r>
+              <a:rPr lang="ko-KR" altLang="en-US" dirty="0" smtClean="0"/>
+              <a:t>사람</a:t>
+            </a:r>
+            <a:r>
+              <a:rPr lang="en-US" altLang="ko-KR" dirty="0" smtClean="0"/>
+              <a:t> </a:t>
+            </a:r>
+            <a:endParaRPr lang="ko-KR" altLang="en-US" dirty="0"/>
+          </a:p>
+        </p:txBody>
+      </p:sp>
+      <p:sp>
+        <p:nvSpPr>
+          <p:cNvPr id="7" name="모서리가 둥근 직사각형 6"/>
+          <p:cNvSpPr/>
+          <p:nvPr/>
+        </p:nvSpPr>
+        <p:spPr>
+          <a:xfrm>
+            <a:off x="1539072" y="2852936"/>
+            <a:ext cx="2299839" cy="2529228"/>
+          </a:xfrm>
+          <a:prstGeom prst="roundRect">
+            <a:avLst/>
+          </a:prstGeom>
+          <a:ln w="19050"/>
+        </p:spPr>
+        <p:style>
+          <a:lnRef idx="2">
+            <a:schemeClr val="accent1"/>
+          </a:lnRef>
+          <a:fillRef idx="1">
+            <a:schemeClr val="lt1"/>
+          </a:fillRef>
+          <a:effectRef idx="0">
+            <a:schemeClr val="accent1"/>
+          </a:effectRef>
+          <a:fontRef idx="minor">
+            <a:schemeClr val="dk1"/>
+          </a:fontRef>
+        </p:style>
+        <p:txBody>
+          <a:bodyPr rtlCol="0" anchor="ctr"/>
+          <a:lstStyle/>
+          <a:p>
+            <a:r>
+              <a:rPr lang="ko-KR" altLang="en-US" b="1" dirty="0" smtClean="0">
+                <a:solidFill>
+                  <a:srgbClr val="C00000"/>
+                </a:solidFill>
+              </a:rPr>
+              <a:t>속성</a:t>
+            </a:r>
+            <a:r>
+              <a:rPr lang="en-US" altLang="ko-KR" b="1" dirty="0" smtClean="0">
+                <a:solidFill>
+                  <a:srgbClr val="C00000"/>
+                </a:solidFill>
+              </a:rPr>
+              <a:t>(property</a:t>
+            </a:r>
+            <a:r>
+              <a:rPr lang="en-US" altLang="ko-KR" b="1" dirty="0" smtClean="0">
+                <a:solidFill>
+                  <a:srgbClr val="0070C0"/>
+                </a:solidFill>
+              </a:rPr>
+              <a:t>)</a:t>
+            </a:r>
+          </a:p>
+          <a:p>
+            <a:r>
+              <a:rPr lang="ko-KR" altLang="en-US" dirty="0" smtClean="0"/>
+              <a:t>나이 </a:t>
+            </a:r>
+            <a:r>
+              <a:rPr lang="en-US" altLang="ko-KR" dirty="0" smtClean="0"/>
+              <a:t>: 39</a:t>
+            </a:r>
+          </a:p>
+          <a:p>
+            <a:r>
+              <a:rPr lang="ko-KR" altLang="en-US" dirty="0" smtClean="0"/>
+              <a:t>이름 </a:t>
+            </a:r>
+            <a:r>
+              <a:rPr lang="en-US" altLang="ko-KR" dirty="0" smtClean="0"/>
+              <a:t>: </a:t>
+            </a:r>
+            <a:r>
+              <a:rPr lang="ko-KR" altLang="en-US" dirty="0" err="1" smtClean="0"/>
+              <a:t>추신수</a:t>
+            </a:r>
+            <a:endParaRPr lang="en-US" altLang="ko-KR" dirty="0" smtClean="0"/>
+          </a:p>
+          <a:p>
+            <a:r>
+              <a:rPr lang="ko-KR" altLang="en-US" dirty="0" smtClean="0"/>
+              <a:t>결혼유무 </a:t>
+            </a:r>
+            <a:r>
+              <a:rPr lang="en-US" altLang="ko-KR" dirty="0" smtClean="0"/>
+              <a:t>: true</a:t>
+            </a:r>
+          </a:p>
+          <a:p>
+            <a:r>
+              <a:rPr lang="ko-KR" altLang="en-US" dirty="0" err="1" smtClean="0"/>
+              <a:t>자녀수</a:t>
+            </a:r>
+            <a:r>
+              <a:rPr lang="ko-KR" altLang="en-US" dirty="0" smtClean="0"/>
+              <a:t> </a:t>
+            </a:r>
+            <a:r>
+              <a:rPr lang="en-US" altLang="ko-KR" dirty="0" smtClean="0"/>
+              <a:t>: 3</a:t>
+            </a:r>
+          </a:p>
+          <a:p>
+            <a:endParaRPr lang="en-US" altLang="ko-KR" dirty="0" smtClean="0"/>
+          </a:p>
+          <a:p>
+            <a:r>
+              <a:rPr lang="ko-KR" altLang="en-US" b="1" dirty="0" err="1" smtClean="0">
+                <a:solidFill>
+                  <a:srgbClr val="C00000"/>
+                </a:solidFill>
+              </a:rPr>
+              <a:t>메서드</a:t>
+            </a:r>
+            <a:r>
+              <a:rPr lang="en-US" altLang="ko-KR" b="1" dirty="0" smtClean="0">
+                <a:solidFill>
+                  <a:srgbClr val="C00000"/>
+                </a:solidFill>
+              </a:rPr>
+              <a:t>(function)</a:t>
+            </a:r>
+          </a:p>
+          <a:p>
+            <a:r>
+              <a:rPr lang="ko-KR" altLang="en-US" dirty="0" smtClean="0"/>
+              <a:t>야구를 한다</a:t>
+            </a:r>
+            <a:r>
+              <a:rPr lang="en-US" altLang="ko-KR" dirty="0" smtClean="0"/>
+              <a:t>.</a:t>
+            </a:r>
+            <a:endParaRPr lang="en-US" altLang="ko-KR" dirty="0"/>
+          </a:p>
+        </p:txBody>
+      </p:sp>
+      <p:sp>
+        <p:nvSpPr>
+          <p:cNvPr id="15" name="모서리가 둥근 직사각형 14"/>
+          <p:cNvSpPr/>
+          <p:nvPr/>
+        </p:nvSpPr>
+        <p:spPr>
+          <a:xfrm>
+            <a:off x="4664968" y="2852936"/>
+            <a:ext cx="3456384" cy="2607430"/>
+          </a:xfrm>
+          <a:prstGeom prst="roundRect">
+            <a:avLst/>
+          </a:prstGeom>
+          <a:ln w="19050"/>
+        </p:spPr>
+        <p:style>
+          <a:lnRef idx="2">
+            <a:schemeClr val="accent1"/>
+          </a:lnRef>
+          <a:fillRef idx="1">
+            <a:schemeClr val="lt1"/>
+          </a:fillRef>
+          <a:effectRef idx="0">
+            <a:schemeClr val="accent1"/>
+          </a:effectRef>
+          <a:fontRef idx="minor">
+            <a:schemeClr val="dk1"/>
+          </a:fontRef>
+        </p:style>
+        <p:txBody>
+          <a:bodyPr rtlCol="0" anchor="ctr"/>
+          <a:lstStyle/>
+          <a:p>
+            <a:endParaRPr lang="en-US" altLang="ko-KR" dirty="0" smtClean="0"/>
+          </a:p>
+          <a:p>
+            <a:endParaRPr lang="en-US" altLang="ko-KR" dirty="0" smtClean="0"/>
+          </a:p>
+          <a:p>
+            <a:r>
+              <a:rPr lang="en-US" altLang="ko-KR" dirty="0" err="1" smtClean="0"/>
+              <a:t>var</a:t>
+            </a:r>
+            <a:r>
+              <a:rPr lang="en-US" altLang="ko-KR" dirty="0" smtClean="0"/>
+              <a:t> age = 38;</a:t>
+            </a:r>
+          </a:p>
+          <a:p>
+            <a:r>
+              <a:rPr lang="en-US" altLang="ko-KR" dirty="0" err="1"/>
+              <a:t>var</a:t>
+            </a:r>
+            <a:r>
+              <a:rPr lang="en-US" altLang="ko-KR" dirty="0"/>
+              <a:t> </a:t>
+            </a:r>
+            <a:r>
+              <a:rPr lang="en-US" altLang="ko-KR" dirty="0" smtClean="0"/>
+              <a:t>name </a:t>
+            </a:r>
+            <a:r>
+              <a:rPr lang="en-US" altLang="ko-KR" dirty="0"/>
+              <a:t>= </a:t>
+            </a:r>
+            <a:r>
+              <a:rPr lang="en-US" altLang="ko-KR" dirty="0" smtClean="0"/>
+              <a:t>“</a:t>
+            </a:r>
+            <a:r>
+              <a:rPr lang="ko-KR" altLang="en-US" dirty="0" err="1" smtClean="0"/>
+              <a:t>추신수</a:t>
+            </a:r>
+            <a:r>
+              <a:rPr lang="en-US" altLang="ko-KR" dirty="0" smtClean="0"/>
+              <a:t>”;</a:t>
+            </a:r>
+            <a:endParaRPr lang="en-US" altLang="ko-KR" dirty="0"/>
+          </a:p>
+          <a:p>
+            <a:r>
+              <a:rPr lang="en-US" altLang="ko-KR" dirty="0" err="1"/>
+              <a:t>var</a:t>
+            </a:r>
+            <a:r>
+              <a:rPr lang="en-US" altLang="ko-KR" dirty="0"/>
+              <a:t> </a:t>
+            </a:r>
+            <a:r>
+              <a:rPr lang="en-US" altLang="ko-KR" dirty="0" err="1" smtClean="0"/>
+              <a:t>isMerried</a:t>
+            </a:r>
+            <a:r>
+              <a:rPr lang="en-US" altLang="ko-KR" dirty="0" smtClean="0"/>
+              <a:t> </a:t>
+            </a:r>
+            <a:r>
+              <a:rPr lang="en-US" altLang="ko-KR" dirty="0"/>
+              <a:t>= </a:t>
+            </a:r>
+            <a:r>
+              <a:rPr lang="en-US" altLang="ko-KR" dirty="0" smtClean="0"/>
+              <a:t>true;</a:t>
+            </a:r>
+            <a:endParaRPr lang="en-US" altLang="ko-KR" dirty="0"/>
+          </a:p>
+          <a:p>
+            <a:r>
+              <a:rPr lang="en-US" altLang="ko-KR" dirty="0" err="1"/>
+              <a:t>var</a:t>
+            </a:r>
+            <a:r>
+              <a:rPr lang="en-US" altLang="ko-KR" dirty="0"/>
+              <a:t> </a:t>
+            </a:r>
+            <a:r>
+              <a:rPr lang="en-US" altLang="ko-KR" dirty="0" err="1" smtClean="0"/>
+              <a:t>numberOfChildren</a:t>
+            </a:r>
+            <a:r>
+              <a:rPr lang="en-US" altLang="ko-KR" dirty="0" smtClean="0"/>
+              <a:t> </a:t>
+            </a:r>
+            <a:r>
+              <a:rPr lang="en-US" altLang="ko-KR" dirty="0"/>
+              <a:t>= </a:t>
+            </a:r>
+            <a:r>
+              <a:rPr lang="en-US" altLang="ko-KR" dirty="0" smtClean="0"/>
+              <a:t>3;</a:t>
+            </a:r>
+            <a:endParaRPr lang="en-US" altLang="ko-KR" dirty="0"/>
+          </a:p>
+          <a:p>
+            <a:endParaRPr lang="en-US" altLang="ko-KR" dirty="0" smtClean="0"/>
+          </a:p>
+          <a:p>
+            <a:r>
+              <a:rPr lang="en-US" altLang="ko-KR" dirty="0"/>
+              <a:t>f</a:t>
+            </a:r>
+            <a:r>
+              <a:rPr lang="en-US" altLang="ko-KR" dirty="0" smtClean="0"/>
+              <a:t>unction play(){</a:t>
+            </a:r>
+          </a:p>
+          <a:p>
+            <a:r>
+              <a:rPr lang="en-US" altLang="ko-KR" dirty="0"/>
+              <a:t> </a:t>
+            </a:r>
+            <a:r>
+              <a:rPr lang="en-US" altLang="ko-KR" dirty="0" smtClean="0"/>
+              <a:t>    “</a:t>
+            </a:r>
+            <a:r>
+              <a:rPr lang="ko-KR" altLang="en-US" dirty="0" smtClean="0"/>
+              <a:t>야구를 한다</a:t>
+            </a:r>
+            <a:r>
+              <a:rPr lang="en-US" altLang="ko-KR" dirty="0" smtClean="0"/>
+              <a:t>＂</a:t>
+            </a:r>
+          </a:p>
+          <a:p>
+            <a:r>
+              <a:rPr lang="en-US" altLang="ko-KR" dirty="0" smtClean="0"/>
+              <a:t>}</a:t>
+            </a:r>
+          </a:p>
+          <a:p>
+            <a:endParaRPr lang="en-US" altLang="ko-KR" dirty="0" smtClean="0"/>
+          </a:p>
+        </p:txBody>
+      </p:sp>
+      <p:sp>
+        <p:nvSpPr>
+          <p:cNvPr id="17" name="TextBox 16"/>
+          <p:cNvSpPr txBox="1"/>
+          <p:nvPr/>
+        </p:nvSpPr>
+        <p:spPr>
+          <a:xfrm>
+            <a:off x="5529064" y="5460365"/>
+            <a:ext cx="1732261" cy="369332"/>
+          </a:xfrm>
+          <a:prstGeom prst="rect">
+            <a:avLst/>
+          </a:prstGeom>
+          <a:noFill/>
+        </p:spPr>
+        <p:txBody>
+          <a:bodyPr wrap="square" rtlCol="0">
+            <a:spAutoFit/>
+          </a:bodyPr>
+          <a:lstStyle/>
+          <a:p>
+            <a:r>
+              <a:rPr lang="en-US" altLang="ko-KR" dirty="0" err="1"/>
+              <a:t>v</a:t>
+            </a:r>
+            <a:r>
+              <a:rPr lang="en-US" altLang="ko-KR" dirty="0" err="1" smtClean="0"/>
+              <a:t>ar</a:t>
+            </a:r>
+            <a:r>
+              <a:rPr lang="en-US" altLang="ko-KR" dirty="0" smtClean="0"/>
+              <a:t> person ={ } </a:t>
+            </a:r>
+            <a:endParaRPr lang="ko-KR" altLang="en-US" dirty="0"/>
+          </a:p>
+        </p:txBody>
+      </p:sp>
+      <p:sp>
+        <p:nvSpPr>
+          <p:cNvPr id="9" name="오른쪽 화살표 8"/>
+          <p:cNvSpPr/>
+          <p:nvPr/>
+        </p:nvSpPr>
+        <p:spPr>
+          <a:xfrm>
+            <a:off x="3944888" y="3887913"/>
+            <a:ext cx="576064" cy="223595"/>
+          </a:xfrm>
+          <a:prstGeom prst="rightArrow">
+            <a:avLst/>
+          </a:prstGeom>
+          <a:ln/>
+        </p:spPr>
+        <p:style>
+          <a:lnRef idx="2">
+            <a:schemeClr val="accent3">
+              <a:shade val="50000"/>
+            </a:schemeClr>
+          </a:lnRef>
+          <a:fillRef idx="1">
+            <a:schemeClr val="accent3"/>
+          </a:fillRef>
+          <a:effectRef idx="0">
+            <a:schemeClr val="accent3"/>
+          </a:effectRef>
+          <a:fontRef idx="minor">
+            <a:schemeClr val="lt1"/>
+          </a:fontRef>
+        </p:style>
+        <p:txBody>
+          <a:bodyPr rtlCol="0" anchor="ctr"/>
+          <a:lstStyle/>
+          <a:p>
+            <a:pPr algn="ctr"/>
+            <a:endParaRPr lang="ko-KR" altLang="en-US"/>
+          </a:p>
+        </p:txBody>
+      </p:sp>
+    </p:spTree>
+    <p:extLst>
+      <p:ext uri="{BB962C8B-B14F-4D97-AF65-F5344CB8AC3E}">
+        <p14:creationId xmlns:p14="http://schemas.microsoft.com/office/powerpoint/2010/main" val="1667985537"/>
+      </p:ext>
+    </p:extLst>
+  </p:cSld>
+  <p:clrMapOvr>
+    <a:masterClrMapping/>
+  </p:clrMapOvr>
+  <p:timing>
+    <p:tnLst>
+      <p:par>
+        <p:cTn id="1" dur="indefinite" restart="never" nodeType="tmRoot"/>
+      </p:par>
+    </p:tnLst>
+  </p:timing>
+</p:sld>
+</file>
+
+<file path=ppt/slides/slide44.xml><?xml version="1.0" encoding="utf-8"?>
+<p:sld xmlns:a="http://schemas.openxmlformats.org/drawingml/2006/main" xmlns:r="http://schemas.openxmlformats.org/officeDocument/2006/relationships" xmlns:p="http://schemas.openxmlformats.org/presentationml/2006/main">
+  <p:cSld>
+    <p:spTree>
+      <p:nvGrpSpPr>
+        <p:cNvPr id="1" name=""/>
+        <p:cNvGrpSpPr/>
+        <p:nvPr/>
+      </p:nvGrpSpPr>
+      <p:grpSpPr>
+        <a:xfrm>
+          <a:off x="0" y="0"/>
+          <a:ext cx="0" cy="0"/>
+          <a:chOff x="0" y="0"/>
+          <a:chExt cx="0" cy="0"/>
+        </a:xfrm>
+      </p:grpSpPr>
+      <p:sp>
+        <p:nvSpPr>
+          <p:cNvPr id="2" name="제목 1"/>
+          <p:cNvSpPr>
+            <a:spLocks noGrp="1"/>
+          </p:cNvSpPr>
+          <p:nvPr>
+            <p:ph type="title"/>
+          </p:nvPr>
+        </p:nvSpPr>
+        <p:spPr>
+          <a:xfrm>
+            <a:off x="416497" y="197768"/>
+            <a:ext cx="6412780" cy="854968"/>
+          </a:xfrm>
+        </p:spPr>
+        <p:txBody>
+          <a:bodyPr>
+            <a:noAutofit/>
+          </a:bodyPr>
+          <a:lstStyle/>
+          <a:p>
+            <a:pPr algn="ctr"/>
+            <a:r>
+              <a:rPr lang="ko-KR" altLang="en-US" sz="2800" dirty="0" smtClean="0"/>
+              <a:t>객체의 정의 및 사용</a:t>
+            </a:r>
+            <a:endParaRPr lang="ko-KR" altLang="en-US" sz="2800" dirty="0"/>
+          </a:p>
+        </p:txBody>
+      </p:sp>
+      <p:sp>
+        <p:nvSpPr>
+          <p:cNvPr id="4" name="슬라이드 번호 개체 틀 3"/>
+          <p:cNvSpPr>
+            <a:spLocks noGrp="1"/>
+          </p:cNvSpPr>
+          <p:nvPr>
+            <p:ph type="sldNum" sz="quarter" idx="12"/>
+          </p:nvPr>
+        </p:nvSpPr>
+        <p:spPr/>
+        <p:txBody>
+          <a:bodyPr/>
+          <a:lstStyle/>
+          <a:p>
+            <a:fld id="{1BDE3FE7-3AEA-4B05-AC5A-802D1816ACF0}" type="slidenum">
+              <a:rPr lang="ko-KR" altLang="en-US" smtClean="0"/>
+              <a:t>44</a:t>
+            </a:fld>
+            <a:endParaRPr lang="ko-KR" altLang="en-US"/>
+          </a:p>
+        </p:txBody>
+      </p:sp>
+      <p:sp>
+        <p:nvSpPr>
+          <p:cNvPr id="5" name="TextBox 4"/>
+          <p:cNvSpPr txBox="1"/>
+          <p:nvPr/>
+        </p:nvSpPr>
+        <p:spPr>
+          <a:xfrm>
+            <a:off x="920552" y="1189201"/>
+            <a:ext cx="7560840" cy="553998"/>
+          </a:xfrm>
+          <a:prstGeom prst="rect">
+            <a:avLst/>
+          </a:prstGeom>
+          <a:noFill/>
+        </p:spPr>
+        <p:txBody>
+          <a:bodyPr wrap="square" rtlCol="0">
+            <a:spAutoFit/>
+          </a:bodyPr>
+          <a:lstStyle/>
+          <a:p>
+            <a:pPr>
+              <a:lnSpc>
+                <a:spcPct val="150000"/>
+              </a:lnSpc>
+            </a:pPr>
+            <a:r>
+              <a:rPr lang="ko-KR" altLang="en-US" dirty="0"/>
+              <a:t> </a:t>
+            </a:r>
+            <a:r>
+              <a:rPr lang="ko-KR" altLang="en-US" sz="2000" b="1" dirty="0" smtClean="0"/>
+              <a:t>사용자 정의 객체</a:t>
+            </a:r>
+            <a:r>
+              <a:rPr lang="en-US" altLang="ko-KR" sz="2000" b="1" dirty="0" smtClean="0"/>
+              <a:t>(object)</a:t>
+            </a:r>
+            <a:r>
+              <a:rPr lang="ko-KR" altLang="en-US" sz="2000" b="1" dirty="0" smtClean="0"/>
+              <a:t> 정의</a:t>
+            </a:r>
+            <a:r>
+              <a:rPr lang="ko-KR" altLang="en-US" sz="1600" dirty="0" smtClean="0"/>
+              <a:t> </a:t>
+            </a:r>
+            <a:endParaRPr lang="en-US" altLang="ko-KR" dirty="0" smtClean="0"/>
+          </a:p>
+        </p:txBody>
+      </p:sp>
+      <p:pic>
+        <p:nvPicPr>
+          <p:cNvPr id="3" name="그림 2"/>
+          <p:cNvPicPr>
+            <a:picLocks noChangeAspect="1"/>
+          </p:cNvPicPr>
+          <p:nvPr/>
+        </p:nvPicPr>
+        <p:blipFill>
+          <a:blip r:embed="rId2">
+            <a:extLst>
+              <a:ext uri="{28A0092B-C50C-407E-A947-70E740481C1C}">
+                <a14:useLocalDpi xmlns:a14="http://schemas.microsoft.com/office/drawing/2010/main" val="0"/>
+              </a:ext>
+            </a:extLst>
+          </a:blip>
+          <a:stretch>
+            <a:fillRect/>
+          </a:stretch>
+        </p:blipFill>
+        <p:spPr>
+          <a:xfrm>
+            <a:off x="5025009" y="2062176"/>
+            <a:ext cx="3802326" cy="3167024"/>
+          </a:xfrm>
+          <a:prstGeom prst="rect">
+            <a:avLst/>
+          </a:prstGeom>
+          <a:ln>
+            <a:solidFill>
+              <a:schemeClr val="accent4">
+                <a:lumMod val="60000"/>
+                <a:lumOff val="40000"/>
+              </a:schemeClr>
+            </a:solidFill>
+          </a:ln>
+        </p:spPr>
+      </p:pic>
+      <p:sp>
+        <p:nvSpPr>
+          <p:cNvPr id="14" name="모서리가 둥근 직사각형 13"/>
+          <p:cNvSpPr/>
+          <p:nvPr/>
+        </p:nvSpPr>
+        <p:spPr>
+          <a:xfrm>
+            <a:off x="1208584" y="2060848"/>
+            <a:ext cx="3030631" cy="2529228"/>
+          </a:xfrm>
+          <a:prstGeom prst="roundRect">
+            <a:avLst/>
+          </a:prstGeom>
+          <a:ln w="19050"/>
+        </p:spPr>
+        <p:style>
+          <a:lnRef idx="2">
+            <a:schemeClr val="accent1"/>
+          </a:lnRef>
+          <a:fillRef idx="1">
+            <a:schemeClr val="lt1"/>
+          </a:fillRef>
+          <a:effectRef idx="0">
+            <a:schemeClr val="accent1"/>
+          </a:effectRef>
+          <a:fontRef idx="minor">
+            <a:schemeClr val="dk1"/>
+          </a:fontRef>
+        </p:style>
+        <p:txBody>
+          <a:bodyPr rtlCol="0" anchor="ctr"/>
+          <a:lstStyle/>
+          <a:p>
+            <a:r>
+              <a:rPr lang="en-US" altLang="ko-KR" b="1" dirty="0" err="1">
+                <a:solidFill>
+                  <a:schemeClr val="tx1"/>
+                </a:solidFill>
+              </a:rPr>
+              <a:t>v</a:t>
+            </a:r>
+            <a:r>
+              <a:rPr lang="en-US" altLang="ko-KR" b="1" dirty="0" err="1" smtClean="0">
+                <a:solidFill>
+                  <a:schemeClr val="tx1"/>
+                </a:solidFill>
+              </a:rPr>
+              <a:t>ar</a:t>
+            </a:r>
+            <a:r>
+              <a:rPr lang="en-US" altLang="ko-KR" b="1" dirty="0" smtClean="0">
+                <a:solidFill>
+                  <a:schemeClr val="tx1"/>
+                </a:solidFill>
+              </a:rPr>
+              <a:t> </a:t>
+            </a:r>
+            <a:r>
+              <a:rPr lang="ko-KR" altLang="en-US" b="1" dirty="0" smtClean="0">
+                <a:solidFill>
+                  <a:schemeClr val="tx1"/>
+                </a:solidFill>
+              </a:rPr>
+              <a:t>객체이름</a:t>
+            </a:r>
+            <a:r>
+              <a:rPr lang="en-US" altLang="ko-KR" b="1" dirty="0" smtClean="0">
+                <a:solidFill>
+                  <a:schemeClr val="tx1"/>
+                </a:solidFill>
+              </a:rPr>
+              <a:t> = {</a:t>
+            </a:r>
+          </a:p>
+          <a:p>
+            <a:endParaRPr lang="en-US" altLang="ko-KR" b="1" dirty="0">
+              <a:solidFill>
+                <a:schemeClr val="tx1"/>
+              </a:solidFill>
+            </a:endParaRPr>
+          </a:p>
+          <a:p>
+            <a:r>
+              <a:rPr lang="ko-KR" altLang="en-US" b="1" dirty="0" smtClean="0">
+                <a:solidFill>
+                  <a:schemeClr val="tx1"/>
+                </a:solidFill>
+              </a:rPr>
+              <a:t>속성 이름 </a:t>
+            </a:r>
+            <a:r>
+              <a:rPr lang="en-US" altLang="ko-KR" b="1" dirty="0" smtClean="0">
+                <a:solidFill>
+                  <a:schemeClr val="tx1"/>
+                </a:solidFill>
+              </a:rPr>
+              <a:t>: </a:t>
+            </a:r>
+            <a:r>
+              <a:rPr lang="ko-KR" altLang="en-US" b="1" dirty="0" smtClean="0">
+                <a:solidFill>
+                  <a:schemeClr val="tx1"/>
+                </a:solidFill>
+              </a:rPr>
+              <a:t>값</a:t>
+            </a:r>
+            <a:r>
+              <a:rPr lang="en-US" altLang="ko-KR" b="1" dirty="0" smtClean="0">
+                <a:solidFill>
+                  <a:schemeClr val="tx1"/>
+                </a:solidFill>
+              </a:rPr>
+              <a:t>,</a:t>
+            </a:r>
+          </a:p>
+          <a:p>
+            <a:r>
+              <a:rPr lang="ko-KR" altLang="en-US" b="1" dirty="0">
+                <a:solidFill>
+                  <a:schemeClr val="tx1"/>
+                </a:solidFill>
+              </a:rPr>
+              <a:t>속성 이름 </a:t>
+            </a:r>
+            <a:r>
+              <a:rPr lang="en-US" altLang="ko-KR" b="1" dirty="0">
+                <a:solidFill>
+                  <a:schemeClr val="tx1"/>
+                </a:solidFill>
+              </a:rPr>
+              <a:t>: </a:t>
+            </a:r>
+            <a:r>
+              <a:rPr lang="ko-KR" altLang="en-US" b="1" dirty="0">
+                <a:solidFill>
+                  <a:schemeClr val="tx1"/>
+                </a:solidFill>
+              </a:rPr>
+              <a:t>값</a:t>
+            </a:r>
+            <a:r>
+              <a:rPr lang="en-US" altLang="ko-KR" b="1" dirty="0" smtClean="0">
+                <a:solidFill>
+                  <a:schemeClr val="tx1"/>
+                </a:solidFill>
+              </a:rPr>
+              <a:t>,</a:t>
+            </a:r>
+          </a:p>
+          <a:p>
+            <a:r>
+              <a:rPr lang="ko-KR" altLang="en-US" b="1" dirty="0" smtClean="0">
+                <a:solidFill>
+                  <a:schemeClr val="tx1"/>
+                </a:solidFill>
+              </a:rPr>
+              <a:t>함수 이름 </a:t>
+            </a:r>
+            <a:r>
+              <a:rPr lang="en-US" altLang="ko-KR" b="1" dirty="0" smtClean="0">
+                <a:solidFill>
+                  <a:schemeClr val="tx1"/>
+                </a:solidFill>
+              </a:rPr>
+              <a:t>: function(){…}</a:t>
+            </a:r>
+            <a:endParaRPr lang="en-US" altLang="ko-KR" b="1" dirty="0">
+              <a:solidFill>
+                <a:schemeClr val="tx1"/>
+              </a:solidFill>
+            </a:endParaRPr>
+          </a:p>
+          <a:p>
+            <a:endParaRPr lang="en-US" altLang="ko-KR" b="1" dirty="0" smtClean="0">
+              <a:solidFill>
+                <a:schemeClr val="tx1"/>
+              </a:solidFill>
+            </a:endParaRPr>
+          </a:p>
+          <a:p>
+            <a:r>
+              <a:rPr lang="en-US" altLang="ko-KR" b="1" dirty="0">
+                <a:solidFill>
+                  <a:schemeClr val="tx1"/>
+                </a:solidFill>
+              </a:rPr>
+              <a:t>}</a:t>
+            </a:r>
+            <a:endParaRPr lang="en-US" altLang="ko-KR" b="1" dirty="0" smtClean="0">
+              <a:solidFill>
+                <a:schemeClr val="tx1"/>
+              </a:solidFill>
+            </a:endParaRPr>
+          </a:p>
+        </p:txBody>
+      </p:sp>
+      <p:cxnSp>
+        <p:nvCxnSpPr>
+          <p:cNvPr id="16" name="직선 화살표 연결선 15"/>
+          <p:cNvCxnSpPr/>
+          <p:nvPr/>
+        </p:nvCxnSpPr>
+        <p:spPr>
+          <a:xfrm>
+            <a:off x="4327095" y="3232565"/>
+            <a:ext cx="610033" cy="0"/>
+          </a:xfrm>
+          <a:prstGeom prst="straightConnector1">
+            <a:avLst/>
+          </a:prstGeom>
+          <a:ln w="28575">
+            <a:solidFill>
+              <a:srgbClr val="C00000"/>
+            </a:solidFill>
+            <a:tailEnd type="triangle"/>
+          </a:ln>
+        </p:spPr>
+        <p:style>
+          <a:lnRef idx="1">
+            <a:schemeClr val="accent1"/>
+          </a:lnRef>
+          <a:fillRef idx="0">
+            <a:schemeClr val="accent1"/>
+          </a:fillRef>
+          <a:effectRef idx="0">
+            <a:schemeClr val="accent1"/>
+          </a:effectRef>
+          <a:fontRef idx="minor">
+            <a:schemeClr val="tx1"/>
+          </a:fontRef>
+        </p:style>
+      </p:cxnSp>
+      <p:sp>
+        <p:nvSpPr>
+          <p:cNvPr id="18" name="TextBox 17"/>
+          <p:cNvSpPr txBox="1"/>
+          <p:nvPr/>
+        </p:nvSpPr>
+        <p:spPr>
+          <a:xfrm>
+            <a:off x="1676636" y="4385764"/>
+            <a:ext cx="1368152" cy="408623"/>
+          </a:xfrm>
+          <a:prstGeom prst="roundRect">
+            <a:avLst/>
+          </a:prstGeom>
+          <a:ln w="19050"/>
+        </p:spPr>
+        <p:style>
+          <a:lnRef idx="2">
+            <a:schemeClr val="accent2"/>
+          </a:lnRef>
+          <a:fillRef idx="1">
+            <a:schemeClr val="lt1"/>
+          </a:fillRef>
+          <a:effectRef idx="0">
+            <a:schemeClr val="accent2"/>
+          </a:effectRef>
+          <a:fontRef idx="minor">
+            <a:schemeClr val="dk1"/>
+          </a:fontRef>
+        </p:style>
+        <p:txBody>
+          <a:bodyPr wrap="square" rtlCol="0">
+            <a:spAutoFit/>
+          </a:bodyPr>
+          <a:lstStyle/>
+          <a:p>
+            <a:pPr algn="ctr"/>
+            <a:r>
+              <a:rPr lang="ko-KR" altLang="en-US" dirty="0" smtClean="0"/>
+              <a:t>콜론</a:t>
+            </a:r>
+            <a:r>
+              <a:rPr lang="en-US" altLang="ko-KR" dirty="0" smtClean="0"/>
+              <a:t>(</a:t>
+            </a:r>
+            <a:r>
+              <a:rPr lang="en-US" altLang="ko-KR" dirty="0">
+                <a:sym typeface="Wingdings" panose="05000000000000000000" pitchFamily="2" charset="2"/>
+              </a:rPr>
+              <a:t>:</a:t>
+            </a:r>
+            <a:r>
+              <a:rPr lang="en-US" altLang="ko-KR" dirty="0" smtClean="0">
+                <a:sym typeface="Wingdings" panose="05000000000000000000" pitchFamily="2" charset="2"/>
+              </a:rPr>
+              <a:t>)</a:t>
+            </a:r>
+            <a:r>
+              <a:rPr lang="ko-KR" altLang="en-US" dirty="0" smtClean="0">
+                <a:sym typeface="Wingdings" panose="05000000000000000000" pitchFamily="2" charset="2"/>
+              </a:rPr>
+              <a:t>사용</a:t>
+            </a:r>
+            <a:endParaRPr lang="ko-KR" altLang="en-US" dirty="0"/>
+          </a:p>
+        </p:txBody>
+      </p:sp>
+      <p:cxnSp>
+        <p:nvCxnSpPr>
+          <p:cNvPr id="19" name="직선 화살표 연결선 18"/>
+          <p:cNvCxnSpPr>
+            <a:stCxn id="18" idx="0"/>
+            <a:endCxn id="13" idx="4"/>
+          </p:cNvCxnSpPr>
+          <p:nvPr/>
+        </p:nvCxnSpPr>
+        <p:spPr>
+          <a:xfrm flipV="1">
+            <a:off x="2360712" y="3223361"/>
+            <a:ext cx="181594" cy="1162403"/>
+          </a:xfrm>
+          <a:prstGeom prst="straightConnector1">
+            <a:avLst/>
+          </a:prstGeom>
+          <a:ln w="19050">
+            <a:solidFill>
+              <a:srgbClr val="C00000"/>
+            </a:solidFill>
+            <a:tailEnd type="triangle"/>
+          </a:ln>
+        </p:spPr>
+        <p:style>
+          <a:lnRef idx="1">
+            <a:schemeClr val="accent1"/>
+          </a:lnRef>
+          <a:fillRef idx="0">
+            <a:schemeClr val="accent1"/>
+          </a:fillRef>
+          <a:effectRef idx="0">
+            <a:schemeClr val="accent1"/>
+          </a:effectRef>
+          <a:fontRef idx="minor">
+            <a:schemeClr val="tx1"/>
+          </a:fontRef>
+        </p:style>
+      </p:cxnSp>
+      <p:sp>
+        <p:nvSpPr>
+          <p:cNvPr id="13" name="타원 12"/>
+          <p:cNvSpPr/>
+          <p:nvPr/>
+        </p:nvSpPr>
+        <p:spPr>
+          <a:xfrm>
+            <a:off x="2360712" y="2936048"/>
+            <a:ext cx="363187" cy="287313"/>
+          </a:xfrm>
+          <a:prstGeom prst="ellipse">
+            <a:avLst/>
+          </a:prstGeom>
+          <a:noFill/>
+          <a:ln w="19050">
+            <a:solidFill>
+              <a:srgbClr val="C00000"/>
+            </a:solidFill>
+            <a:prstDash val="sysDash"/>
+          </a:ln>
+        </p:spPr>
+        <p:style>
+          <a:lnRef idx="2">
+            <a:schemeClr val="accent1">
+              <a:shade val="50000"/>
+            </a:schemeClr>
+          </a:lnRef>
+          <a:fillRef idx="1">
+            <a:schemeClr val="accent1"/>
+          </a:fillRef>
+          <a:effectRef idx="0">
+            <a:schemeClr val="accent1"/>
+          </a:effectRef>
+          <a:fontRef idx="minor">
+            <a:schemeClr val="lt1"/>
+          </a:fontRef>
+        </p:style>
+        <p:txBody>
+          <a:bodyPr rtlCol="0" anchor="ctr"/>
+          <a:lstStyle/>
+          <a:p>
+            <a:pPr algn="ctr"/>
+            <a:endParaRPr lang="ko-KR" altLang="en-US"/>
+          </a:p>
+        </p:txBody>
+      </p:sp>
+      <p:sp>
+        <p:nvSpPr>
+          <p:cNvPr id="28" name="TextBox 27"/>
+          <p:cNvSpPr txBox="1"/>
+          <p:nvPr/>
+        </p:nvSpPr>
+        <p:spPr>
+          <a:xfrm>
+            <a:off x="3263960" y="4385764"/>
+            <a:ext cx="1368152" cy="408623"/>
+          </a:xfrm>
+          <a:prstGeom prst="roundRect">
+            <a:avLst/>
+          </a:prstGeom>
+          <a:ln w="19050"/>
+        </p:spPr>
+        <p:style>
+          <a:lnRef idx="2">
+            <a:schemeClr val="accent2"/>
+          </a:lnRef>
+          <a:fillRef idx="1">
+            <a:schemeClr val="lt1"/>
+          </a:fillRef>
+          <a:effectRef idx="0">
+            <a:schemeClr val="accent2"/>
+          </a:effectRef>
+          <a:fontRef idx="minor">
+            <a:schemeClr val="dk1"/>
+          </a:fontRef>
+        </p:style>
+        <p:txBody>
+          <a:bodyPr wrap="square" rtlCol="0">
+            <a:spAutoFit/>
+          </a:bodyPr>
+          <a:lstStyle/>
+          <a:p>
+            <a:pPr algn="ctr"/>
+            <a:r>
+              <a:rPr lang="ko-KR" altLang="en-US" dirty="0" err="1" smtClean="0"/>
+              <a:t>콤머</a:t>
+            </a:r>
+            <a:r>
+              <a:rPr lang="en-US" altLang="ko-KR" dirty="0" smtClean="0"/>
+              <a:t>(</a:t>
+            </a:r>
+            <a:r>
+              <a:rPr lang="en-US" altLang="ko-KR" dirty="0">
+                <a:sym typeface="Wingdings" panose="05000000000000000000" pitchFamily="2" charset="2"/>
+              </a:rPr>
+              <a:t>,</a:t>
+            </a:r>
+            <a:r>
+              <a:rPr lang="en-US" altLang="ko-KR" dirty="0" smtClean="0">
+                <a:sym typeface="Wingdings" panose="05000000000000000000" pitchFamily="2" charset="2"/>
+              </a:rPr>
+              <a:t>)</a:t>
+            </a:r>
+            <a:r>
+              <a:rPr lang="ko-KR" altLang="en-US" dirty="0" smtClean="0">
+                <a:sym typeface="Wingdings" panose="05000000000000000000" pitchFamily="2" charset="2"/>
+              </a:rPr>
+              <a:t>사용</a:t>
+            </a:r>
+            <a:endParaRPr lang="ko-KR" altLang="en-US" dirty="0"/>
+          </a:p>
+        </p:txBody>
+      </p:sp>
+      <p:cxnSp>
+        <p:nvCxnSpPr>
+          <p:cNvPr id="29" name="직선 화살표 연결선 28"/>
+          <p:cNvCxnSpPr>
+            <a:stCxn id="28" idx="0"/>
+            <a:endCxn id="30" idx="4"/>
+          </p:cNvCxnSpPr>
+          <p:nvPr/>
+        </p:nvCxnSpPr>
+        <p:spPr>
+          <a:xfrm flipH="1" flipV="1">
+            <a:off x="2935202" y="3519878"/>
+            <a:ext cx="1012834" cy="865886"/>
+          </a:xfrm>
+          <a:prstGeom prst="straightConnector1">
+            <a:avLst/>
+          </a:prstGeom>
+          <a:ln w="19050">
+            <a:solidFill>
+              <a:srgbClr val="C00000"/>
+            </a:solidFill>
+            <a:tailEnd type="triangle"/>
+          </a:ln>
+        </p:spPr>
+        <p:style>
+          <a:lnRef idx="1">
+            <a:schemeClr val="accent1"/>
+          </a:lnRef>
+          <a:fillRef idx="0">
+            <a:schemeClr val="accent1"/>
+          </a:fillRef>
+          <a:effectRef idx="0">
+            <a:schemeClr val="accent1"/>
+          </a:effectRef>
+          <a:fontRef idx="minor">
+            <a:schemeClr val="tx1"/>
+          </a:fontRef>
+        </p:style>
+      </p:cxnSp>
+      <p:sp>
+        <p:nvSpPr>
+          <p:cNvPr id="30" name="타원 29"/>
+          <p:cNvSpPr/>
+          <p:nvPr/>
+        </p:nvSpPr>
+        <p:spPr>
+          <a:xfrm>
+            <a:off x="2753608" y="3232565"/>
+            <a:ext cx="363187" cy="287313"/>
+          </a:xfrm>
+          <a:prstGeom prst="ellipse">
+            <a:avLst/>
+          </a:prstGeom>
+          <a:noFill/>
+          <a:ln w="19050">
+            <a:solidFill>
+              <a:srgbClr val="C00000"/>
+            </a:solidFill>
+            <a:prstDash val="sysDash"/>
+          </a:ln>
+        </p:spPr>
+        <p:style>
+          <a:lnRef idx="2">
+            <a:schemeClr val="accent1">
+              <a:shade val="50000"/>
+            </a:schemeClr>
+          </a:lnRef>
+          <a:fillRef idx="1">
+            <a:schemeClr val="accent1"/>
+          </a:fillRef>
+          <a:effectRef idx="0">
+            <a:schemeClr val="accent1"/>
+          </a:effectRef>
+          <a:fontRef idx="minor">
+            <a:schemeClr val="lt1"/>
+          </a:fontRef>
+        </p:style>
+        <p:txBody>
+          <a:bodyPr rtlCol="0" anchor="ctr"/>
+          <a:lstStyle/>
+          <a:p>
+            <a:pPr algn="ctr"/>
+            <a:endParaRPr lang="ko-KR" altLang="en-US"/>
+          </a:p>
+        </p:txBody>
+      </p:sp>
+      <p:sp>
+        <p:nvSpPr>
+          <p:cNvPr id="6" name="TextBox 5"/>
+          <p:cNvSpPr txBox="1"/>
+          <p:nvPr/>
+        </p:nvSpPr>
+        <p:spPr>
+          <a:xfrm>
+            <a:off x="1676634" y="4951553"/>
+            <a:ext cx="2955477" cy="408623"/>
+          </a:xfrm>
+          <a:prstGeom prst="roundRect">
+            <a:avLst/>
+          </a:prstGeom>
+          <a:ln w="19050"/>
+        </p:spPr>
+        <p:style>
+          <a:lnRef idx="2">
+            <a:schemeClr val="accent4"/>
+          </a:lnRef>
+          <a:fillRef idx="1">
+            <a:schemeClr val="lt1"/>
+          </a:fillRef>
+          <a:effectRef idx="0">
+            <a:schemeClr val="accent4"/>
+          </a:effectRef>
+          <a:fontRef idx="minor">
+            <a:schemeClr val="dk1"/>
+          </a:fontRef>
+        </p:style>
+        <p:txBody>
+          <a:bodyPr wrap="square" rtlCol="0">
+            <a:spAutoFit/>
+          </a:bodyPr>
+          <a:lstStyle/>
+          <a:p>
+            <a:pPr algn="ctr"/>
+            <a:r>
+              <a:rPr lang="ko-KR" altLang="en-US" dirty="0" smtClean="0"/>
+              <a:t>키</a:t>
+            </a:r>
+            <a:r>
+              <a:rPr lang="en-US" altLang="ko-KR" dirty="0" smtClean="0"/>
+              <a:t>(key) : </a:t>
+            </a:r>
+            <a:r>
+              <a:rPr lang="ko-KR" altLang="en-US" dirty="0" smtClean="0"/>
+              <a:t>값</a:t>
+            </a:r>
+            <a:r>
+              <a:rPr lang="en-US" altLang="ko-KR" dirty="0" smtClean="0"/>
+              <a:t>(value) </a:t>
+            </a:r>
+            <a:r>
+              <a:rPr lang="ko-KR" altLang="en-US" dirty="0" smtClean="0"/>
+              <a:t>형태</a:t>
+            </a:r>
+            <a:endParaRPr lang="ko-KR" altLang="en-US" dirty="0"/>
+          </a:p>
+        </p:txBody>
+      </p:sp>
+    </p:spTree>
+    <p:extLst>
+      <p:ext uri="{BB962C8B-B14F-4D97-AF65-F5344CB8AC3E}">
+        <p14:creationId xmlns:p14="http://schemas.microsoft.com/office/powerpoint/2010/main" val="2922171657"/>
+      </p:ext>
+    </p:extLst>
+  </p:cSld>
+  <p:clrMapOvr>
+    <a:masterClrMapping/>
+  </p:clrMapOvr>
+  <p:timing>
+    <p:tnLst>
+      <p:par>
+        <p:cTn id="1" dur="indefinite" restart="never" nodeType="tmRoot"/>
+      </p:par>
+    </p:tnLst>
+  </p:timing>
+</p:sld>
+</file>
+
+<file path=ppt/slides/slide45.xml><?xml version="1.0" encoding="utf-8"?>
+<p:sld xmlns:a="http://schemas.openxmlformats.org/drawingml/2006/main" xmlns:r="http://schemas.openxmlformats.org/officeDocument/2006/relationships" xmlns:p="http://schemas.openxmlformats.org/presentationml/2006/main">
+  <p:cSld>
+    <p:spTree>
+      <p:nvGrpSpPr>
+        <p:cNvPr id="1" name=""/>
+        <p:cNvGrpSpPr/>
+        <p:nvPr/>
+      </p:nvGrpSpPr>
+      <p:grpSpPr>
+        <a:xfrm>
+          <a:off x="0" y="0"/>
+          <a:ext cx="0" cy="0"/>
+          <a:chOff x="0" y="0"/>
+          <a:chExt cx="0" cy="0"/>
+        </a:xfrm>
+      </p:grpSpPr>
+      <p:sp>
+        <p:nvSpPr>
+          <p:cNvPr id="2" name="제목 1"/>
+          <p:cNvSpPr>
+            <a:spLocks noGrp="1"/>
+          </p:cNvSpPr>
+          <p:nvPr>
+            <p:ph type="title"/>
+          </p:nvPr>
+        </p:nvSpPr>
+        <p:spPr>
+          <a:xfrm>
+            <a:off x="416497" y="197768"/>
+            <a:ext cx="6412780" cy="854968"/>
+          </a:xfrm>
+        </p:spPr>
+        <p:txBody>
+          <a:bodyPr>
+            <a:noAutofit/>
+          </a:bodyPr>
+          <a:lstStyle/>
+          <a:p>
+            <a:pPr algn="ctr"/>
+            <a:r>
+              <a:rPr lang="ko-KR" altLang="en-US" sz="2800" dirty="0" smtClean="0"/>
+              <a:t>객체의 정의 및 사용</a:t>
+            </a:r>
+            <a:endParaRPr lang="ko-KR" altLang="en-US" sz="2800" dirty="0"/>
+          </a:p>
+        </p:txBody>
+      </p:sp>
+      <p:sp>
+        <p:nvSpPr>
+          <p:cNvPr id="4" name="슬라이드 번호 개체 틀 3"/>
+          <p:cNvSpPr>
+            <a:spLocks noGrp="1"/>
+          </p:cNvSpPr>
+          <p:nvPr>
+            <p:ph type="sldNum" sz="quarter" idx="12"/>
+          </p:nvPr>
+        </p:nvSpPr>
+        <p:spPr/>
+        <p:txBody>
+          <a:bodyPr/>
+          <a:lstStyle/>
+          <a:p>
+            <a:fld id="{1BDE3FE7-3AEA-4B05-AC5A-802D1816ACF0}" type="slidenum">
+              <a:rPr lang="ko-KR" altLang="en-US" smtClean="0"/>
+              <a:t>45</a:t>
             </a:fld>
             <a:endParaRPr lang="ko-KR" altLang="en-US"/>
           </a:p>
@@ -15780,7 +16361,7 @@
 </p:sld>
 </file>
 
-<file path=ppt/slides/slide43.xml><?xml version="1.0" encoding="utf-8"?>
+<file path=ppt/slides/slide46.xml><?xml version="1.0" encoding="utf-8"?>
 <p:sld xmlns:a="http://schemas.openxmlformats.org/drawingml/2006/main" xmlns:r="http://schemas.openxmlformats.org/officeDocument/2006/relationships" xmlns:p="http://schemas.openxmlformats.org/presentationml/2006/main">
   <p:cSld>
     <p:spTree>
@@ -15894,7 +16475,7 @@
           <a:p>
             <a:fld id="{1BDE3FE7-3AEA-4B05-AC5A-802D1816ACF0}" type="slidenum">
               <a:rPr lang="ko-KR" altLang="en-US" smtClean="0"/>
-              <a:t>43</a:t>
+              <a:t>46</a:t>
             </a:fld>
             <a:endParaRPr lang="ko-KR" altLang="en-US"/>
           </a:p>
@@ -16242,7 +16823,7 @@
 </p:sld>
 </file>
 
-<file path=ppt/slides/slide44.xml><?xml version="1.0" encoding="utf-8"?>
+<file path=ppt/slides/slide47.xml><?xml version="1.0" encoding="utf-8"?>
 <p:sld xmlns:a="http://schemas.openxmlformats.org/drawingml/2006/main" xmlns:r="http://schemas.openxmlformats.org/officeDocument/2006/relationships" xmlns:p="http://schemas.openxmlformats.org/presentationml/2006/main">
   <p:cSld>
     <p:spTree>
@@ -16356,7 +16937,7 @@
           <a:p>
             <a:fld id="{1BDE3FE7-3AEA-4B05-AC5A-802D1816ACF0}" type="slidenum">
               <a:rPr lang="ko-KR" altLang="en-US" smtClean="0"/>
-              <a:t>44</a:t>
+              <a:t>47</a:t>
             </a:fld>
             <a:endParaRPr lang="ko-KR" altLang="en-US"/>
           </a:p>
@@ -16561,7 +17142,7 @@
 </p:sld>
 </file>
 
-<file path=ppt/slides/slide45.xml><?xml version="1.0" encoding="utf-8"?>
+<file path=ppt/slides/slide48.xml><?xml version="1.0" encoding="utf-8"?>
 <p:sld xmlns:a="http://schemas.openxmlformats.org/drawingml/2006/main" xmlns:r="http://schemas.openxmlformats.org/officeDocument/2006/relationships" xmlns:p="http://schemas.openxmlformats.org/presentationml/2006/main">
   <p:cSld>
     <p:spTree>
@@ -16638,7 +17219,7 @@
           <a:p>
             <a:fld id="{1BDE3FE7-3AEA-4B05-AC5A-802D1816ACF0}" type="slidenum">
               <a:rPr lang="ko-KR" altLang="en-US" smtClean="0"/>
-              <a:t>45</a:t>
+              <a:t>48</a:t>
             </a:fld>
             <a:endParaRPr lang="ko-KR" altLang="en-US"/>
           </a:p>
@@ -17116,7 +17697,7 @@
 </p:sld>
 </file>
 
-<file path=ppt/slides/slide46.xml><?xml version="1.0" encoding="utf-8"?>
+<file path=ppt/slides/slide49.xml><?xml version="1.0" encoding="utf-8"?>
 <p:sld xmlns:a="http://schemas.openxmlformats.org/drawingml/2006/main" xmlns:r="http://schemas.openxmlformats.org/officeDocument/2006/relationships" xmlns:p="http://schemas.openxmlformats.org/presentationml/2006/main">
   <p:cSld>
     <p:spTree>
@@ -17181,7 +17762,7 @@
           <a:p>
             <a:fld id="{1BDE3FE7-3AEA-4B05-AC5A-802D1816ACF0}" type="slidenum">
               <a:rPr lang="ko-KR" altLang="en-US" smtClean="0"/>
-              <a:t>46</a:t>
+              <a:t>49</a:t>
             </a:fld>
             <a:endParaRPr lang="ko-KR" altLang="en-US"/>
           </a:p>
@@ -17346,7 +17927,7 @@
 </p:sld>
 </file>
 
-<file path=ppt/slides/slide47.xml><?xml version="1.0" encoding="utf-8"?>
+<file path=ppt/slides/slide5.xml><?xml version="1.0" encoding="utf-8"?>
 <p:sld xmlns:a="http://schemas.openxmlformats.org/drawingml/2006/main" xmlns:r="http://schemas.openxmlformats.org/officeDocument/2006/relationships" xmlns:p="http://schemas.openxmlformats.org/presentationml/2006/main">
   <p:cSld>
     <p:spTree>
@@ -17392,7 +17973,15 @@
             </a:r>
             <a:r>
               <a:rPr lang="en-US" altLang="ko-KR" sz="2800" dirty="0" smtClean="0"/>
-              <a:t>- Array</a:t>
+              <a:t>-</a:t>
+            </a:r>
+            <a:r>
+              <a:rPr lang="en-US" altLang="ko-KR" sz="2800" dirty="0"/>
+              <a:t> </a:t>
+            </a:r>
+            <a:r>
+              <a:rPr lang="en-US" altLang="ko-KR" sz="2800" dirty="0" smtClean="0"/>
+              <a:t>Math</a:t>
             </a:r>
             <a:endParaRPr lang="ko-KR" altLang="en-US" sz="2800" dirty="0"/>
           </a:p>
@@ -17415,7 +18004,7 @@
           <a:p>
             <a:fld id="{1BDE3FE7-3AEA-4B05-AC5A-802D1816ACF0}" type="slidenum">
               <a:rPr lang="ko-KR" altLang="en-US" smtClean="0"/>
-              <a:t>47</a:t>
+              <a:t>5</a:t>
             </a:fld>
             <a:endParaRPr lang="ko-KR" altLang="en-US"/>
           </a:p>
@@ -17423,7 +18012,7 @@
       </p:sp>
       <p:pic>
         <p:nvPicPr>
-          <p:cNvPr id="6" name="그림 5"/>
+          <p:cNvPr id="7" name="그림 6"/>
           <p:cNvPicPr>
             <a:picLocks noChangeAspect="1"/>
           </p:cNvPicPr>
@@ -17443,8 +18032,8 @@
         </p:blipFill>
         <p:spPr>
           <a:xfrm>
-            <a:off x="1640632" y="2180036"/>
-            <a:ext cx="6624736" cy="3732869"/>
+            <a:off x="6321151" y="2049161"/>
+            <a:ext cx="1920407" cy="4252329"/>
           </a:xfrm>
           <a:prstGeom prst="rect">
             <a:avLst/>
@@ -17452,15 +18041,57 @@
           <a:ln>
             <a:solidFill>
               <a:schemeClr val="bg1">
-                <a:lumMod val="85000"/>
+                <a:lumMod val="95000"/>
               </a:schemeClr>
             </a:solidFill>
           </a:ln>
         </p:spPr>
       </p:pic>
+      <p:sp>
+        <p:nvSpPr>
+          <p:cNvPr id="8" name="TextBox 7"/>
+          <p:cNvSpPr txBox="1"/>
+          <p:nvPr/>
+        </p:nvSpPr>
+        <p:spPr>
+          <a:xfrm>
+            <a:off x="704527" y="1411123"/>
+            <a:ext cx="8136905" cy="553998"/>
+          </a:xfrm>
+          <a:prstGeom prst="rect">
+            <a:avLst/>
+          </a:prstGeom>
+          <a:noFill/>
+        </p:spPr>
+        <p:txBody>
+          <a:bodyPr wrap="square" rtlCol="0">
+            <a:spAutoFit/>
+          </a:bodyPr>
+          <a:lstStyle/>
+          <a:p>
+            <a:pPr>
+              <a:lnSpc>
+                <a:spcPct val="150000"/>
+              </a:lnSpc>
+            </a:pPr>
+            <a:r>
+              <a:rPr lang="ko-KR" altLang="en-US" dirty="0"/>
+              <a:t> </a:t>
+            </a:r>
+            <a:r>
+              <a:rPr lang="en-US" altLang="ko-KR" sz="2000" b="1" dirty="0"/>
+              <a:t> </a:t>
+            </a:r>
+            <a:r>
+              <a:rPr lang="en-US" altLang="ko-KR" sz="2000" b="1" dirty="0" smtClean="0"/>
+              <a:t>MDN &gt; Reference &gt; JavaScript &gt; Built-in objects &gt; Math</a:t>
+            </a:r>
+          </a:p>
+        </p:txBody>
+      </p:sp>
       <p:pic>
         <p:nvPicPr>
-          <p:cNvPr id="9" name="그림 8"/>
+          <p:cNvPr id="5" name="그림 4"/>
           <p:cNvPicPr>
             <a:picLocks noChangeAspect="1"/>
           </p:cNvPicPr>
@@ -17480,8 +18111,8 @@
         </p:blipFill>
         <p:spPr>
           <a:xfrm>
-            <a:off x="6110221" y="1738188"/>
-            <a:ext cx="2433061" cy="1042740"/>
+            <a:off x="1064568" y="2077207"/>
+            <a:ext cx="4753503" cy="3758709"/>
           </a:xfrm>
           <a:prstGeom prst="rect">
             <a:avLst/>
@@ -17495,48 +18126,10 @@
           </a:ln>
         </p:spPr>
       </p:pic>
-      <p:sp>
-        <p:nvSpPr>
-          <p:cNvPr id="10" name="TextBox 9"/>
-          <p:cNvSpPr txBox="1"/>
-          <p:nvPr/>
-        </p:nvSpPr>
-        <p:spPr>
-          <a:xfrm>
-            <a:off x="1606833" y="1568911"/>
-            <a:ext cx="1224136" cy="338554"/>
-          </a:xfrm>
-          <a:prstGeom prst="rect">
-            <a:avLst/>
-          </a:prstGeom>
-          <a:noFill/>
-        </p:spPr>
-        <p:txBody>
-          <a:bodyPr wrap="square" rtlCol="0">
-            <a:spAutoFit/>
-          </a:bodyPr>
-          <a:lstStyle/>
-          <a:p>
-            <a:r>
-              <a:rPr lang="en-US" altLang="ko-KR" sz="1600" dirty="0" smtClean="0">
-                <a:solidFill>
-                  <a:srgbClr val="FF0000"/>
-                </a:solidFill>
-              </a:rPr>
-              <a:t>map2.html</a:t>
-            </a:r>
-            <a:endParaRPr lang="ko-KR" altLang="en-US" sz="1600" dirty="0">
-              <a:solidFill>
-                <a:srgbClr val="FF0000"/>
-              </a:solidFill>
-            </a:endParaRPr>
-          </a:p>
-        </p:txBody>
-      </p:sp>
     </p:spTree>
     <p:extLst>
       <p:ext uri="{BB962C8B-B14F-4D97-AF65-F5344CB8AC3E}">
-        <p14:creationId xmlns:p14="http://schemas.microsoft.com/office/powerpoint/2010/main" val="3762187869"/>
+        <p14:creationId xmlns:p14="http://schemas.microsoft.com/office/powerpoint/2010/main" val="1251204351"/>
       </p:ext>
     </p:extLst>
   </p:cSld>
@@ -17553,7 +18146,7 @@
 </p:sld>
 </file>
 
-<file path=ppt/slides/slide48.xml><?xml version="1.0" encoding="utf-8"?>
+<file path=ppt/slides/slide50.xml><?xml version="1.0" encoding="utf-8"?>
 <p:sld xmlns:a="http://schemas.openxmlformats.org/drawingml/2006/main" xmlns:r="http://schemas.openxmlformats.org/officeDocument/2006/relationships" xmlns:p="http://schemas.openxmlformats.org/presentationml/2006/main">
   <p:cSld>
     <p:spTree>
@@ -17618,7 +18211,7 @@
           <a:p>
             <a:fld id="{1BDE3FE7-3AEA-4B05-AC5A-802D1816ACF0}" type="slidenum">
               <a:rPr lang="ko-KR" altLang="en-US" smtClean="0"/>
-              <a:t>48</a:t>
+              <a:t>50</a:t>
             </a:fld>
             <a:endParaRPr lang="ko-KR" altLang="en-US"/>
           </a:p>
@@ -17724,7 +18317,7 @@
 </p:sld>
 </file>
 
-<file path=ppt/slides/slide49.xml><?xml version="1.0" encoding="utf-8"?>
+<file path=ppt/slides/slide51.xml><?xml version="1.0" encoding="utf-8"?>
 <p:sld xmlns:a="http://schemas.openxmlformats.org/drawingml/2006/main" xmlns:r="http://schemas.openxmlformats.org/officeDocument/2006/relationships" xmlns:p="http://schemas.openxmlformats.org/presentationml/2006/main">
   <p:cSld>
     <p:spTree>
@@ -17789,7 +18382,7 @@
           <a:p>
             <a:fld id="{1BDE3FE7-3AEA-4B05-AC5A-802D1816ACF0}" type="slidenum">
               <a:rPr lang="ko-KR" altLang="en-US" smtClean="0"/>
-              <a:t>49</a:t>
+              <a:t>51</a:t>
             </a:fld>
             <a:endParaRPr lang="ko-KR" altLang="en-US"/>
           </a:p>
@@ -18054,7 +18647,7 @@
 </p:sld>
 </file>
 
-<file path=ppt/slides/slide5.xml><?xml version="1.0" encoding="utf-8"?>
+<file path=ppt/slides/slide52.xml><?xml version="1.0" encoding="utf-8"?>
 <p:sld xmlns:a="http://schemas.openxmlformats.org/drawingml/2006/main" xmlns:r="http://schemas.openxmlformats.org/officeDocument/2006/relationships" xmlns:p="http://schemas.openxmlformats.org/presentationml/2006/main">
   <p:cSld>
     <p:spTree>
@@ -18096,19 +18689,7 @@
             <a:pPr algn="ctr"/>
             <a:r>
               <a:rPr lang="ko-KR" altLang="en-US" sz="2800" dirty="0" smtClean="0"/>
-              <a:t>내장 객체 </a:t>
-            </a:r>
-            <a:r>
-              <a:rPr lang="en-US" altLang="ko-KR" sz="2800" dirty="0" smtClean="0"/>
-              <a:t>-</a:t>
-            </a:r>
-            <a:r>
-              <a:rPr lang="en-US" altLang="ko-KR" sz="2800" dirty="0"/>
-              <a:t> </a:t>
-            </a:r>
-            <a:r>
-              <a:rPr lang="en-US" altLang="ko-KR" sz="2800" dirty="0" smtClean="0"/>
-              <a:t>Math</a:t>
+              <a:t>도서 목록 만들기</a:t>
             </a:r>
             <a:endParaRPr lang="ko-KR" altLang="en-US" sz="2800" dirty="0"/>
           </a:p>
@@ -18131,214 +18712,7 @@
           <a:p>
             <a:fld id="{1BDE3FE7-3AEA-4B05-AC5A-802D1816ACF0}" type="slidenum">
               <a:rPr lang="ko-KR" altLang="en-US" smtClean="0"/>
-              <a:t>5</a:t>
-            </a:fld>
-            <a:endParaRPr lang="ko-KR" altLang="en-US"/>
-          </a:p>
-        </p:txBody>
-      </p:sp>
-      <p:pic>
-        <p:nvPicPr>
-          <p:cNvPr id="7" name="그림 6"/>
-          <p:cNvPicPr>
-            <a:picLocks noChangeAspect="1"/>
-          </p:cNvPicPr>
-          <p:nvPr/>
-        </p:nvPicPr>
-        <p:blipFill>
-          <a:blip r:embed="rId2">
-            <a:extLst>
-              <a:ext uri="{28A0092B-C50C-407E-A947-70E740481C1C}">
-                <a14:useLocalDpi xmlns:a14="http://schemas.microsoft.com/office/drawing/2010/main" val="0"/>
-              </a:ext>
-            </a:extLst>
-          </a:blip>
-          <a:stretch>
-            <a:fillRect/>
-          </a:stretch>
-        </p:blipFill>
-        <p:spPr>
-          <a:xfrm>
-            <a:off x="6321151" y="2049161"/>
-            <a:ext cx="1920407" cy="4252329"/>
-          </a:xfrm>
-          <a:prstGeom prst="rect">
-            <a:avLst/>
-          </a:prstGeom>
-          <a:ln>
-            <a:solidFill>
-              <a:schemeClr val="bg1">
-                <a:lumMod val="95000"/>
-              </a:schemeClr>
-            </a:solidFill>
-          </a:ln>
-        </p:spPr>
-      </p:pic>
-      <p:sp>
-        <p:nvSpPr>
-          <p:cNvPr id="8" name="TextBox 7"/>
-          <p:cNvSpPr txBox="1"/>
-          <p:nvPr/>
-        </p:nvSpPr>
-        <p:spPr>
-          <a:xfrm>
-            <a:off x="704527" y="1411123"/>
-            <a:ext cx="8136905" cy="553998"/>
-          </a:xfrm>
-          <a:prstGeom prst="rect">
-            <a:avLst/>
-          </a:prstGeom>
-          <a:noFill/>
-        </p:spPr>
-        <p:txBody>
-          <a:bodyPr wrap="square" rtlCol="0">
-            <a:spAutoFit/>
-          </a:bodyPr>
-          <a:lstStyle/>
-          <a:p>
-            <a:pPr>
-              <a:lnSpc>
-                <a:spcPct val="150000"/>
-              </a:lnSpc>
-            </a:pPr>
-            <a:r>
-              <a:rPr lang="ko-KR" altLang="en-US" dirty="0"/>
-              <a:t> </a:t>
-            </a:r>
-            <a:r>
-              <a:rPr lang="en-US" altLang="ko-KR" sz="2000" b="1" dirty="0"/>
-              <a:t> </a:t>
-            </a:r>
-            <a:r>
-              <a:rPr lang="en-US" altLang="ko-KR" sz="2000" b="1" dirty="0" smtClean="0"/>
-              <a:t>MDN &gt; Reference &gt; JavaScript &gt; Built-in objects &gt; Math</a:t>
-            </a:r>
-          </a:p>
-        </p:txBody>
-      </p:sp>
-      <p:pic>
-        <p:nvPicPr>
-          <p:cNvPr id="5" name="그림 4"/>
-          <p:cNvPicPr>
-            <a:picLocks noChangeAspect="1"/>
-          </p:cNvPicPr>
-          <p:nvPr/>
-        </p:nvPicPr>
-        <p:blipFill>
-          <a:blip r:embed="rId3">
-            <a:extLst>
-              <a:ext uri="{28A0092B-C50C-407E-A947-70E740481C1C}">
-                <a14:useLocalDpi xmlns:a14="http://schemas.microsoft.com/office/drawing/2010/main" val="0"/>
-              </a:ext>
-            </a:extLst>
-          </a:blip>
-          <a:stretch>
-            <a:fillRect/>
-          </a:stretch>
-        </p:blipFill>
-        <p:spPr>
-          <a:xfrm>
-            <a:off x="1064568" y="2077207"/>
-            <a:ext cx="4753503" cy="3758709"/>
-          </a:xfrm>
-          <a:prstGeom prst="rect">
-            <a:avLst/>
-          </a:prstGeom>
-          <a:ln>
-            <a:solidFill>
-              <a:schemeClr val="bg1">
-                <a:lumMod val="85000"/>
-              </a:schemeClr>
-            </a:solidFill>
-          </a:ln>
-        </p:spPr>
-      </p:pic>
-    </p:spTree>
-    <p:extLst>
-      <p:ext uri="{BB962C8B-B14F-4D97-AF65-F5344CB8AC3E}">
-        <p14:creationId xmlns:p14="http://schemas.microsoft.com/office/powerpoint/2010/main" val="1251204351"/>
-      </p:ext>
-    </p:extLst>
-  </p:cSld>
-  <p:clrMapOvr>
-    <a:masterClrMapping/>
-  </p:clrMapOvr>
-  <p:timing>
-    <p:tnLst>
-      <p:par>
-        <p:cTn id="1" dur="indefinite" restart="never" nodeType="tmRoot"/>
-      </p:par>
-    </p:tnLst>
-  </p:timing>
-</p:sld>
-</file>
-
-<file path=ppt/slides/slide50.xml><?xml version="1.0" encoding="utf-8"?>
-<p:sld xmlns:a="http://schemas.openxmlformats.org/drawingml/2006/main" xmlns:r="http://schemas.openxmlformats.org/officeDocument/2006/relationships" xmlns:p="http://schemas.openxmlformats.org/presentationml/2006/main">
-  <p:cSld>
-    <p:spTree>
-      <p:nvGrpSpPr>
-        <p:cNvPr id="1" name=""/>
-        <p:cNvGrpSpPr/>
-        <p:nvPr/>
-      </p:nvGrpSpPr>
-      <p:grpSpPr>
-        <a:xfrm>
-          <a:off x="0" y="0"/>
-          <a:ext cx="0" cy="0"/>
-          <a:chOff x="0" y="0"/>
-          <a:chExt cx="0" cy="0"/>
-        </a:xfrm>
-      </p:grpSpPr>
-      <p:sp>
-        <p:nvSpPr>
-          <p:cNvPr id="2" name="제목 1"/>
-          <p:cNvSpPr>
-            <a:spLocks noGrp="1"/>
-          </p:cNvSpPr>
-          <p:nvPr>
-            <p:ph type="title"/>
-          </p:nvPr>
-        </p:nvSpPr>
-        <p:spPr>
-          <a:xfrm>
-            <a:off x="416497" y="197768"/>
-            <a:ext cx="6412780" cy="854968"/>
-          </a:xfrm>
-        </p:spPr>
-        <p:txBody>
-          <a:bodyPr>
-            <a:noAutofit/>
-          </a:bodyPr>
-          <a:lstStyle/>
-          <a:p>
-            <a:pPr algn="ctr"/>
-            <a:r>
-              <a:rPr lang="ko-KR" altLang="en-US" sz="2800" dirty="0" smtClean="0"/>
-              <a:t>도서 목록 만들기</a:t>
-            </a:r>
-            <a:endParaRPr lang="ko-KR" altLang="en-US" sz="2800" dirty="0"/>
-          </a:p>
-        </p:txBody>
-      </p:sp>
-      <p:sp>
-        <p:nvSpPr>
-          <p:cNvPr id="4" name="슬라이드 번호 개체 틀 3"/>
-          <p:cNvSpPr>
-            <a:spLocks noGrp="1"/>
-          </p:cNvSpPr>
-          <p:nvPr>
-            <p:ph type="sldNum" sz="quarter" idx="12"/>
-          </p:nvPr>
-        </p:nvSpPr>
-        <p:spPr/>
-        <p:txBody>
-          <a:bodyPr/>
-          <a:lstStyle/>
-          <a:p>
-            <a:fld id="{1BDE3FE7-3AEA-4B05-AC5A-802D1816ACF0}" type="slidenum">
-              <a:rPr lang="ko-KR" altLang="en-US" smtClean="0"/>
-              <a:t>50</a:t>
+              <a:t>52</a:t>
             </a:fld>
             <a:endParaRPr lang="ko-KR" altLang="en-US"/>
           </a:p>
